--- a/FW/Phuc/WEEK1_yarn & npm/slite yarn_npm.pptx
+++ b/FW/Phuc/WEEK1_yarn & npm/slite yarn_npm.pptx
@@ -5,24 +5,25 @@
     <p:sldMasterId id="2147483648" r:id="rId1"/>
   </p:sldMasterIdLst>
   <p:sldIdLst>
-    <p:sldId id="270" r:id="rId2"/>
-    <p:sldId id="271" r:id="rId3"/>
-    <p:sldId id="256" r:id="rId4"/>
-    <p:sldId id="257" r:id="rId5"/>
-    <p:sldId id="258" r:id="rId6"/>
-    <p:sldId id="259" r:id="rId7"/>
-    <p:sldId id="260" r:id="rId8"/>
-    <p:sldId id="261" r:id="rId9"/>
-    <p:sldId id="262" r:id="rId10"/>
-    <p:sldId id="273" r:id="rId11"/>
-    <p:sldId id="263" r:id="rId12"/>
-    <p:sldId id="264" r:id="rId13"/>
-    <p:sldId id="266" r:id="rId14"/>
-    <p:sldId id="267" r:id="rId15"/>
-    <p:sldId id="268" r:id="rId16"/>
-    <p:sldId id="269" r:id="rId17"/>
-    <p:sldId id="272" r:id="rId18"/>
-    <p:sldId id="274" r:id="rId19"/>
+    <p:sldId id="256" r:id="rId2"/>
+    <p:sldId id="270" r:id="rId3"/>
+    <p:sldId id="271" r:id="rId4"/>
+    <p:sldId id="272" r:id="rId5"/>
+    <p:sldId id="273" r:id="rId6"/>
+    <p:sldId id="258" r:id="rId7"/>
+    <p:sldId id="259" r:id="rId8"/>
+    <p:sldId id="260" r:id="rId9"/>
+    <p:sldId id="274" r:id="rId10"/>
+    <p:sldId id="262" r:id="rId11"/>
+    <p:sldId id="275" r:id="rId12"/>
+    <p:sldId id="263" r:id="rId13"/>
+    <p:sldId id="264" r:id="rId14"/>
+    <p:sldId id="266" r:id="rId15"/>
+    <p:sldId id="276" r:id="rId16"/>
+    <p:sldId id="268" r:id="rId17"/>
+    <p:sldId id="269" r:id="rId18"/>
+    <p:sldId id="277" r:id="rId19"/>
+    <p:sldId id="261" r:id="rId20"/>
   </p:sldIdLst>
   <p:sldSz cx="12192000" cy="6858000"/>
   <p:notesSz cx="6858000" cy="9144000"/>
@@ -171,10 +172,9 @@
           </a:lstStyle>
           <a:p>
             <a:r>
-              <a:rPr lang="en-US" smtClean="0"/>
+              <a:rPr lang="en-US"/>
               <a:t>Click to edit Master title style</a:t>
             </a:r>
-            <a:endParaRPr lang="en-US"/>
           </a:p>
         </p:txBody>
       </p:sp>
@@ -236,10 +236,9 @@
           </a:lstStyle>
           <a:p>
             <a:r>
-              <a:rPr lang="en-US" smtClean="0"/>
+              <a:rPr lang="en-US"/>
               <a:t>Click to edit Master subtitle style</a:t>
             </a:r>
-            <a:endParaRPr lang="en-US"/>
           </a:p>
         </p:txBody>
       </p:sp>
@@ -260,7 +259,7 @@
           <a:p>
             <a:fld id="{15F486B2-3BC1-4EED-AB89-7DA47EFBEE40}" type="datetimeFigureOut">
               <a:rPr lang="en-US" smtClean="0"/>
-              <a:t>7/17/2020</a:t>
+              <a:t>8/23/2020</a:t>
             </a:fld>
             <a:endParaRPr lang="en-US"/>
           </a:p>
@@ -354,10 +353,9 @@
           <a:lstStyle/>
           <a:p>
             <a:r>
-              <a:rPr lang="en-US" smtClean="0"/>
+              <a:rPr lang="en-US"/>
               <a:t>Click to edit Master title style</a:t>
             </a:r>
-            <a:endParaRPr lang="en-US"/>
           </a:p>
         </p:txBody>
       </p:sp>
@@ -378,38 +376,37 @@
           <a:p>
             <a:pPr lvl="0"/>
             <a:r>
-              <a:rPr lang="en-US" smtClean="0"/>
+              <a:rPr lang="en-US"/>
               <a:t>Edit Master text styles</a:t>
             </a:r>
           </a:p>
           <a:p>
             <a:pPr lvl="1"/>
             <a:r>
-              <a:rPr lang="en-US" smtClean="0"/>
+              <a:rPr lang="en-US"/>
               <a:t>Second level</a:t>
             </a:r>
           </a:p>
           <a:p>
             <a:pPr lvl="2"/>
             <a:r>
-              <a:rPr lang="en-US" smtClean="0"/>
+              <a:rPr lang="en-US"/>
               <a:t>Third level</a:t>
             </a:r>
           </a:p>
           <a:p>
             <a:pPr lvl="3"/>
             <a:r>
-              <a:rPr lang="en-US" smtClean="0"/>
+              <a:rPr lang="en-US"/>
               <a:t>Fourth level</a:t>
             </a:r>
           </a:p>
           <a:p>
             <a:pPr lvl="4"/>
             <a:r>
-              <a:rPr lang="en-US" smtClean="0"/>
+              <a:rPr lang="en-US"/>
               <a:t>Fifth level</a:t>
             </a:r>
-            <a:endParaRPr lang="en-US"/>
           </a:p>
         </p:txBody>
       </p:sp>
@@ -430,7 +427,7 @@
           <a:p>
             <a:fld id="{15F486B2-3BC1-4EED-AB89-7DA47EFBEE40}" type="datetimeFigureOut">
               <a:rPr lang="en-US" smtClean="0"/>
-              <a:t>7/17/2020</a:t>
+              <a:t>8/23/2020</a:t>
             </a:fld>
             <a:endParaRPr lang="en-US"/>
           </a:p>
@@ -529,10 +526,9 @@
           <a:lstStyle/>
           <a:p>
             <a:r>
-              <a:rPr lang="en-US" smtClean="0"/>
+              <a:rPr lang="en-US"/>
               <a:t>Click to edit Master title style</a:t>
             </a:r>
-            <a:endParaRPr lang="en-US"/>
           </a:p>
         </p:txBody>
       </p:sp>
@@ -558,38 +554,37 @@
           <a:p>
             <a:pPr lvl="0"/>
             <a:r>
-              <a:rPr lang="en-US" smtClean="0"/>
+              <a:rPr lang="en-US"/>
               <a:t>Edit Master text styles</a:t>
             </a:r>
           </a:p>
           <a:p>
             <a:pPr lvl="1"/>
             <a:r>
-              <a:rPr lang="en-US" smtClean="0"/>
+              <a:rPr lang="en-US"/>
               <a:t>Second level</a:t>
             </a:r>
           </a:p>
           <a:p>
             <a:pPr lvl="2"/>
             <a:r>
-              <a:rPr lang="en-US" smtClean="0"/>
+              <a:rPr lang="en-US"/>
               <a:t>Third level</a:t>
             </a:r>
           </a:p>
           <a:p>
             <a:pPr lvl="3"/>
             <a:r>
-              <a:rPr lang="en-US" smtClean="0"/>
+              <a:rPr lang="en-US"/>
               <a:t>Fourth level</a:t>
             </a:r>
           </a:p>
           <a:p>
             <a:pPr lvl="4"/>
             <a:r>
-              <a:rPr lang="en-US" smtClean="0"/>
+              <a:rPr lang="en-US"/>
               <a:t>Fifth level</a:t>
             </a:r>
-            <a:endParaRPr lang="en-US"/>
           </a:p>
         </p:txBody>
       </p:sp>
@@ -610,7 +605,7 @@
           <a:p>
             <a:fld id="{15F486B2-3BC1-4EED-AB89-7DA47EFBEE40}" type="datetimeFigureOut">
               <a:rPr lang="en-US" smtClean="0"/>
-              <a:t>7/17/2020</a:t>
+              <a:t>8/23/2020</a:t>
             </a:fld>
             <a:endParaRPr lang="en-US"/>
           </a:p>
@@ -662,6 +657,1685 @@
     <p:extLst>
       <p:ext uri="{BB962C8B-B14F-4D97-AF65-F5344CB8AC3E}">
         <p14:creationId xmlns:p14="http://schemas.microsoft.com/office/powerpoint/2010/main" val="3848612766"/>
+      </p:ext>
+    </p:extLst>
+  </p:cSld>
+  <p:clrMapOvr>
+    <a:masterClrMapping/>
+  </p:clrMapOvr>
+</p:sldLayout>
+</file>
+
+<file path=ppt/slideLayouts/slideLayout12.xml><?xml version="1.0" encoding="utf-8"?>
+<p:sldLayout xmlns:a="http://schemas.openxmlformats.org/drawingml/2006/main" xmlns:r="http://schemas.openxmlformats.org/officeDocument/2006/relationships" xmlns:p="http://schemas.openxmlformats.org/presentationml/2006/main" userDrawn="1">
+  <p:cSld name="5_Custom Layout">
+    <p:bg>
+      <p:bgPr>
+        <a:blipFill dpi="0" rotWithShape="1">
+          <a:blip r:embed="rId2">
+            <a:lum/>
+          </a:blip>
+          <a:srcRect/>
+          <a:stretch>
+            <a:fillRect/>
+          </a:stretch>
+        </a:blipFill>
+        <a:effectLst/>
+      </p:bgPr>
+    </p:bg>
+    <p:spTree>
+      <p:nvGrpSpPr>
+        <p:cNvPr id="1" name=""/>
+        <p:cNvGrpSpPr/>
+        <p:nvPr/>
+      </p:nvGrpSpPr>
+      <p:grpSpPr>
+        <a:xfrm>
+          <a:off x="0" y="0"/>
+          <a:ext cx="0" cy="0"/>
+          <a:chOff x="0" y="0"/>
+          <a:chExt cx="0" cy="0"/>
+        </a:xfrm>
+      </p:grpSpPr>
+      <p:pic>
+        <p:nvPicPr>
+          <p:cNvPr id="6" name="Picture 5"/>
+          <p:cNvPicPr>
+            <a:picLocks noChangeAspect="1"/>
+          </p:cNvPicPr>
+          <p:nvPr userDrawn="1"/>
+        </p:nvPicPr>
+        <p:blipFill>
+          <a:blip r:embed="rId3">
+            <a:extLst>
+              <a:ext uri="{28A0092B-C50C-407E-A947-70E740481C1C}">
+                <a14:useLocalDpi xmlns:a14="http://schemas.microsoft.com/office/drawing/2010/main" val="0"/>
+              </a:ext>
+            </a:extLst>
+          </a:blip>
+          <a:stretch>
+            <a:fillRect/>
+          </a:stretch>
+        </p:blipFill>
+        <p:spPr>
+          <a:xfrm>
+            <a:off x="4365943" y="2287162"/>
+            <a:ext cx="3460115" cy="2283676"/>
+          </a:xfrm>
+          <a:prstGeom prst="rect">
+            <a:avLst/>
+          </a:prstGeom>
+        </p:spPr>
+      </p:pic>
+    </p:spTree>
+    <p:extLst>
+      <p:ext uri="{BB962C8B-B14F-4D97-AF65-F5344CB8AC3E}">
+        <p14:creationId xmlns:p14="http://schemas.microsoft.com/office/powerpoint/2010/main" val="3317378912"/>
+      </p:ext>
+    </p:extLst>
+  </p:cSld>
+  <p:clrMapOvr>
+    <a:masterClrMapping/>
+  </p:clrMapOvr>
+</p:sldLayout>
+</file>
+
+<file path=ppt/slideLayouts/slideLayout13.xml><?xml version="1.0" encoding="utf-8"?>
+<p:sldLayout xmlns:a="http://schemas.openxmlformats.org/drawingml/2006/main" xmlns:r="http://schemas.openxmlformats.org/officeDocument/2006/relationships" xmlns:p="http://schemas.openxmlformats.org/presentationml/2006/main" userDrawn="1">
+  <p:cSld name="Custom Layout">
+    <p:bg>
+      <p:bgPr>
+        <a:blipFill dpi="0" rotWithShape="1">
+          <a:blip r:embed="rId2">
+            <a:lum/>
+          </a:blip>
+          <a:srcRect/>
+          <a:stretch>
+            <a:fillRect/>
+          </a:stretch>
+        </a:blipFill>
+        <a:effectLst/>
+      </p:bgPr>
+    </p:bg>
+    <p:spTree>
+      <p:nvGrpSpPr>
+        <p:cNvPr id="1" name=""/>
+        <p:cNvGrpSpPr/>
+        <p:nvPr/>
+      </p:nvGrpSpPr>
+      <p:grpSpPr>
+        <a:xfrm>
+          <a:off x="0" y="0"/>
+          <a:ext cx="0" cy="0"/>
+          <a:chOff x="0" y="0"/>
+          <a:chExt cx="0" cy="0"/>
+        </a:xfrm>
+      </p:grpSpPr>
+      <p:sp>
+        <p:nvSpPr>
+          <p:cNvPr id="3" name="Rectangle 2"/>
+          <p:cNvSpPr/>
+          <p:nvPr userDrawn="1"/>
+        </p:nvSpPr>
+        <p:spPr>
+          <a:xfrm>
+            <a:off x="7639050" y="1"/>
+            <a:ext cx="3486150" cy="6858000"/>
+          </a:xfrm>
+          <a:prstGeom prst="rect">
+            <a:avLst/>
+          </a:prstGeom>
+          <a:solidFill>
+            <a:srgbClr val="1B8FAD"/>
+          </a:solidFill>
+        </p:spPr>
+        <p:style>
+          <a:lnRef idx="2">
+            <a:schemeClr val="accent1">
+              <a:shade val="50000"/>
+            </a:schemeClr>
+          </a:lnRef>
+          <a:fillRef idx="1">
+            <a:schemeClr val="accent1"/>
+          </a:fillRef>
+          <a:effectRef idx="0">
+            <a:schemeClr val="accent1"/>
+          </a:effectRef>
+          <a:fontRef idx="minor">
+            <a:schemeClr val="lt1"/>
+          </a:fontRef>
+        </p:style>
+        <p:txBody>
+          <a:bodyPr rtlCol="0" anchor="ctr"/>
+          <a:lstStyle/>
+          <a:p>
+            <a:pPr algn="ctr"/>
+            <a:endParaRPr lang="en-US"/>
+          </a:p>
+        </p:txBody>
+      </p:sp>
+      <p:sp>
+        <p:nvSpPr>
+          <p:cNvPr id="2" name="Title 1"/>
+          <p:cNvSpPr>
+            <a:spLocks noGrp="1"/>
+          </p:cNvSpPr>
+          <p:nvPr>
+            <p:ph type="title" hasCustomPrompt="1"/>
+          </p:nvPr>
+        </p:nvSpPr>
+        <p:spPr>
+          <a:xfrm>
+            <a:off x="933450" y="1643144"/>
+            <a:ext cx="5915024" cy="1239839"/>
+          </a:xfrm>
+        </p:spPr>
+        <p:txBody>
+          <a:bodyPr>
+            <a:noAutofit/>
+          </a:bodyPr>
+          <a:lstStyle>
+            <a:lvl1pPr algn="r">
+              <a:defRPr sz="4000" baseline="0">
+                <a:solidFill>
+                  <a:schemeClr val="bg1"/>
+                </a:solidFill>
+              </a:defRPr>
+            </a:lvl1pPr>
+          </a:lstStyle>
+          <a:p>
+            <a:r>
+              <a:rPr lang="en-US" dirty="0"/>
+              <a:t>Headline here</a:t>
+            </a:r>
+            <a:br>
+              <a:rPr lang="en-US" dirty="0"/>
+            </a:br>
+            <a:r>
+              <a:rPr lang="en-US" dirty="0"/>
+              <a:t>Content</a:t>
+            </a:r>
+          </a:p>
+        </p:txBody>
+      </p:sp>
+      <p:sp>
+        <p:nvSpPr>
+          <p:cNvPr id="4" name="Footer Placeholder 3"/>
+          <p:cNvSpPr>
+            <a:spLocks noGrp="1"/>
+          </p:cNvSpPr>
+          <p:nvPr>
+            <p:ph type="ftr" sz="quarter" idx="11"/>
+          </p:nvPr>
+        </p:nvSpPr>
+        <p:spPr>
+          <a:xfrm>
+            <a:off x="8515350" y="6356350"/>
+            <a:ext cx="1876424" cy="365125"/>
+          </a:xfrm>
+        </p:spPr>
+        <p:txBody>
+          <a:bodyPr/>
+          <a:lstStyle>
+            <a:lvl1pPr algn="ctr">
+              <a:defRPr>
+                <a:solidFill>
+                  <a:schemeClr val="bg1"/>
+                </a:solidFill>
+              </a:defRPr>
+            </a:lvl1pPr>
+          </a:lstStyle>
+          <a:p>
+            <a:r>
+              <a:rPr lang="en-US"/>
+              <a:t>www.indruino.com</a:t>
+            </a:r>
+            <a:endParaRPr lang="en-US" dirty="0"/>
+          </a:p>
+        </p:txBody>
+      </p:sp>
+      <p:sp>
+        <p:nvSpPr>
+          <p:cNvPr id="8" name="Subtitle 2"/>
+          <p:cNvSpPr>
+            <a:spLocks noGrp="1"/>
+          </p:cNvSpPr>
+          <p:nvPr>
+            <p:ph type="subTitle" idx="1" hasCustomPrompt="1"/>
+          </p:nvPr>
+        </p:nvSpPr>
+        <p:spPr>
+          <a:xfrm>
+            <a:off x="933451" y="3045702"/>
+            <a:ext cx="5915024" cy="828674"/>
+          </a:xfrm>
+        </p:spPr>
+        <p:txBody>
+          <a:bodyPr>
+            <a:normAutofit/>
+          </a:bodyPr>
+          <a:lstStyle>
+            <a:lvl1pPr marL="0" indent="0" algn="r">
+              <a:buNone/>
+              <a:defRPr sz="1800" baseline="0">
+                <a:solidFill>
+                  <a:schemeClr val="bg1"/>
+                </a:solidFill>
+              </a:defRPr>
+            </a:lvl1pPr>
+            <a:lvl2pPr marL="457200" indent="0" algn="ctr">
+              <a:buNone/>
+              <a:defRPr sz="2000"/>
+            </a:lvl2pPr>
+            <a:lvl3pPr marL="914400" indent="0" algn="ctr">
+              <a:buNone/>
+              <a:defRPr sz="1800"/>
+            </a:lvl3pPr>
+            <a:lvl4pPr marL="1371600" indent="0" algn="ctr">
+              <a:buNone/>
+              <a:defRPr sz="1600"/>
+            </a:lvl4pPr>
+            <a:lvl5pPr marL="1828800" indent="0" algn="ctr">
+              <a:buNone/>
+              <a:defRPr sz="1600"/>
+            </a:lvl5pPr>
+            <a:lvl6pPr marL="2286000" indent="0" algn="ctr">
+              <a:buNone/>
+              <a:defRPr sz="1600"/>
+            </a:lvl6pPr>
+            <a:lvl7pPr marL="2743200" indent="0" algn="ctr">
+              <a:buNone/>
+              <a:defRPr sz="1600"/>
+            </a:lvl7pPr>
+            <a:lvl8pPr marL="3200400" indent="0" algn="ctr">
+              <a:buNone/>
+              <a:defRPr sz="1600"/>
+            </a:lvl8pPr>
+            <a:lvl9pPr marL="3657600" indent="0" algn="ctr">
+              <a:buNone/>
+              <a:defRPr sz="1600"/>
+            </a:lvl9pPr>
+          </a:lstStyle>
+          <a:p>
+            <a:r>
+              <a:rPr lang="en-US" dirty="0"/>
+              <a:t>Subhead here</a:t>
+            </a:r>
+          </a:p>
+          <a:p>
+            <a:r>
+              <a:rPr lang="en-US" dirty="0"/>
+              <a:t>Content</a:t>
+            </a:r>
+          </a:p>
+        </p:txBody>
+      </p:sp>
+      <p:pic>
+        <p:nvPicPr>
+          <p:cNvPr id="5" name="Picture 4"/>
+          <p:cNvPicPr>
+            <a:picLocks noChangeAspect="1"/>
+          </p:cNvPicPr>
+          <p:nvPr userDrawn="1"/>
+        </p:nvPicPr>
+        <p:blipFill>
+          <a:blip r:embed="rId3" cstate="print">
+            <a:extLst>
+              <a:ext uri="{28A0092B-C50C-407E-A947-70E740481C1C}">
+                <a14:useLocalDpi xmlns:a14="http://schemas.microsoft.com/office/drawing/2010/main" val="0"/>
+              </a:ext>
+            </a:extLst>
+          </a:blip>
+          <a:stretch>
+            <a:fillRect/>
+          </a:stretch>
+        </p:blipFill>
+        <p:spPr>
+          <a:xfrm>
+            <a:off x="8299672" y="1643144"/>
+            <a:ext cx="2164905" cy="1428837"/>
+          </a:xfrm>
+          <a:prstGeom prst="rect">
+            <a:avLst/>
+          </a:prstGeom>
+        </p:spPr>
+      </p:pic>
+      <p:sp>
+        <p:nvSpPr>
+          <p:cNvPr id="14" name="Subtitle 2"/>
+          <p:cNvSpPr txBox="1">
+            <a:spLocks/>
+          </p:cNvSpPr>
+          <p:nvPr userDrawn="1"/>
+        </p:nvSpPr>
+        <p:spPr>
+          <a:xfrm>
+            <a:off x="3581399" y="4245533"/>
+            <a:ext cx="3267075" cy="828674"/>
+          </a:xfrm>
+          <a:prstGeom prst="rect">
+            <a:avLst/>
+          </a:prstGeom>
+        </p:spPr>
+        <p:txBody>
+          <a:bodyPr vert="horz" lIns="91440" tIns="45720" rIns="91440" bIns="45720" rtlCol="0">
+            <a:normAutofit/>
+          </a:bodyPr>
+          <a:lstStyle>
+            <a:lvl1pPr marL="0" indent="0" algn="r" defTabSz="914400" rtl="0" eaLnBrk="1" latinLnBrk="0" hangingPunct="1">
+              <a:lnSpc>
+                <a:spcPct val="90000"/>
+              </a:lnSpc>
+              <a:spcBef>
+                <a:spcPts val="1000"/>
+              </a:spcBef>
+              <a:buFont typeface="Arial" panose="020B0604020202020204" pitchFamily="34" charset="0"/>
+              <a:buNone/>
+              <a:defRPr sz="1800" kern="1200" baseline="0">
+                <a:solidFill>
+                  <a:schemeClr val="tx1"/>
+                </a:solidFill>
+                <a:latin typeface="Roboto" panose="02000000000000000000" pitchFamily="2" charset="0"/>
+                <a:ea typeface="Roboto" panose="02000000000000000000" pitchFamily="2" charset="0"/>
+                <a:cs typeface="Roboto" panose="02000000000000000000" pitchFamily="2" charset="0"/>
+              </a:defRPr>
+            </a:lvl1pPr>
+            <a:lvl2pPr marL="457200" indent="0" algn="ctr" defTabSz="914400" rtl="0" eaLnBrk="1" latinLnBrk="0" hangingPunct="1">
+              <a:lnSpc>
+                <a:spcPct val="90000"/>
+              </a:lnSpc>
+              <a:spcBef>
+                <a:spcPts val="500"/>
+              </a:spcBef>
+              <a:buFont typeface="Arial" panose="020B0604020202020204" pitchFamily="34" charset="0"/>
+              <a:buNone/>
+              <a:defRPr sz="2000" kern="1200">
+                <a:solidFill>
+                  <a:schemeClr val="tx1"/>
+                </a:solidFill>
+                <a:latin typeface="Roboto" panose="02000000000000000000" pitchFamily="2" charset="0"/>
+                <a:ea typeface="Roboto" panose="02000000000000000000" pitchFamily="2" charset="0"/>
+                <a:cs typeface="Roboto" panose="02000000000000000000" pitchFamily="2" charset="0"/>
+              </a:defRPr>
+            </a:lvl2pPr>
+            <a:lvl3pPr marL="914400" indent="0" algn="ctr" defTabSz="914400" rtl="0" eaLnBrk="1" latinLnBrk="0" hangingPunct="1">
+              <a:lnSpc>
+                <a:spcPct val="90000"/>
+              </a:lnSpc>
+              <a:spcBef>
+                <a:spcPts val="500"/>
+              </a:spcBef>
+              <a:buFont typeface="Arial" panose="020B0604020202020204" pitchFamily="34" charset="0"/>
+              <a:buNone/>
+              <a:defRPr sz="1800" kern="1200">
+                <a:solidFill>
+                  <a:schemeClr val="tx1"/>
+                </a:solidFill>
+                <a:latin typeface="Roboto" panose="02000000000000000000" pitchFamily="2" charset="0"/>
+                <a:ea typeface="Roboto" panose="02000000000000000000" pitchFamily="2" charset="0"/>
+                <a:cs typeface="Roboto" panose="02000000000000000000" pitchFamily="2" charset="0"/>
+              </a:defRPr>
+            </a:lvl3pPr>
+            <a:lvl4pPr marL="1371600" indent="0" algn="ctr" defTabSz="914400" rtl="0" eaLnBrk="1" latinLnBrk="0" hangingPunct="1">
+              <a:lnSpc>
+                <a:spcPct val="90000"/>
+              </a:lnSpc>
+              <a:spcBef>
+                <a:spcPts val="500"/>
+              </a:spcBef>
+              <a:buFont typeface="Arial" panose="020B0604020202020204" pitchFamily="34" charset="0"/>
+              <a:buNone/>
+              <a:defRPr sz="1600" kern="1200">
+                <a:solidFill>
+                  <a:schemeClr val="tx1"/>
+                </a:solidFill>
+                <a:latin typeface="Roboto" panose="02000000000000000000" pitchFamily="2" charset="0"/>
+                <a:ea typeface="Roboto" panose="02000000000000000000" pitchFamily="2" charset="0"/>
+                <a:cs typeface="Roboto" panose="02000000000000000000" pitchFamily="2" charset="0"/>
+              </a:defRPr>
+            </a:lvl4pPr>
+            <a:lvl5pPr marL="1828800" indent="0" algn="ctr" defTabSz="914400" rtl="0" eaLnBrk="1" latinLnBrk="0" hangingPunct="1">
+              <a:lnSpc>
+                <a:spcPct val="90000"/>
+              </a:lnSpc>
+              <a:spcBef>
+                <a:spcPts val="500"/>
+              </a:spcBef>
+              <a:buFont typeface="Arial" panose="020B0604020202020204" pitchFamily="34" charset="0"/>
+              <a:buNone/>
+              <a:defRPr sz="1600" kern="1200">
+                <a:solidFill>
+                  <a:schemeClr val="tx1"/>
+                </a:solidFill>
+                <a:latin typeface="Roboto" panose="02000000000000000000" pitchFamily="2" charset="0"/>
+                <a:ea typeface="Roboto" panose="02000000000000000000" pitchFamily="2" charset="0"/>
+                <a:cs typeface="Roboto" panose="02000000000000000000" pitchFamily="2" charset="0"/>
+              </a:defRPr>
+            </a:lvl5pPr>
+            <a:lvl6pPr marL="2286000" indent="0" algn="ctr" defTabSz="914400" rtl="0" eaLnBrk="1" latinLnBrk="0" hangingPunct="1">
+              <a:lnSpc>
+                <a:spcPct val="90000"/>
+              </a:lnSpc>
+              <a:spcBef>
+                <a:spcPts val="500"/>
+              </a:spcBef>
+              <a:buFont typeface="Arial" panose="020B0604020202020204" pitchFamily="34" charset="0"/>
+              <a:buNone/>
+              <a:defRPr sz="1600" kern="1200">
+                <a:solidFill>
+                  <a:schemeClr val="tx1"/>
+                </a:solidFill>
+                <a:latin typeface="+mn-lt"/>
+                <a:ea typeface="+mn-ea"/>
+                <a:cs typeface="+mn-cs"/>
+              </a:defRPr>
+            </a:lvl6pPr>
+            <a:lvl7pPr marL="2743200" indent="0" algn="ctr" defTabSz="914400" rtl="0" eaLnBrk="1" latinLnBrk="0" hangingPunct="1">
+              <a:lnSpc>
+                <a:spcPct val="90000"/>
+              </a:lnSpc>
+              <a:spcBef>
+                <a:spcPts val="500"/>
+              </a:spcBef>
+              <a:buFont typeface="Arial" panose="020B0604020202020204" pitchFamily="34" charset="0"/>
+              <a:buNone/>
+              <a:defRPr sz="1600" kern="1200">
+                <a:solidFill>
+                  <a:schemeClr val="tx1"/>
+                </a:solidFill>
+                <a:latin typeface="+mn-lt"/>
+                <a:ea typeface="+mn-ea"/>
+                <a:cs typeface="+mn-cs"/>
+              </a:defRPr>
+            </a:lvl7pPr>
+            <a:lvl8pPr marL="3200400" indent="0" algn="ctr" defTabSz="914400" rtl="0" eaLnBrk="1" latinLnBrk="0" hangingPunct="1">
+              <a:lnSpc>
+                <a:spcPct val="90000"/>
+              </a:lnSpc>
+              <a:spcBef>
+                <a:spcPts val="500"/>
+              </a:spcBef>
+              <a:buFont typeface="Arial" panose="020B0604020202020204" pitchFamily="34" charset="0"/>
+              <a:buNone/>
+              <a:defRPr sz="1600" kern="1200">
+                <a:solidFill>
+                  <a:schemeClr val="tx1"/>
+                </a:solidFill>
+                <a:latin typeface="+mn-lt"/>
+                <a:ea typeface="+mn-ea"/>
+                <a:cs typeface="+mn-cs"/>
+              </a:defRPr>
+            </a:lvl8pPr>
+            <a:lvl9pPr marL="3657600" indent="0" algn="ctr" defTabSz="914400" rtl="0" eaLnBrk="1" latinLnBrk="0" hangingPunct="1">
+              <a:lnSpc>
+                <a:spcPct val="90000"/>
+              </a:lnSpc>
+              <a:spcBef>
+                <a:spcPts val="500"/>
+              </a:spcBef>
+              <a:buFont typeface="Arial" panose="020B0604020202020204" pitchFamily="34" charset="0"/>
+              <a:buNone/>
+              <a:defRPr sz="1600" kern="1200">
+                <a:solidFill>
+                  <a:schemeClr val="tx1"/>
+                </a:solidFill>
+                <a:latin typeface="+mn-lt"/>
+                <a:ea typeface="+mn-ea"/>
+                <a:cs typeface="+mn-cs"/>
+              </a:defRPr>
+            </a:lvl9pPr>
+          </a:lstStyle>
+          <a:p>
+            <a:r>
+              <a:rPr lang="en-US" dirty="0" err="1">
+                <a:solidFill>
+                  <a:schemeClr val="bg1"/>
+                </a:solidFill>
+              </a:rPr>
+              <a:t>Diễn</a:t>
+            </a:r>
+            <a:r>
+              <a:rPr lang="en-US" dirty="0">
+                <a:solidFill>
+                  <a:schemeClr val="bg1"/>
+                </a:solidFill>
+              </a:rPr>
+              <a:t> </a:t>
+            </a:r>
+            <a:r>
+              <a:rPr lang="en-US" dirty="0" err="1">
+                <a:solidFill>
+                  <a:schemeClr val="bg1"/>
+                </a:solidFill>
+              </a:rPr>
+              <a:t>giả</a:t>
+            </a:r>
+            <a:r>
+              <a:rPr lang="en-US" dirty="0">
+                <a:solidFill>
+                  <a:schemeClr val="bg1"/>
+                </a:solidFill>
+              </a:rPr>
+              <a:t>: </a:t>
+            </a:r>
+            <a:r>
+              <a:rPr lang="en-US" dirty="0" err="1">
+                <a:solidFill>
+                  <a:schemeClr val="bg1"/>
+                </a:solidFill>
+              </a:rPr>
+              <a:t>Indruino</a:t>
+            </a:r>
+            <a:endParaRPr lang="en-US" dirty="0">
+              <a:solidFill>
+                <a:schemeClr val="bg1"/>
+              </a:solidFill>
+            </a:endParaRPr>
+          </a:p>
+          <a:p>
+            <a:r>
+              <a:rPr lang="en-US" dirty="0" err="1">
+                <a:solidFill>
+                  <a:schemeClr val="bg1"/>
+                </a:solidFill>
+              </a:rPr>
+              <a:t>Bộ</a:t>
+            </a:r>
+            <a:r>
+              <a:rPr lang="en-US" dirty="0">
+                <a:solidFill>
+                  <a:schemeClr val="bg1"/>
+                </a:solidFill>
+              </a:rPr>
+              <a:t> </a:t>
+            </a:r>
+            <a:r>
+              <a:rPr lang="en-US" dirty="0" err="1">
+                <a:solidFill>
+                  <a:schemeClr val="bg1"/>
+                </a:solidFill>
+              </a:rPr>
+              <a:t>phận</a:t>
+            </a:r>
+            <a:r>
+              <a:rPr lang="en-US" dirty="0">
+                <a:solidFill>
+                  <a:schemeClr val="bg1"/>
+                </a:solidFill>
+              </a:rPr>
+              <a:t>: </a:t>
+            </a:r>
+            <a:r>
+              <a:rPr lang="en-US" dirty="0" err="1">
+                <a:solidFill>
+                  <a:schemeClr val="bg1"/>
+                </a:solidFill>
+              </a:rPr>
+              <a:t>Indruino</a:t>
+            </a:r>
+            <a:endParaRPr lang="en-US" dirty="0">
+              <a:solidFill>
+                <a:schemeClr val="bg1"/>
+              </a:solidFill>
+            </a:endParaRPr>
+          </a:p>
+        </p:txBody>
+      </p:sp>
+      <p:sp>
+        <p:nvSpPr>
+          <p:cNvPr id="16" name="Rectangle 15"/>
+          <p:cNvSpPr/>
+          <p:nvPr userDrawn="1"/>
+        </p:nvSpPr>
+        <p:spPr>
+          <a:xfrm>
+            <a:off x="933450" y="4037095"/>
+            <a:ext cx="5915024" cy="18288"/>
+          </a:xfrm>
+          <a:prstGeom prst="rect">
+            <a:avLst/>
+          </a:prstGeom>
+          <a:solidFill>
+            <a:schemeClr val="bg1"/>
+          </a:solidFill>
+        </p:spPr>
+        <p:style>
+          <a:lnRef idx="2">
+            <a:schemeClr val="accent1">
+              <a:shade val="50000"/>
+            </a:schemeClr>
+          </a:lnRef>
+          <a:fillRef idx="1">
+            <a:schemeClr val="accent1"/>
+          </a:fillRef>
+          <a:effectRef idx="0">
+            <a:schemeClr val="accent1"/>
+          </a:effectRef>
+          <a:fontRef idx="minor">
+            <a:schemeClr val="lt1"/>
+          </a:fontRef>
+        </p:style>
+        <p:txBody>
+          <a:bodyPr rtlCol="0" anchor="ctr"/>
+          <a:lstStyle/>
+          <a:p>
+            <a:pPr algn="ctr"/>
+            <a:endParaRPr lang="en-US"/>
+          </a:p>
+        </p:txBody>
+      </p:sp>
+    </p:spTree>
+    <p:extLst>
+      <p:ext uri="{BB962C8B-B14F-4D97-AF65-F5344CB8AC3E}">
+        <p14:creationId xmlns:p14="http://schemas.microsoft.com/office/powerpoint/2010/main" val="3487644460"/>
+      </p:ext>
+    </p:extLst>
+  </p:cSld>
+  <p:clrMapOvr>
+    <a:masterClrMapping/>
+  </p:clrMapOvr>
+</p:sldLayout>
+</file>
+
+<file path=ppt/slideLayouts/slideLayout14.xml><?xml version="1.0" encoding="utf-8"?>
+<p:sldLayout xmlns:a="http://schemas.openxmlformats.org/drawingml/2006/main" xmlns:r="http://schemas.openxmlformats.org/officeDocument/2006/relationships" xmlns:p="http://schemas.openxmlformats.org/presentationml/2006/main" userDrawn="1">
+  <p:cSld name="6_Custom Layout">
+    <p:spTree>
+      <p:nvGrpSpPr>
+        <p:cNvPr id="1" name=""/>
+        <p:cNvGrpSpPr/>
+        <p:nvPr/>
+      </p:nvGrpSpPr>
+      <p:grpSpPr>
+        <a:xfrm>
+          <a:off x="0" y="0"/>
+          <a:ext cx="0" cy="0"/>
+          <a:chOff x="0" y="0"/>
+          <a:chExt cx="0" cy="0"/>
+        </a:xfrm>
+      </p:grpSpPr>
+      <p:sp>
+        <p:nvSpPr>
+          <p:cNvPr id="6" name="Title 1"/>
+          <p:cNvSpPr>
+            <a:spLocks noGrp="1"/>
+          </p:cNvSpPr>
+          <p:nvPr>
+            <p:ph type="title" hasCustomPrompt="1"/>
+          </p:nvPr>
+        </p:nvSpPr>
+        <p:spPr>
+          <a:xfrm>
+            <a:off x="1971675" y="600429"/>
+            <a:ext cx="9382124" cy="533046"/>
+          </a:xfrm>
+        </p:spPr>
+        <p:txBody>
+          <a:bodyPr>
+            <a:noAutofit/>
+          </a:bodyPr>
+          <a:lstStyle>
+            <a:lvl1pPr algn="l">
+              <a:defRPr sz="4000" baseline="0"/>
+            </a:lvl1pPr>
+          </a:lstStyle>
+          <a:p>
+            <a:r>
+              <a:rPr lang="en-US" dirty="0"/>
+              <a:t>Title here</a:t>
+            </a:r>
+          </a:p>
+        </p:txBody>
+      </p:sp>
+      <p:sp>
+        <p:nvSpPr>
+          <p:cNvPr id="7" name="Subtitle 2"/>
+          <p:cNvSpPr>
+            <a:spLocks noGrp="1"/>
+          </p:cNvSpPr>
+          <p:nvPr>
+            <p:ph type="subTitle" idx="1" hasCustomPrompt="1"/>
+          </p:nvPr>
+        </p:nvSpPr>
+        <p:spPr>
+          <a:xfrm>
+            <a:off x="1971675" y="1133475"/>
+            <a:ext cx="3267075" cy="333375"/>
+          </a:xfrm>
+        </p:spPr>
+        <p:txBody>
+          <a:bodyPr>
+            <a:normAutofit/>
+          </a:bodyPr>
+          <a:lstStyle>
+            <a:lvl1pPr marL="0" indent="0" algn="l">
+              <a:buNone/>
+              <a:defRPr sz="1800" baseline="0"/>
+            </a:lvl1pPr>
+            <a:lvl2pPr marL="457200" indent="0" algn="ctr">
+              <a:buNone/>
+              <a:defRPr sz="2000"/>
+            </a:lvl2pPr>
+            <a:lvl3pPr marL="914400" indent="0" algn="ctr">
+              <a:buNone/>
+              <a:defRPr sz="1800"/>
+            </a:lvl3pPr>
+            <a:lvl4pPr marL="1371600" indent="0" algn="ctr">
+              <a:buNone/>
+              <a:defRPr sz="1600"/>
+            </a:lvl4pPr>
+            <a:lvl5pPr marL="1828800" indent="0" algn="ctr">
+              <a:buNone/>
+              <a:defRPr sz="1600"/>
+            </a:lvl5pPr>
+            <a:lvl6pPr marL="2286000" indent="0" algn="ctr">
+              <a:buNone/>
+              <a:defRPr sz="1600"/>
+            </a:lvl6pPr>
+            <a:lvl7pPr marL="2743200" indent="0" algn="ctr">
+              <a:buNone/>
+              <a:defRPr sz="1600"/>
+            </a:lvl7pPr>
+            <a:lvl8pPr marL="3200400" indent="0" algn="ctr">
+              <a:buNone/>
+              <a:defRPr sz="1600"/>
+            </a:lvl8pPr>
+            <a:lvl9pPr marL="3657600" indent="0" algn="ctr">
+              <a:buNone/>
+              <a:defRPr sz="1600"/>
+            </a:lvl9pPr>
+          </a:lstStyle>
+          <a:p>
+            <a:r>
+              <a:rPr lang="en-US" dirty="0"/>
+              <a:t>Subtitle here</a:t>
+            </a:r>
+          </a:p>
+        </p:txBody>
+      </p:sp>
+      <p:sp>
+        <p:nvSpPr>
+          <p:cNvPr id="8" name="Rectangle 7"/>
+          <p:cNvSpPr/>
+          <p:nvPr userDrawn="1"/>
+        </p:nvSpPr>
+        <p:spPr>
+          <a:xfrm>
+            <a:off x="0" y="1"/>
+            <a:ext cx="1533525" cy="6858000"/>
+          </a:xfrm>
+          <a:prstGeom prst="rect">
+            <a:avLst/>
+          </a:prstGeom>
+          <a:blipFill>
+            <a:blip r:embed="rId2"/>
+            <a:stretch>
+              <a:fillRect/>
+            </a:stretch>
+          </a:blipFill>
+        </p:spPr>
+        <p:style>
+          <a:lnRef idx="2">
+            <a:schemeClr val="accent1">
+              <a:shade val="50000"/>
+            </a:schemeClr>
+          </a:lnRef>
+          <a:fillRef idx="1">
+            <a:schemeClr val="accent1"/>
+          </a:fillRef>
+          <a:effectRef idx="0">
+            <a:schemeClr val="accent1"/>
+          </a:effectRef>
+          <a:fontRef idx="minor">
+            <a:schemeClr val="lt1"/>
+          </a:fontRef>
+        </p:style>
+        <p:txBody>
+          <a:bodyPr rtlCol="0" anchor="ctr"/>
+          <a:lstStyle/>
+          <a:p>
+            <a:pPr algn="ctr"/>
+            <a:endParaRPr lang="en-US"/>
+          </a:p>
+        </p:txBody>
+      </p:sp>
+      <p:pic>
+        <p:nvPicPr>
+          <p:cNvPr id="9" name="Picture 8"/>
+          <p:cNvPicPr>
+            <a:picLocks noChangeAspect="1"/>
+          </p:cNvPicPr>
+          <p:nvPr userDrawn="1"/>
+        </p:nvPicPr>
+        <p:blipFill>
+          <a:blip r:embed="rId3" cstate="print">
+            <a:extLst>
+              <a:ext uri="{28A0092B-C50C-407E-A947-70E740481C1C}">
+                <a14:useLocalDpi xmlns:a14="http://schemas.microsoft.com/office/drawing/2010/main" val="0"/>
+              </a:ext>
+            </a:extLst>
+          </a:blip>
+          <a:stretch>
+            <a:fillRect/>
+          </a:stretch>
+        </p:blipFill>
+        <p:spPr>
+          <a:xfrm>
+            <a:off x="203082" y="5962650"/>
+            <a:ext cx="1127359" cy="625684"/>
+          </a:xfrm>
+          <a:prstGeom prst="rect">
+            <a:avLst/>
+          </a:prstGeom>
+        </p:spPr>
+      </p:pic>
+      <p:sp>
+        <p:nvSpPr>
+          <p:cNvPr id="10" name="Rectangle 9"/>
+          <p:cNvSpPr/>
+          <p:nvPr userDrawn="1"/>
+        </p:nvSpPr>
+        <p:spPr>
+          <a:xfrm>
+            <a:off x="1533523" y="0"/>
+            <a:ext cx="95250" cy="6858000"/>
+          </a:xfrm>
+          <a:prstGeom prst="rect">
+            <a:avLst/>
+          </a:prstGeom>
+          <a:blipFill>
+            <a:blip r:embed="rId4"/>
+            <a:stretch>
+              <a:fillRect/>
+            </a:stretch>
+          </a:blipFill>
+        </p:spPr>
+        <p:style>
+          <a:lnRef idx="2">
+            <a:schemeClr val="accent1">
+              <a:shade val="50000"/>
+            </a:schemeClr>
+          </a:lnRef>
+          <a:fillRef idx="1">
+            <a:schemeClr val="accent1"/>
+          </a:fillRef>
+          <a:effectRef idx="0">
+            <a:schemeClr val="accent1"/>
+          </a:effectRef>
+          <a:fontRef idx="minor">
+            <a:schemeClr val="lt1"/>
+          </a:fontRef>
+        </p:style>
+        <p:txBody>
+          <a:bodyPr rtlCol="0" anchor="ctr"/>
+          <a:lstStyle/>
+          <a:p>
+            <a:pPr algn="ctr"/>
+            <a:endParaRPr lang="en-US"/>
+          </a:p>
+        </p:txBody>
+      </p:sp>
+      <p:sp>
+        <p:nvSpPr>
+          <p:cNvPr id="11" name="Rectangle 10"/>
+          <p:cNvSpPr/>
+          <p:nvPr userDrawn="1"/>
+        </p:nvSpPr>
+        <p:spPr>
+          <a:xfrm>
+            <a:off x="1971675" y="1648233"/>
+            <a:ext cx="9382124" cy="18288"/>
+          </a:xfrm>
+          <a:prstGeom prst="rect">
+            <a:avLst/>
+          </a:prstGeom>
+          <a:solidFill>
+            <a:schemeClr val="bg1">
+              <a:lumMod val="85000"/>
+            </a:schemeClr>
+          </a:solidFill>
+        </p:spPr>
+        <p:style>
+          <a:lnRef idx="2">
+            <a:schemeClr val="accent1">
+              <a:shade val="50000"/>
+            </a:schemeClr>
+          </a:lnRef>
+          <a:fillRef idx="1">
+            <a:schemeClr val="accent1"/>
+          </a:fillRef>
+          <a:effectRef idx="0">
+            <a:schemeClr val="accent1"/>
+          </a:effectRef>
+          <a:fontRef idx="minor">
+            <a:schemeClr val="lt1"/>
+          </a:fontRef>
+        </p:style>
+        <p:txBody>
+          <a:bodyPr rtlCol="0" anchor="ctr"/>
+          <a:lstStyle/>
+          <a:p>
+            <a:pPr algn="ctr"/>
+            <a:endParaRPr lang="en-US"/>
+          </a:p>
+        </p:txBody>
+      </p:sp>
+      <p:sp>
+        <p:nvSpPr>
+          <p:cNvPr id="14" name="Text Placeholder 3"/>
+          <p:cNvSpPr>
+            <a:spLocks noGrp="1"/>
+          </p:cNvSpPr>
+          <p:nvPr>
+            <p:ph type="body" sz="half" idx="2" hasCustomPrompt="1"/>
+          </p:nvPr>
+        </p:nvSpPr>
+        <p:spPr>
+          <a:xfrm>
+            <a:off x="1971675" y="1847904"/>
+            <a:ext cx="3017895" cy="4707711"/>
+          </a:xfrm>
+        </p:spPr>
+        <p:txBody>
+          <a:bodyPr/>
+          <a:lstStyle>
+            <a:lvl1pPr marL="0" indent="0">
+              <a:buNone/>
+              <a:defRPr sz="1600" baseline="0"/>
+            </a:lvl1pPr>
+            <a:lvl2pPr marL="457200" indent="0">
+              <a:buNone/>
+              <a:defRPr sz="1400"/>
+            </a:lvl2pPr>
+            <a:lvl3pPr marL="914400" indent="0">
+              <a:buNone/>
+              <a:defRPr sz="1200"/>
+            </a:lvl3pPr>
+            <a:lvl4pPr marL="1371600" indent="0">
+              <a:buNone/>
+              <a:defRPr sz="1000"/>
+            </a:lvl4pPr>
+            <a:lvl5pPr marL="1828800" indent="0">
+              <a:buNone/>
+              <a:defRPr sz="1000"/>
+            </a:lvl5pPr>
+            <a:lvl6pPr marL="2286000" indent="0">
+              <a:buNone/>
+              <a:defRPr sz="1000"/>
+            </a:lvl6pPr>
+            <a:lvl7pPr marL="2743200" indent="0">
+              <a:buNone/>
+              <a:defRPr sz="1000"/>
+            </a:lvl7pPr>
+            <a:lvl8pPr marL="3200400" indent="0">
+              <a:buNone/>
+              <a:defRPr sz="1000"/>
+            </a:lvl8pPr>
+            <a:lvl9pPr marL="3657600" indent="0">
+              <a:buNone/>
+              <a:defRPr sz="1000"/>
+            </a:lvl9pPr>
+          </a:lstStyle>
+          <a:p>
+            <a:pPr lvl="0"/>
+            <a:r>
+              <a:rPr lang="en-US" dirty="0"/>
+              <a:t>Content Here</a:t>
+            </a:r>
+          </a:p>
+        </p:txBody>
+      </p:sp>
+      <p:sp>
+        <p:nvSpPr>
+          <p:cNvPr id="15" name="Text Placeholder 3"/>
+          <p:cNvSpPr>
+            <a:spLocks noGrp="1"/>
+          </p:cNvSpPr>
+          <p:nvPr>
+            <p:ph type="body" sz="half" idx="10" hasCustomPrompt="1"/>
+          </p:nvPr>
+        </p:nvSpPr>
+        <p:spPr>
+          <a:xfrm>
+            <a:off x="5153789" y="1847904"/>
+            <a:ext cx="3017895" cy="4707711"/>
+          </a:xfrm>
+        </p:spPr>
+        <p:txBody>
+          <a:bodyPr/>
+          <a:lstStyle>
+            <a:lvl1pPr marL="0" indent="0">
+              <a:buNone/>
+              <a:defRPr sz="1600" baseline="0"/>
+            </a:lvl1pPr>
+            <a:lvl2pPr marL="457200" indent="0">
+              <a:buNone/>
+              <a:defRPr sz="1400"/>
+            </a:lvl2pPr>
+            <a:lvl3pPr marL="914400" indent="0">
+              <a:buNone/>
+              <a:defRPr sz="1200"/>
+            </a:lvl3pPr>
+            <a:lvl4pPr marL="1371600" indent="0">
+              <a:buNone/>
+              <a:defRPr sz="1000"/>
+            </a:lvl4pPr>
+            <a:lvl5pPr marL="1828800" indent="0">
+              <a:buNone/>
+              <a:defRPr sz="1000"/>
+            </a:lvl5pPr>
+            <a:lvl6pPr marL="2286000" indent="0">
+              <a:buNone/>
+              <a:defRPr sz="1000"/>
+            </a:lvl6pPr>
+            <a:lvl7pPr marL="2743200" indent="0">
+              <a:buNone/>
+              <a:defRPr sz="1000"/>
+            </a:lvl7pPr>
+            <a:lvl8pPr marL="3200400" indent="0">
+              <a:buNone/>
+              <a:defRPr sz="1000"/>
+            </a:lvl8pPr>
+            <a:lvl9pPr marL="3657600" indent="0">
+              <a:buNone/>
+              <a:defRPr sz="1000"/>
+            </a:lvl9pPr>
+          </a:lstStyle>
+          <a:p>
+            <a:pPr lvl="0"/>
+            <a:r>
+              <a:rPr lang="en-US" dirty="0"/>
+              <a:t>Content Here</a:t>
+            </a:r>
+          </a:p>
+        </p:txBody>
+      </p:sp>
+      <p:sp>
+        <p:nvSpPr>
+          <p:cNvPr id="16" name="Text Placeholder 3"/>
+          <p:cNvSpPr>
+            <a:spLocks noGrp="1"/>
+          </p:cNvSpPr>
+          <p:nvPr>
+            <p:ph type="body" sz="half" idx="11" hasCustomPrompt="1"/>
+          </p:nvPr>
+        </p:nvSpPr>
+        <p:spPr>
+          <a:xfrm>
+            <a:off x="8335904" y="1847904"/>
+            <a:ext cx="3017895" cy="4707711"/>
+          </a:xfrm>
+        </p:spPr>
+        <p:txBody>
+          <a:bodyPr/>
+          <a:lstStyle>
+            <a:lvl1pPr marL="0" indent="0">
+              <a:buNone/>
+              <a:defRPr sz="1600" baseline="0"/>
+            </a:lvl1pPr>
+            <a:lvl2pPr marL="457200" indent="0">
+              <a:buNone/>
+              <a:defRPr sz="1400"/>
+            </a:lvl2pPr>
+            <a:lvl3pPr marL="914400" indent="0">
+              <a:buNone/>
+              <a:defRPr sz="1200"/>
+            </a:lvl3pPr>
+            <a:lvl4pPr marL="1371600" indent="0">
+              <a:buNone/>
+              <a:defRPr sz="1000"/>
+            </a:lvl4pPr>
+            <a:lvl5pPr marL="1828800" indent="0">
+              <a:buNone/>
+              <a:defRPr sz="1000"/>
+            </a:lvl5pPr>
+            <a:lvl6pPr marL="2286000" indent="0">
+              <a:buNone/>
+              <a:defRPr sz="1000"/>
+            </a:lvl6pPr>
+            <a:lvl7pPr marL="2743200" indent="0">
+              <a:buNone/>
+              <a:defRPr sz="1000"/>
+            </a:lvl7pPr>
+            <a:lvl8pPr marL="3200400" indent="0">
+              <a:buNone/>
+              <a:defRPr sz="1000"/>
+            </a:lvl8pPr>
+            <a:lvl9pPr marL="3657600" indent="0">
+              <a:buNone/>
+              <a:defRPr sz="1000"/>
+            </a:lvl9pPr>
+          </a:lstStyle>
+          <a:p>
+            <a:pPr lvl="0"/>
+            <a:r>
+              <a:rPr lang="en-US" dirty="0"/>
+              <a:t>Content Here</a:t>
+            </a:r>
+          </a:p>
+        </p:txBody>
+      </p:sp>
+    </p:spTree>
+    <p:extLst>
+      <p:ext uri="{BB962C8B-B14F-4D97-AF65-F5344CB8AC3E}">
+        <p14:creationId xmlns:p14="http://schemas.microsoft.com/office/powerpoint/2010/main" val="247201983"/>
+      </p:ext>
+    </p:extLst>
+  </p:cSld>
+  <p:clrMapOvr>
+    <a:masterClrMapping/>
+  </p:clrMapOvr>
+</p:sldLayout>
+</file>
+
+<file path=ppt/slideLayouts/slideLayout15.xml><?xml version="1.0" encoding="utf-8"?>
+<p:sldLayout xmlns:a="http://schemas.openxmlformats.org/drawingml/2006/main" xmlns:r="http://schemas.openxmlformats.org/officeDocument/2006/relationships" xmlns:p="http://schemas.openxmlformats.org/presentationml/2006/main" userDrawn="1">
+  <p:cSld name="3_Custom Layout">
+    <p:bg>
+      <p:bgPr>
+        <a:blipFill dpi="0" rotWithShape="1">
+          <a:blip r:embed="rId2">
+            <a:lum/>
+          </a:blip>
+          <a:srcRect/>
+          <a:stretch>
+            <a:fillRect/>
+          </a:stretch>
+        </a:blipFill>
+        <a:effectLst/>
+      </p:bgPr>
+    </p:bg>
+    <p:spTree>
+      <p:nvGrpSpPr>
+        <p:cNvPr id="1" name=""/>
+        <p:cNvGrpSpPr/>
+        <p:nvPr/>
+      </p:nvGrpSpPr>
+      <p:grpSpPr>
+        <a:xfrm>
+          <a:off x="0" y="0"/>
+          <a:ext cx="0" cy="0"/>
+          <a:chOff x="0" y="0"/>
+          <a:chExt cx="0" cy="0"/>
+        </a:xfrm>
+      </p:grpSpPr>
+      <p:sp>
+        <p:nvSpPr>
+          <p:cNvPr id="8" name="Rectangle 7"/>
+          <p:cNvSpPr/>
+          <p:nvPr userDrawn="1"/>
+        </p:nvSpPr>
+        <p:spPr>
+          <a:xfrm>
+            <a:off x="7639050" y="1"/>
+            <a:ext cx="3486150" cy="6858000"/>
+          </a:xfrm>
+          <a:prstGeom prst="rect">
+            <a:avLst/>
+          </a:prstGeom>
+          <a:blipFill>
+            <a:blip r:embed="rId3"/>
+            <a:stretch>
+              <a:fillRect/>
+            </a:stretch>
+          </a:blipFill>
+        </p:spPr>
+        <p:style>
+          <a:lnRef idx="2">
+            <a:schemeClr val="accent1">
+              <a:shade val="50000"/>
+            </a:schemeClr>
+          </a:lnRef>
+          <a:fillRef idx="1">
+            <a:schemeClr val="accent1"/>
+          </a:fillRef>
+          <a:effectRef idx="0">
+            <a:schemeClr val="accent1"/>
+          </a:effectRef>
+          <a:fontRef idx="minor">
+            <a:schemeClr val="lt1"/>
+          </a:fontRef>
+        </p:style>
+        <p:txBody>
+          <a:bodyPr rtlCol="0" anchor="ctr"/>
+          <a:lstStyle/>
+          <a:p>
+            <a:pPr algn="ctr"/>
+            <a:endParaRPr lang="en-US"/>
+          </a:p>
+        </p:txBody>
+      </p:sp>
+      <p:sp>
+        <p:nvSpPr>
+          <p:cNvPr id="9" name="Title 1"/>
+          <p:cNvSpPr>
+            <a:spLocks noGrp="1"/>
+          </p:cNvSpPr>
+          <p:nvPr>
+            <p:ph type="title" hasCustomPrompt="1"/>
+          </p:nvPr>
+        </p:nvSpPr>
+        <p:spPr>
+          <a:xfrm>
+            <a:off x="933450" y="1643144"/>
+            <a:ext cx="5915024" cy="1239839"/>
+          </a:xfrm>
+        </p:spPr>
+        <p:txBody>
+          <a:bodyPr>
+            <a:noAutofit/>
+          </a:bodyPr>
+          <a:lstStyle>
+            <a:lvl1pPr algn="r">
+              <a:defRPr sz="4000" baseline="0">
+                <a:solidFill>
+                  <a:schemeClr val="bg1"/>
+                </a:solidFill>
+              </a:defRPr>
+            </a:lvl1pPr>
+          </a:lstStyle>
+          <a:p>
+            <a:r>
+              <a:rPr lang="en-US" dirty="0"/>
+              <a:t>Thanks you !</a:t>
+            </a:r>
+          </a:p>
+        </p:txBody>
+      </p:sp>
+      <p:sp>
+        <p:nvSpPr>
+          <p:cNvPr id="13" name="Footer Placeholder 3"/>
+          <p:cNvSpPr>
+            <a:spLocks noGrp="1"/>
+          </p:cNvSpPr>
+          <p:nvPr>
+            <p:ph type="ftr" sz="quarter" idx="11"/>
+          </p:nvPr>
+        </p:nvSpPr>
+        <p:spPr>
+          <a:xfrm>
+            <a:off x="8515350" y="6356350"/>
+            <a:ext cx="1876424" cy="365125"/>
+          </a:xfrm>
+        </p:spPr>
+        <p:txBody>
+          <a:bodyPr/>
+          <a:lstStyle>
+            <a:lvl1pPr algn="ctr">
+              <a:defRPr>
+                <a:solidFill>
+                  <a:schemeClr val="bg1"/>
+                </a:solidFill>
+              </a:defRPr>
+            </a:lvl1pPr>
+          </a:lstStyle>
+          <a:p>
+            <a:r>
+              <a:rPr lang="en-US"/>
+              <a:t>www.indruino.com</a:t>
+            </a:r>
+            <a:endParaRPr lang="en-US" dirty="0"/>
+          </a:p>
+        </p:txBody>
+      </p:sp>
+      <p:pic>
+        <p:nvPicPr>
+          <p:cNvPr id="17" name="Picture 16"/>
+          <p:cNvPicPr>
+            <a:picLocks noChangeAspect="1"/>
+          </p:cNvPicPr>
+          <p:nvPr userDrawn="1"/>
+        </p:nvPicPr>
+        <p:blipFill>
+          <a:blip r:embed="rId4" cstate="print">
+            <a:extLst>
+              <a:ext uri="{28A0092B-C50C-407E-A947-70E740481C1C}">
+                <a14:useLocalDpi xmlns:a14="http://schemas.microsoft.com/office/drawing/2010/main" val="0"/>
+              </a:ext>
+            </a:extLst>
+          </a:blip>
+          <a:stretch>
+            <a:fillRect/>
+          </a:stretch>
+        </p:blipFill>
+        <p:spPr>
+          <a:xfrm>
+            <a:off x="8299672" y="1643144"/>
+            <a:ext cx="2164905" cy="1428837"/>
+          </a:xfrm>
+          <a:prstGeom prst="rect">
+            <a:avLst/>
+          </a:prstGeom>
+        </p:spPr>
+      </p:pic>
+      <p:sp>
+        <p:nvSpPr>
+          <p:cNvPr id="19" name="Subtitle 2"/>
+          <p:cNvSpPr txBox="1">
+            <a:spLocks/>
+          </p:cNvSpPr>
+          <p:nvPr userDrawn="1"/>
+        </p:nvSpPr>
+        <p:spPr>
+          <a:xfrm>
+            <a:off x="3581399" y="3071981"/>
+            <a:ext cx="3267075" cy="828674"/>
+          </a:xfrm>
+          <a:prstGeom prst="rect">
+            <a:avLst/>
+          </a:prstGeom>
+        </p:spPr>
+        <p:txBody>
+          <a:bodyPr vert="horz" lIns="91440" tIns="45720" rIns="91440" bIns="45720" rtlCol="0">
+            <a:normAutofit/>
+          </a:bodyPr>
+          <a:lstStyle>
+            <a:lvl1pPr marL="0" indent="0" algn="r" defTabSz="914400" rtl="0" eaLnBrk="1" latinLnBrk="0" hangingPunct="1">
+              <a:lnSpc>
+                <a:spcPct val="90000"/>
+              </a:lnSpc>
+              <a:spcBef>
+                <a:spcPts val="1000"/>
+              </a:spcBef>
+              <a:buFont typeface="Arial" panose="020B0604020202020204" pitchFamily="34" charset="0"/>
+              <a:buNone/>
+              <a:defRPr sz="1800" kern="1200" baseline="0">
+                <a:solidFill>
+                  <a:schemeClr val="tx1"/>
+                </a:solidFill>
+                <a:latin typeface="Roboto" panose="02000000000000000000" pitchFamily="2" charset="0"/>
+                <a:ea typeface="Roboto" panose="02000000000000000000" pitchFamily="2" charset="0"/>
+                <a:cs typeface="Roboto" panose="02000000000000000000" pitchFamily="2" charset="0"/>
+              </a:defRPr>
+            </a:lvl1pPr>
+            <a:lvl2pPr marL="457200" indent="0" algn="ctr" defTabSz="914400" rtl="0" eaLnBrk="1" latinLnBrk="0" hangingPunct="1">
+              <a:lnSpc>
+                <a:spcPct val="90000"/>
+              </a:lnSpc>
+              <a:spcBef>
+                <a:spcPts val="500"/>
+              </a:spcBef>
+              <a:buFont typeface="Arial" panose="020B0604020202020204" pitchFamily="34" charset="0"/>
+              <a:buNone/>
+              <a:defRPr sz="2000" kern="1200">
+                <a:solidFill>
+                  <a:schemeClr val="tx1"/>
+                </a:solidFill>
+                <a:latin typeface="Roboto" panose="02000000000000000000" pitchFamily="2" charset="0"/>
+                <a:ea typeface="Roboto" panose="02000000000000000000" pitchFamily="2" charset="0"/>
+                <a:cs typeface="Roboto" panose="02000000000000000000" pitchFamily="2" charset="0"/>
+              </a:defRPr>
+            </a:lvl2pPr>
+            <a:lvl3pPr marL="914400" indent="0" algn="ctr" defTabSz="914400" rtl="0" eaLnBrk="1" latinLnBrk="0" hangingPunct="1">
+              <a:lnSpc>
+                <a:spcPct val="90000"/>
+              </a:lnSpc>
+              <a:spcBef>
+                <a:spcPts val="500"/>
+              </a:spcBef>
+              <a:buFont typeface="Arial" panose="020B0604020202020204" pitchFamily="34" charset="0"/>
+              <a:buNone/>
+              <a:defRPr sz="1800" kern="1200">
+                <a:solidFill>
+                  <a:schemeClr val="tx1"/>
+                </a:solidFill>
+                <a:latin typeface="Roboto" panose="02000000000000000000" pitchFamily="2" charset="0"/>
+                <a:ea typeface="Roboto" panose="02000000000000000000" pitchFamily="2" charset="0"/>
+                <a:cs typeface="Roboto" panose="02000000000000000000" pitchFamily="2" charset="0"/>
+              </a:defRPr>
+            </a:lvl3pPr>
+            <a:lvl4pPr marL="1371600" indent="0" algn="ctr" defTabSz="914400" rtl="0" eaLnBrk="1" latinLnBrk="0" hangingPunct="1">
+              <a:lnSpc>
+                <a:spcPct val="90000"/>
+              </a:lnSpc>
+              <a:spcBef>
+                <a:spcPts val="500"/>
+              </a:spcBef>
+              <a:buFont typeface="Arial" panose="020B0604020202020204" pitchFamily="34" charset="0"/>
+              <a:buNone/>
+              <a:defRPr sz="1600" kern="1200">
+                <a:solidFill>
+                  <a:schemeClr val="tx1"/>
+                </a:solidFill>
+                <a:latin typeface="Roboto" panose="02000000000000000000" pitchFamily="2" charset="0"/>
+                <a:ea typeface="Roboto" panose="02000000000000000000" pitchFamily="2" charset="0"/>
+                <a:cs typeface="Roboto" panose="02000000000000000000" pitchFamily="2" charset="0"/>
+              </a:defRPr>
+            </a:lvl4pPr>
+            <a:lvl5pPr marL="1828800" indent="0" algn="ctr" defTabSz="914400" rtl="0" eaLnBrk="1" latinLnBrk="0" hangingPunct="1">
+              <a:lnSpc>
+                <a:spcPct val="90000"/>
+              </a:lnSpc>
+              <a:spcBef>
+                <a:spcPts val="500"/>
+              </a:spcBef>
+              <a:buFont typeface="Arial" panose="020B0604020202020204" pitchFamily="34" charset="0"/>
+              <a:buNone/>
+              <a:defRPr sz="1600" kern="1200">
+                <a:solidFill>
+                  <a:schemeClr val="tx1"/>
+                </a:solidFill>
+                <a:latin typeface="Roboto" panose="02000000000000000000" pitchFamily="2" charset="0"/>
+                <a:ea typeface="Roboto" panose="02000000000000000000" pitchFamily="2" charset="0"/>
+                <a:cs typeface="Roboto" panose="02000000000000000000" pitchFamily="2" charset="0"/>
+              </a:defRPr>
+            </a:lvl5pPr>
+            <a:lvl6pPr marL="2286000" indent="0" algn="ctr" defTabSz="914400" rtl="0" eaLnBrk="1" latinLnBrk="0" hangingPunct="1">
+              <a:lnSpc>
+                <a:spcPct val="90000"/>
+              </a:lnSpc>
+              <a:spcBef>
+                <a:spcPts val="500"/>
+              </a:spcBef>
+              <a:buFont typeface="Arial" panose="020B0604020202020204" pitchFamily="34" charset="0"/>
+              <a:buNone/>
+              <a:defRPr sz="1600" kern="1200">
+                <a:solidFill>
+                  <a:schemeClr val="tx1"/>
+                </a:solidFill>
+                <a:latin typeface="+mn-lt"/>
+                <a:ea typeface="+mn-ea"/>
+                <a:cs typeface="+mn-cs"/>
+              </a:defRPr>
+            </a:lvl6pPr>
+            <a:lvl7pPr marL="2743200" indent="0" algn="ctr" defTabSz="914400" rtl="0" eaLnBrk="1" latinLnBrk="0" hangingPunct="1">
+              <a:lnSpc>
+                <a:spcPct val="90000"/>
+              </a:lnSpc>
+              <a:spcBef>
+                <a:spcPts val="500"/>
+              </a:spcBef>
+              <a:buFont typeface="Arial" panose="020B0604020202020204" pitchFamily="34" charset="0"/>
+              <a:buNone/>
+              <a:defRPr sz="1600" kern="1200">
+                <a:solidFill>
+                  <a:schemeClr val="tx1"/>
+                </a:solidFill>
+                <a:latin typeface="+mn-lt"/>
+                <a:ea typeface="+mn-ea"/>
+                <a:cs typeface="+mn-cs"/>
+              </a:defRPr>
+            </a:lvl7pPr>
+            <a:lvl8pPr marL="3200400" indent="0" algn="ctr" defTabSz="914400" rtl="0" eaLnBrk="1" latinLnBrk="0" hangingPunct="1">
+              <a:lnSpc>
+                <a:spcPct val="90000"/>
+              </a:lnSpc>
+              <a:spcBef>
+                <a:spcPts val="500"/>
+              </a:spcBef>
+              <a:buFont typeface="Arial" panose="020B0604020202020204" pitchFamily="34" charset="0"/>
+              <a:buNone/>
+              <a:defRPr sz="1600" kern="1200">
+                <a:solidFill>
+                  <a:schemeClr val="tx1"/>
+                </a:solidFill>
+                <a:latin typeface="+mn-lt"/>
+                <a:ea typeface="+mn-ea"/>
+                <a:cs typeface="+mn-cs"/>
+              </a:defRPr>
+            </a:lvl8pPr>
+            <a:lvl9pPr marL="3657600" indent="0" algn="ctr" defTabSz="914400" rtl="0" eaLnBrk="1" latinLnBrk="0" hangingPunct="1">
+              <a:lnSpc>
+                <a:spcPct val="90000"/>
+              </a:lnSpc>
+              <a:spcBef>
+                <a:spcPts val="500"/>
+              </a:spcBef>
+              <a:buFont typeface="Arial" panose="020B0604020202020204" pitchFamily="34" charset="0"/>
+              <a:buNone/>
+              <a:defRPr sz="1600" kern="1200">
+                <a:solidFill>
+                  <a:schemeClr val="tx1"/>
+                </a:solidFill>
+                <a:latin typeface="+mn-lt"/>
+                <a:ea typeface="+mn-ea"/>
+                <a:cs typeface="+mn-cs"/>
+              </a:defRPr>
+            </a:lvl9pPr>
+          </a:lstStyle>
+          <a:p>
+            <a:r>
+              <a:rPr lang="en-US" dirty="0" err="1">
+                <a:solidFill>
+                  <a:schemeClr val="bg1"/>
+                </a:solidFill>
+              </a:rPr>
+              <a:t>Diễn</a:t>
+            </a:r>
+            <a:r>
+              <a:rPr lang="en-US" dirty="0">
+                <a:solidFill>
+                  <a:schemeClr val="bg1"/>
+                </a:solidFill>
+              </a:rPr>
+              <a:t> </a:t>
+            </a:r>
+            <a:r>
+              <a:rPr lang="en-US" dirty="0" err="1">
+                <a:solidFill>
+                  <a:schemeClr val="bg1"/>
+                </a:solidFill>
+              </a:rPr>
+              <a:t>giả</a:t>
+            </a:r>
+            <a:r>
+              <a:rPr lang="en-US" dirty="0">
+                <a:solidFill>
+                  <a:schemeClr val="bg1"/>
+                </a:solidFill>
+              </a:rPr>
+              <a:t>: </a:t>
+            </a:r>
+            <a:r>
+              <a:rPr lang="en-US" dirty="0" err="1">
+                <a:solidFill>
+                  <a:schemeClr val="bg1"/>
+                </a:solidFill>
+              </a:rPr>
+              <a:t>Indruino</a:t>
+            </a:r>
+            <a:endParaRPr lang="en-US" dirty="0">
+              <a:solidFill>
+                <a:schemeClr val="bg1"/>
+              </a:solidFill>
+            </a:endParaRPr>
+          </a:p>
+          <a:p>
+            <a:r>
+              <a:rPr lang="en-US" dirty="0" err="1">
+                <a:solidFill>
+                  <a:schemeClr val="bg1"/>
+                </a:solidFill>
+              </a:rPr>
+              <a:t>Bộ</a:t>
+            </a:r>
+            <a:r>
+              <a:rPr lang="en-US" dirty="0">
+                <a:solidFill>
+                  <a:schemeClr val="bg1"/>
+                </a:solidFill>
+              </a:rPr>
+              <a:t> </a:t>
+            </a:r>
+            <a:r>
+              <a:rPr lang="en-US" dirty="0" err="1">
+                <a:solidFill>
+                  <a:schemeClr val="bg1"/>
+                </a:solidFill>
+              </a:rPr>
+              <a:t>phận</a:t>
+            </a:r>
+            <a:r>
+              <a:rPr lang="en-US" dirty="0">
+                <a:solidFill>
+                  <a:schemeClr val="bg1"/>
+                </a:solidFill>
+              </a:rPr>
+              <a:t>: </a:t>
+            </a:r>
+            <a:r>
+              <a:rPr lang="en-US" dirty="0" err="1">
+                <a:solidFill>
+                  <a:schemeClr val="bg1"/>
+                </a:solidFill>
+              </a:rPr>
+              <a:t>Indruino</a:t>
+            </a:r>
+            <a:endParaRPr lang="en-US" dirty="0">
+              <a:solidFill>
+                <a:schemeClr val="bg1"/>
+              </a:solidFill>
+            </a:endParaRPr>
+          </a:p>
+        </p:txBody>
+      </p:sp>
+      <p:sp>
+        <p:nvSpPr>
+          <p:cNvPr id="20" name="Rectangle 19"/>
+          <p:cNvSpPr/>
+          <p:nvPr userDrawn="1"/>
+        </p:nvSpPr>
+        <p:spPr>
+          <a:xfrm>
+            <a:off x="933450" y="2863543"/>
+            <a:ext cx="5915024" cy="18288"/>
+          </a:xfrm>
+          <a:prstGeom prst="rect">
+            <a:avLst/>
+          </a:prstGeom>
+          <a:solidFill>
+            <a:schemeClr val="bg1"/>
+          </a:solidFill>
+        </p:spPr>
+        <p:style>
+          <a:lnRef idx="2">
+            <a:schemeClr val="accent1">
+              <a:shade val="50000"/>
+            </a:schemeClr>
+          </a:lnRef>
+          <a:fillRef idx="1">
+            <a:schemeClr val="accent1"/>
+          </a:fillRef>
+          <a:effectRef idx="0">
+            <a:schemeClr val="accent1"/>
+          </a:effectRef>
+          <a:fontRef idx="minor">
+            <a:schemeClr val="lt1"/>
+          </a:fontRef>
+        </p:style>
+        <p:txBody>
+          <a:bodyPr rtlCol="0" anchor="ctr"/>
+          <a:lstStyle/>
+          <a:p>
+            <a:pPr algn="ctr"/>
+            <a:endParaRPr lang="en-US"/>
+          </a:p>
+        </p:txBody>
+      </p:sp>
+    </p:spTree>
+    <p:extLst>
+      <p:ext uri="{BB962C8B-B14F-4D97-AF65-F5344CB8AC3E}">
+        <p14:creationId xmlns:p14="http://schemas.microsoft.com/office/powerpoint/2010/main" val="1869918975"/>
       </p:ext>
     </p:extLst>
   </p:cSld>
@@ -704,10 +2378,9 @@
           <a:lstStyle/>
           <a:p>
             <a:r>
-              <a:rPr lang="en-US" smtClean="0"/>
+              <a:rPr lang="en-US"/>
               <a:t>Click to edit Master title style</a:t>
             </a:r>
-            <a:endParaRPr lang="en-US"/>
           </a:p>
         </p:txBody>
       </p:sp>
@@ -728,38 +2401,37 @@
           <a:p>
             <a:pPr lvl="0"/>
             <a:r>
-              <a:rPr lang="en-US" smtClean="0"/>
+              <a:rPr lang="en-US"/>
               <a:t>Edit Master text styles</a:t>
             </a:r>
           </a:p>
           <a:p>
             <a:pPr lvl="1"/>
             <a:r>
-              <a:rPr lang="en-US" smtClean="0"/>
+              <a:rPr lang="en-US"/>
               <a:t>Second level</a:t>
             </a:r>
           </a:p>
           <a:p>
             <a:pPr lvl="2"/>
             <a:r>
-              <a:rPr lang="en-US" smtClean="0"/>
+              <a:rPr lang="en-US"/>
               <a:t>Third level</a:t>
             </a:r>
           </a:p>
           <a:p>
             <a:pPr lvl="3"/>
             <a:r>
-              <a:rPr lang="en-US" smtClean="0"/>
+              <a:rPr lang="en-US"/>
               <a:t>Fourth level</a:t>
             </a:r>
           </a:p>
           <a:p>
             <a:pPr lvl="4"/>
             <a:r>
-              <a:rPr lang="en-US" smtClean="0"/>
+              <a:rPr lang="en-US"/>
               <a:t>Fifth level</a:t>
             </a:r>
-            <a:endParaRPr lang="en-US"/>
           </a:p>
         </p:txBody>
       </p:sp>
@@ -780,7 +2452,7 @@
           <a:p>
             <a:fld id="{15F486B2-3BC1-4EED-AB89-7DA47EFBEE40}" type="datetimeFigureOut">
               <a:rPr lang="en-US" smtClean="0"/>
-              <a:t>7/17/2020</a:t>
+              <a:t>8/23/2020</a:t>
             </a:fld>
             <a:endParaRPr lang="en-US"/>
           </a:p>
@@ -883,10 +2555,9 @@
           </a:lstStyle>
           <a:p>
             <a:r>
-              <a:rPr lang="en-US" smtClean="0"/>
+              <a:rPr lang="en-US"/>
               <a:t>Click to edit Master title style</a:t>
             </a:r>
-            <a:endParaRPr lang="en-US"/>
           </a:p>
         </p:txBody>
       </p:sp>
@@ -1003,7 +2674,7 @@
           <a:p>
             <a:pPr lvl="0"/>
             <a:r>
-              <a:rPr lang="en-US" smtClean="0"/>
+              <a:rPr lang="en-US"/>
               <a:t>Edit Master text styles</a:t>
             </a:r>
           </a:p>
@@ -1026,7 +2697,7 @@
           <a:p>
             <a:fld id="{15F486B2-3BC1-4EED-AB89-7DA47EFBEE40}" type="datetimeFigureOut">
               <a:rPr lang="en-US" smtClean="0"/>
-              <a:t>7/17/2020</a:t>
+              <a:t>8/23/2020</a:t>
             </a:fld>
             <a:endParaRPr lang="en-US"/>
           </a:p>
@@ -1120,10 +2791,9 @@
           <a:lstStyle/>
           <a:p>
             <a:r>
-              <a:rPr lang="en-US" smtClean="0"/>
+              <a:rPr lang="en-US"/>
               <a:t>Click to edit Master title style</a:t>
             </a:r>
-            <a:endParaRPr lang="en-US"/>
           </a:p>
         </p:txBody>
       </p:sp>
@@ -1149,38 +2819,37 @@
           <a:p>
             <a:pPr lvl="0"/>
             <a:r>
-              <a:rPr lang="en-US" smtClean="0"/>
+              <a:rPr lang="en-US"/>
               <a:t>Edit Master text styles</a:t>
             </a:r>
           </a:p>
           <a:p>
             <a:pPr lvl="1"/>
             <a:r>
-              <a:rPr lang="en-US" smtClean="0"/>
+              <a:rPr lang="en-US"/>
               <a:t>Second level</a:t>
             </a:r>
           </a:p>
           <a:p>
             <a:pPr lvl="2"/>
             <a:r>
-              <a:rPr lang="en-US" smtClean="0"/>
+              <a:rPr lang="en-US"/>
               <a:t>Third level</a:t>
             </a:r>
           </a:p>
           <a:p>
             <a:pPr lvl="3"/>
             <a:r>
-              <a:rPr lang="en-US" smtClean="0"/>
+              <a:rPr lang="en-US"/>
               <a:t>Fourth level</a:t>
             </a:r>
           </a:p>
           <a:p>
             <a:pPr lvl="4"/>
             <a:r>
-              <a:rPr lang="en-US" smtClean="0"/>
+              <a:rPr lang="en-US"/>
               <a:t>Fifth level</a:t>
             </a:r>
-            <a:endParaRPr lang="en-US"/>
           </a:p>
         </p:txBody>
       </p:sp>
@@ -1206,38 +2875,37 @@
           <a:p>
             <a:pPr lvl="0"/>
             <a:r>
-              <a:rPr lang="en-US" smtClean="0"/>
+              <a:rPr lang="en-US"/>
               <a:t>Edit Master text styles</a:t>
             </a:r>
           </a:p>
           <a:p>
             <a:pPr lvl="1"/>
             <a:r>
-              <a:rPr lang="en-US" smtClean="0"/>
+              <a:rPr lang="en-US"/>
               <a:t>Second level</a:t>
             </a:r>
           </a:p>
           <a:p>
             <a:pPr lvl="2"/>
             <a:r>
-              <a:rPr lang="en-US" smtClean="0"/>
+              <a:rPr lang="en-US"/>
               <a:t>Third level</a:t>
             </a:r>
           </a:p>
           <a:p>
             <a:pPr lvl="3"/>
             <a:r>
-              <a:rPr lang="en-US" smtClean="0"/>
+              <a:rPr lang="en-US"/>
               <a:t>Fourth level</a:t>
             </a:r>
           </a:p>
           <a:p>
             <a:pPr lvl="4"/>
             <a:r>
-              <a:rPr lang="en-US" smtClean="0"/>
+              <a:rPr lang="en-US"/>
               <a:t>Fifth level</a:t>
             </a:r>
-            <a:endParaRPr lang="en-US"/>
           </a:p>
         </p:txBody>
       </p:sp>
@@ -1258,7 +2926,7 @@
           <a:p>
             <a:fld id="{15F486B2-3BC1-4EED-AB89-7DA47EFBEE40}" type="datetimeFigureOut">
               <a:rPr lang="en-US" smtClean="0"/>
-              <a:t>7/17/2020</a:t>
+              <a:t>8/23/2020</a:t>
             </a:fld>
             <a:endParaRPr lang="en-US"/>
           </a:p>
@@ -1357,10 +3025,9 @@
           <a:lstStyle/>
           <a:p>
             <a:r>
-              <a:rPr lang="en-US" smtClean="0"/>
+              <a:rPr lang="en-US"/>
               <a:t>Click to edit Master title style</a:t>
             </a:r>
-            <a:endParaRPr lang="en-US"/>
           </a:p>
         </p:txBody>
       </p:sp>
@@ -1423,7 +3090,7 @@
           <a:p>
             <a:pPr lvl="0"/>
             <a:r>
-              <a:rPr lang="en-US" smtClean="0"/>
+              <a:rPr lang="en-US"/>
               <a:t>Edit Master text styles</a:t>
             </a:r>
           </a:p>
@@ -1451,38 +3118,37 @@
           <a:p>
             <a:pPr lvl="0"/>
             <a:r>
-              <a:rPr lang="en-US" smtClean="0"/>
+              <a:rPr lang="en-US"/>
               <a:t>Edit Master text styles</a:t>
             </a:r>
           </a:p>
           <a:p>
             <a:pPr lvl="1"/>
             <a:r>
-              <a:rPr lang="en-US" smtClean="0"/>
+              <a:rPr lang="en-US"/>
               <a:t>Second level</a:t>
             </a:r>
           </a:p>
           <a:p>
             <a:pPr lvl="2"/>
             <a:r>
-              <a:rPr lang="en-US" smtClean="0"/>
+              <a:rPr lang="en-US"/>
               <a:t>Third level</a:t>
             </a:r>
           </a:p>
           <a:p>
             <a:pPr lvl="3"/>
             <a:r>
-              <a:rPr lang="en-US" smtClean="0"/>
+              <a:rPr lang="en-US"/>
               <a:t>Fourth level</a:t>
             </a:r>
           </a:p>
           <a:p>
             <a:pPr lvl="4"/>
             <a:r>
-              <a:rPr lang="en-US" smtClean="0"/>
+              <a:rPr lang="en-US"/>
               <a:t>Fifth level</a:t>
             </a:r>
-            <a:endParaRPr lang="en-US"/>
           </a:p>
         </p:txBody>
       </p:sp>
@@ -1545,7 +3211,7 @@
           <a:p>
             <a:pPr lvl="0"/>
             <a:r>
-              <a:rPr lang="en-US" smtClean="0"/>
+              <a:rPr lang="en-US"/>
               <a:t>Edit Master text styles</a:t>
             </a:r>
           </a:p>
@@ -1573,38 +3239,37 @@
           <a:p>
             <a:pPr lvl="0"/>
             <a:r>
-              <a:rPr lang="en-US" smtClean="0"/>
+              <a:rPr lang="en-US"/>
               <a:t>Edit Master text styles</a:t>
             </a:r>
           </a:p>
           <a:p>
             <a:pPr lvl="1"/>
             <a:r>
-              <a:rPr lang="en-US" smtClean="0"/>
+              <a:rPr lang="en-US"/>
               <a:t>Second level</a:t>
             </a:r>
           </a:p>
           <a:p>
             <a:pPr lvl="2"/>
             <a:r>
-              <a:rPr lang="en-US" smtClean="0"/>
+              <a:rPr lang="en-US"/>
               <a:t>Third level</a:t>
             </a:r>
           </a:p>
           <a:p>
             <a:pPr lvl="3"/>
             <a:r>
-              <a:rPr lang="en-US" smtClean="0"/>
+              <a:rPr lang="en-US"/>
               <a:t>Fourth level</a:t>
             </a:r>
           </a:p>
           <a:p>
             <a:pPr lvl="4"/>
             <a:r>
-              <a:rPr lang="en-US" smtClean="0"/>
+              <a:rPr lang="en-US"/>
               <a:t>Fifth level</a:t>
             </a:r>
-            <a:endParaRPr lang="en-US"/>
           </a:p>
         </p:txBody>
       </p:sp>
@@ -1625,7 +3290,7 @@
           <a:p>
             <a:fld id="{15F486B2-3BC1-4EED-AB89-7DA47EFBEE40}" type="datetimeFigureOut">
               <a:rPr lang="en-US" smtClean="0"/>
-              <a:t>7/17/2020</a:t>
+              <a:t>8/23/2020</a:t>
             </a:fld>
             <a:endParaRPr lang="en-US"/>
           </a:p>
@@ -1719,10 +3384,9 @@
           <a:lstStyle/>
           <a:p>
             <a:r>
-              <a:rPr lang="en-US" smtClean="0"/>
+              <a:rPr lang="en-US"/>
               <a:t>Click to edit Master title style</a:t>
             </a:r>
-            <a:endParaRPr lang="en-US"/>
           </a:p>
         </p:txBody>
       </p:sp>
@@ -1743,7 +3407,7 @@
           <a:p>
             <a:fld id="{15F486B2-3BC1-4EED-AB89-7DA47EFBEE40}" type="datetimeFigureOut">
               <a:rPr lang="en-US" smtClean="0"/>
-              <a:t>7/17/2020</a:t>
+              <a:t>8/23/2020</a:t>
             </a:fld>
             <a:endParaRPr lang="en-US"/>
           </a:p>
@@ -1838,7 +3502,7 @@
           <a:p>
             <a:fld id="{15F486B2-3BC1-4EED-AB89-7DA47EFBEE40}" type="datetimeFigureOut">
               <a:rPr lang="en-US" smtClean="0"/>
-              <a:t>7/17/2020</a:t>
+              <a:t>8/23/2020</a:t>
             </a:fld>
             <a:endParaRPr lang="en-US"/>
           </a:p>
@@ -1941,10 +3605,9 @@
           </a:lstStyle>
           <a:p>
             <a:r>
-              <a:rPr lang="en-US" smtClean="0"/>
+              <a:rPr lang="en-US"/>
               <a:t>Click to edit Master title style</a:t>
             </a:r>
-            <a:endParaRPr lang="en-US"/>
           </a:p>
         </p:txBody>
       </p:sp>
@@ -1998,38 +3661,37 @@
           <a:p>
             <a:pPr lvl="0"/>
             <a:r>
-              <a:rPr lang="en-US" smtClean="0"/>
+              <a:rPr lang="en-US"/>
               <a:t>Edit Master text styles</a:t>
             </a:r>
           </a:p>
           <a:p>
             <a:pPr lvl="1"/>
             <a:r>
-              <a:rPr lang="en-US" smtClean="0"/>
+              <a:rPr lang="en-US"/>
               <a:t>Second level</a:t>
             </a:r>
           </a:p>
           <a:p>
             <a:pPr lvl="2"/>
             <a:r>
-              <a:rPr lang="en-US" smtClean="0"/>
+              <a:rPr lang="en-US"/>
               <a:t>Third level</a:t>
             </a:r>
           </a:p>
           <a:p>
             <a:pPr lvl="3"/>
             <a:r>
-              <a:rPr lang="en-US" smtClean="0"/>
+              <a:rPr lang="en-US"/>
               <a:t>Fourth level</a:t>
             </a:r>
           </a:p>
           <a:p>
             <a:pPr lvl="4"/>
             <a:r>
-              <a:rPr lang="en-US" smtClean="0"/>
+              <a:rPr lang="en-US"/>
               <a:t>Fifth level</a:t>
             </a:r>
-            <a:endParaRPr lang="en-US"/>
           </a:p>
         </p:txBody>
       </p:sp>
@@ -2092,7 +3754,7 @@
           <a:p>
             <a:pPr lvl="0"/>
             <a:r>
-              <a:rPr lang="en-US" smtClean="0"/>
+              <a:rPr lang="en-US"/>
               <a:t>Edit Master text styles</a:t>
             </a:r>
           </a:p>
@@ -2115,7 +3777,7 @@
           <a:p>
             <a:fld id="{15F486B2-3BC1-4EED-AB89-7DA47EFBEE40}" type="datetimeFigureOut">
               <a:rPr lang="en-US" smtClean="0"/>
-              <a:t>7/17/2020</a:t>
+              <a:t>8/23/2020</a:t>
             </a:fld>
             <a:endParaRPr lang="en-US"/>
           </a:p>
@@ -2218,10 +3880,9 @@
           </a:lstStyle>
           <a:p>
             <a:r>
-              <a:rPr lang="en-US" smtClean="0"/>
+              <a:rPr lang="en-US"/>
               <a:t>Click to edit Master title style</a:t>
             </a:r>
-            <a:endParaRPr lang="en-US"/>
           </a:p>
         </p:txBody>
       </p:sp>
@@ -2345,7 +4006,7 @@
           <a:p>
             <a:pPr lvl="0"/>
             <a:r>
-              <a:rPr lang="en-US" smtClean="0"/>
+              <a:rPr lang="en-US"/>
               <a:t>Edit Master text styles</a:t>
             </a:r>
           </a:p>
@@ -2368,7 +4029,7 @@
           <a:p>
             <a:fld id="{15F486B2-3BC1-4EED-AB89-7DA47EFBEE40}" type="datetimeFigureOut">
               <a:rPr lang="en-US" smtClean="0"/>
-              <a:t>7/17/2020</a:t>
+              <a:t>8/23/2020</a:t>
             </a:fld>
             <a:endParaRPr lang="en-US"/>
           </a:p>
@@ -2507,10 +4168,9 @@
           <a:lstStyle/>
           <a:p>
             <a:r>
-              <a:rPr lang="en-US" smtClean="0"/>
+              <a:rPr lang="en-US"/>
               <a:t>Click to edit Master title style</a:t>
             </a:r>
-            <a:endParaRPr lang="en-US"/>
           </a:p>
         </p:txBody>
       </p:sp>
@@ -2541,38 +4201,37 @@
           <a:p>
             <a:pPr lvl="0"/>
             <a:r>
-              <a:rPr lang="en-US" smtClean="0"/>
+              <a:rPr lang="en-US"/>
               <a:t>Edit Master text styles</a:t>
             </a:r>
           </a:p>
           <a:p>
             <a:pPr lvl="1"/>
             <a:r>
-              <a:rPr lang="en-US" smtClean="0"/>
+              <a:rPr lang="en-US"/>
               <a:t>Second level</a:t>
             </a:r>
           </a:p>
           <a:p>
             <a:pPr lvl="2"/>
             <a:r>
-              <a:rPr lang="en-US" smtClean="0"/>
+              <a:rPr lang="en-US"/>
               <a:t>Third level</a:t>
             </a:r>
           </a:p>
           <a:p>
             <a:pPr lvl="3"/>
             <a:r>
-              <a:rPr lang="en-US" smtClean="0"/>
+              <a:rPr lang="en-US"/>
               <a:t>Fourth level</a:t>
             </a:r>
           </a:p>
           <a:p>
             <a:pPr lvl="4"/>
             <a:r>
-              <a:rPr lang="en-US" smtClean="0"/>
+              <a:rPr lang="en-US"/>
               <a:t>Fifth level</a:t>
             </a:r>
-            <a:endParaRPr lang="en-US"/>
           </a:p>
         </p:txBody>
       </p:sp>
@@ -2611,7 +4270,7 @@
           <a:p>
             <a:fld id="{15F486B2-3BC1-4EED-AB89-7DA47EFBEE40}" type="datetimeFigureOut">
               <a:rPr lang="en-US" smtClean="0"/>
-              <a:t>7/17/2020</a:t>
+              <a:t>8/23/2020</a:t>
             </a:fld>
             <a:endParaRPr lang="en-US"/>
           </a:p>
@@ -2715,6 +4374,10 @@
     <p:sldLayoutId id="2147483657" r:id="rId9"/>
     <p:sldLayoutId id="2147483658" r:id="rId10"/>
     <p:sldLayoutId id="2147483659" r:id="rId11"/>
+    <p:sldLayoutId id="2147483660" r:id="rId12"/>
+    <p:sldLayoutId id="2147483661" r:id="rId13"/>
+    <p:sldLayoutId id="2147483662" r:id="rId14"/>
+    <p:sldLayoutId id="2147483663" r:id="rId15"/>
   </p:sldLayoutIdLst>
   <p:txStyles>
     <p:titleStyle>
@@ -3016,16 +4679,46 @@
           <a:chExt cx="0" cy="0"/>
         </a:xfrm>
       </p:grpSpPr>
-      <p:sp>
-        <p:nvSpPr>
-          <p:cNvPr id="4" name="Rectangle 3"/>
-          <p:cNvSpPr/>
+    </p:spTree>
+    <p:extLst>
+      <p:ext uri="{BB962C8B-B14F-4D97-AF65-F5344CB8AC3E}">
+        <p14:creationId xmlns:p14="http://schemas.microsoft.com/office/powerpoint/2010/main" val="37879161"/>
+      </p:ext>
+    </p:extLst>
+  </p:cSld>
+  <p:clrMapOvr>
+    <a:masterClrMapping/>
+  </p:clrMapOvr>
+</p:sld>
+</file>
+
+<file path=ppt/slides/slide10.xml><?xml version="1.0" encoding="utf-8"?>
+<p:sld xmlns:a="http://schemas.openxmlformats.org/drawingml/2006/main" xmlns:r="http://schemas.openxmlformats.org/officeDocument/2006/relationships" xmlns:p="http://schemas.openxmlformats.org/presentationml/2006/main">
+  <p:cSld>
+    <p:spTree>
+      <p:nvGrpSpPr>
+        <p:cNvPr id="1" name=""/>
+        <p:cNvGrpSpPr/>
+        <p:nvPr/>
+      </p:nvGrpSpPr>
+      <p:grpSpPr>
+        <a:xfrm>
+          <a:off x="0" y="0"/>
+          <a:ext cx="0" cy="0"/>
+          <a:chOff x="0" y="0"/>
+          <a:chExt cx="0" cy="0"/>
+        </a:xfrm>
+      </p:grpSpPr>
+      <p:sp>
+        <p:nvSpPr>
+          <p:cNvPr id="2" name="TextBox 1"/>
+          <p:cNvSpPr txBox="1"/>
           <p:nvPr/>
         </p:nvSpPr>
         <p:spPr>
           <a:xfrm>
-            <a:off x="2397819" y="2105731"/>
-            <a:ext cx="7409977" cy="2800767"/>
+            <a:off x="1915215" y="542474"/>
+            <a:ext cx="6123792" cy="553998"/>
           </a:xfrm>
           <a:prstGeom prst="rect">
             <a:avLst/>
@@ -3033,64 +4726,241 @@
           <a:noFill/>
         </p:spPr>
         <p:txBody>
-          <a:bodyPr wrap="none" lIns="91440" tIns="45720" rIns="91440" bIns="45720">
+          <a:bodyPr wrap="none" rtlCol="0">
             <a:spAutoFit/>
-            <a:scene3d>
-              <a:camera prst="perspectiveRelaxedModerately"/>
-              <a:lightRig rig="threePt" dir="t"/>
-            </a:scene3d>
           </a:bodyPr>
           <a:lstStyle/>
           <a:p>
-            <a:pPr algn="ctr"/>
-            <a:r>
-              <a:rPr lang="en-US" sz="8800" b="1" cap="none" spc="0" dirty="0" smtClean="0">
-                <a:ln w="12700">
-                  <a:solidFill>
-                    <a:srgbClr val="C00000"/>
-                  </a:solidFill>
-                  <a:prstDash val="solid"/>
-                </a:ln>
+            <a:r>
+              <a:rPr lang="en-US" sz="3000" b="1" dirty="0">
                 <a:solidFill>
-                  <a:srgbClr val="FFC000"/>
+                  <a:srgbClr val="FF0000"/>
                 </a:solidFill>
-                <a:effectLst/>
-                <a:latin typeface="Times New Roman" panose="02020603050405020304" pitchFamily="18" charset="0"/>
+                <a:effectLst>
+                  <a:outerShdw blurRad="38100" dist="38100" dir="2700000" algn="tl">
+                    <a:srgbClr val="000000">
+                      <a:alpha val="43137"/>
+                    </a:srgbClr>
+                  </a:outerShdw>
+                </a:effectLst>
+                <a:latin typeface="Segoe UI Black" panose="020B0A02040204020203" pitchFamily="34" charset="0"/>
                 <a:cs typeface="Times New Roman" panose="02020603050405020304" pitchFamily="18" charset="0"/>
               </a:rPr>
-              <a:t>OVERVIEW</a:t>
-            </a:r>
-          </a:p>
-          <a:p>
-            <a:pPr algn="ctr"/>
-            <a:r>
-              <a:rPr lang="en-US" sz="8800" b="1" dirty="0" smtClean="0">
-                <a:ln w="12700">
-                  <a:solidFill>
-                    <a:srgbClr val="C00000"/>
-                  </a:solidFill>
-                  <a:prstDash val="solid"/>
-                </a:ln>
-                <a:solidFill>
-                  <a:srgbClr val="FFC000"/>
-                </a:solidFill>
-                <a:latin typeface="Times New Roman" panose="02020603050405020304" pitchFamily="18" charset="0"/>
+              <a:t>6. Sử dụng Package cho project</a:t>
+            </a:r>
+          </a:p>
+        </p:txBody>
+      </p:sp>
+      <p:sp>
+        <p:nvSpPr>
+          <p:cNvPr id="3" name="TextBox 2"/>
+          <p:cNvSpPr txBox="1"/>
+          <p:nvPr/>
+        </p:nvSpPr>
+        <p:spPr>
+          <a:xfrm>
+            <a:off x="2373743" y="2032778"/>
+            <a:ext cx="11321143" cy="1938992"/>
+          </a:xfrm>
+          <a:prstGeom prst="rect">
+            <a:avLst/>
+          </a:prstGeom>
+          <a:noFill/>
+        </p:spPr>
+        <p:txBody>
+          <a:bodyPr wrap="square" rtlCol="0">
+            <a:spAutoFit/>
+          </a:bodyPr>
+          <a:lstStyle/>
+          <a:p>
+            <a:r>
+              <a:rPr lang="en-US" sz="2400" dirty="0">
+                <a:latin typeface="Segoe UI Black" panose="020B0A02040204020203" pitchFamily="34" charset="0"/>
                 <a:cs typeface="Times New Roman" panose="02020603050405020304" pitchFamily="18" charset="0"/>
               </a:rPr>
-              <a:t>YARN &amp; NPM</a:t>
-            </a:r>
-            <a:endParaRPr lang="en-US" sz="8800" b="1" cap="none" spc="0" dirty="0">
-              <a:ln w="12700">
+              <a:t>Lệnh sử dụng để load packages cho project:</a:t>
+            </a:r>
+          </a:p>
+          <a:p>
+            <a:endParaRPr lang="en-US" sz="2400" dirty="0">
+              <a:latin typeface="Segoe UI Black" panose="020B0A02040204020203" pitchFamily="34" charset="0"/>
+              <a:cs typeface="Times New Roman" panose="02020603050405020304" pitchFamily="18" charset="0"/>
+            </a:endParaRPr>
+          </a:p>
+          <a:p>
+            <a:pPr marL="342900" indent="-342900">
+              <a:buFont typeface="Wingdings" panose="05000000000000000000" pitchFamily="2" charset="2"/>
+              <a:buChar char="Ø"/>
+            </a:pPr>
+            <a:r>
+              <a:rPr lang="en-US" sz="2400" dirty="0">
+                <a:latin typeface="Segoe UI Black" panose="020B0A02040204020203" pitchFamily="34" charset="0"/>
+                <a:cs typeface="Times New Roman" panose="02020603050405020304" pitchFamily="18" charset="0"/>
+              </a:rPr>
+              <a:t>yarn install</a:t>
+            </a:r>
+          </a:p>
+          <a:p>
+            <a:pPr marL="342900" indent="-342900">
+              <a:buFont typeface="Wingdings" panose="05000000000000000000" pitchFamily="2" charset="2"/>
+              <a:buChar char="Ø"/>
+            </a:pPr>
+            <a:endParaRPr lang="en-US" sz="2400" dirty="0">
+              <a:latin typeface="Segoe UI Black" panose="020B0A02040204020203" pitchFamily="34" charset="0"/>
+              <a:cs typeface="Times New Roman" panose="02020603050405020304" pitchFamily="18" charset="0"/>
+            </a:endParaRPr>
+          </a:p>
+          <a:p>
+            <a:pPr marL="342900" indent="-342900">
+              <a:buFont typeface="Wingdings" panose="05000000000000000000" pitchFamily="2" charset="2"/>
+              <a:buChar char="Ø"/>
+            </a:pPr>
+            <a:r>
+              <a:rPr lang="en-US" sz="2400" dirty="0">
+                <a:latin typeface="Segoe UI Black" panose="020B0A02040204020203" pitchFamily="34" charset="0"/>
+                <a:cs typeface="Times New Roman" panose="02020603050405020304" pitchFamily="18" charset="0"/>
+              </a:rPr>
+              <a:t>yarn</a:t>
+            </a:r>
+          </a:p>
+        </p:txBody>
+      </p:sp>
+      <p:sp>
+        <p:nvSpPr>
+          <p:cNvPr id="4" name="TextBox 3"/>
+          <p:cNvSpPr txBox="1"/>
+          <p:nvPr/>
+        </p:nvSpPr>
+        <p:spPr>
+          <a:xfrm>
+            <a:off x="1915215" y="3971770"/>
+            <a:ext cx="6457217" cy="553998"/>
+          </a:xfrm>
+          <a:prstGeom prst="rect">
+            <a:avLst/>
+          </a:prstGeom>
+          <a:noFill/>
+        </p:spPr>
+        <p:txBody>
+          <a:bodyPr wrap="none" rtlCol="0">
+            <a:spAutoFit/>
+          </a:bodyPr>
+          <a:lstStyle/>
+          <a:p>
+            <a:r>
+              <a:rPr lang="en-US" sz="3000" b="1" dirty="0">
                 <a:solidFill>
-                  <a:srgbClr val="C00000"/>
+                  <a:srgbClr val="FF0000"/>
                 </a:solidFill>
-                <a:prstDash val="solid"/>
-              </a:ln>
-              <a:solidFill>
-                <a:srgbClr val="FFC000"/>
-              </a:solidFill>
-              <a:effectLst/>
-              <a:latin typeface="Times New Roman" panose="02020603050405020304" pitchFamily="18" charset="0"/>
+                <a:effectLst>
+                  <a:outerShdw blurRad="38100" dist="38100" dir="2700000" algn="tl">
+                    <a:srgbClr val="000000">
+                      <a:alpha val="43137"/>
+                    </a:srgbClr>
+                  </a:outerShdw>
+                </a:effectLst>
+                <a:latin typeface="Segoe UI Black" panose="020B0A02040204020203" pitchFamily="34" charset="0"/>
+                <a:cs typeface="Times New Roman" panose="02020603050405020304" pitchFamily="18" charset="0"/>
+              </a:rPr>
+              <a:t>7. Một số lệnh khác thường dùng</a:t>
+            </a:r>
+          </a:p>
+        </p:txBody>
+      </p:sp>
+      <p:sp>
+        <p:nvSpPr>
+          <p:cNvPr id="5" name="TextBox 4"/>
+          <p:cNvSpPr txBox="1"/>
+          <p:nvPr/>
+        </p:nvSpPr>
+        <p:spPr>
+          <a:xfrm>
+            <a:off x="2373743" y="5013386"/>
+            <a:ext cx="11321143" cy="2308324"/>
+          </a:xfrm>
+          <a:prstGeom prst="rect">
+            <a:avLst/>
+          </a:prstGeom>
+          <a:noFill/>
+        </p:spPr>
+        <p:txBody>
+          <a:bodyPr wrap="square" rtlCol="0">
+            <a:spAutoFit/>
+          </a:bodyPr>
+          <a:lstStyle/>
+          <a:p>
+            <a:pPr marL="342900" indent="-342900">
+              <a:buFont typeface="Wingdings" panose="05000000000000000000" pitchFamily="2" charset="2"/>
+              <a:buChar char="Ø"/>
+            </a:pPr>
+            <a:r>
+              <a:rPr lang="en-US" sz="2400" dirty="0">
+                <a:latin typeface="Segoe UI Black" panose="020B0A02040204020203" pitchFamily="34" charset="0"/>
+                <a:cs typeface="Times New Roman" panose="02020603050405020304" pitchFamily="18" charset="0"/>
+              </a:rPr>
+              <a:t>yarn list</a:t>
+            </a:r>
+            <a:r>
+              <a:rPr lang="en-US" sz="2400" i="1" dirty="0">
+                <a:latin typeface="Segoe UI Black" panose="020B0A02040204020203" pitchFamily="34" charset="0"/>
+                <a:cs typeface="Times New Roman" panose="02020603050405020304" pitchFamily="18" charset="0"/>
+              </a:rPr>
+              <a:t> // các package đã cài đặt</a:t>
+            </a:r>
+          </a:p>
+          <a:p>
+            <a:endParaRPr lang="en-US" sz="2400" dirty="0">
+              <a:latin typeface="Segoe UI Black" panose="020B0A02040204020203" pitchFamily="34" charset="0"/>
+              <a:cs typeface="Times New Roman" panose="02020603050405020304" pitchFamily="18" charset="0"/>
+            </a:endParaRPr>
+          </a:p>
+          <a:p>
+            <a:pPr marL="342900" indent="-342900">
+              <a:buFont typeface="Wingdings" panose="05000000000000000000" pitchFamily="2" charset="2"/>
+              <a:buChar char="Ø"/>
+            </a:pPr>
+            <a:r>
+              <a:rPr lang="en-US" sz="2400" dirty="0">
+                <a:latin typeface="Segoe UI Black" panose="020B0A02040204020203" pitchFamily="34" charset="0"/>
+                <a:cs typeface="Times New Roman" panose="02020603050405020304" pitchFamily="18" charset="0"/>
+              </a:rPr>
+              <a:t>Yarn check </a:t>
+            </a:r>
+            <a:r>
+              <a:rPr lang="en-US" sz="2400" i="1" dirty="0">
+                <a:latin typeface="Segoe UI Black" panose="020B0A02040204020203" pitchFamily="34" charset="0"/>
+                <a:cs typeface="Times New Roman" panose="02020603050405020304" pitchFamily="18" charset="0"/>
+              </a:rPr>
+              <a:t>// check phiên bản và file lock</a:t>
+            </a:r>
+          </a:p>
+          <a:p>
+            <a:pPr marL="342900" indent="-342900">
+              <a:buFont typeface="Wingdings" panose="05000000000000000000" pitchFamily="2" charset="2"/>
+              <a:buChar char="Ø"/>
+            </a:pPr>
+            <a:endParaRPr lang="en-US" sz="2400" i="1" dirty="0">
+              <a:latin typeface="Segoe UI Black" panose="020B0A02040204020203" pitchFamily="34" charset="0"/>
+              <a:cs typeface="Times New Roman" panose="02020603050405020304" pitchFamily="18" charset="0"/>
+            </a:endParaRPr>
+          </a:p>
+          <a:p>
+            <a:pPr marL="342900" indent="-342900">
+              <a:buFont typeface="Wingdings" panose="05000000000000000000" pitchFamily="2" charset="2"/>
+              <a:buChar char="Ø"/>
+            </a:pPr>
+            <a:endParaRPr lang="en-US" sz="2400" i="1" dirty="0">
+              <a:latin typeface="Segoe UI Black" panose="020B0A02040204020203" pitchFamily="34" charset="0"/>
+              <a:cs typeface="Times New Roman" panose="02020603050405020304" pitchFamily="18" charset="0"/>
+            </a:endParaRPr>
+          </a:p>
+          <a:p>
+            <a:pPr marL="342900" indent="-342900">
+              <a:buFont typeface="Wingdings" panose="05000000000000000000" pitchFamily="2" charset="2"/>
+              <a:buChar char="Ø"/>
+            </a:pPr>
+            <a:endParaRPr lang="en-US" sz="2400" dirty="0">
+              <a:latin typeface="Segoe UI Black" panose="020B0A02040204020203" pitchFamily="34" charset="0"/>
               <a:cs typeface="Times New Roman" panose="02020603050405020304" pitchFamily="18" charset="0"/>
             </a:endParaRPr>
           </a:p>
@@ -3099,32 +4969,265 @@
     </p:spTree>
     <p:extLst>
       <p:ext uri="{BB962C8B-B14F-4D97-AF65-F5344CB8AC3E}">
-        <p14:creationId xmlns:p14="http://schemas.microsoft.com/office/powerpoint/2010/main" val="2959345347"/>
+        <p14:creationId xmlns:p14="http://schemas.microsoft.com/office/powerpoint/2010/main" val="1147260739"/>
       </p:ext>
     </p:extLst>
   </p:cSld>
   <p:clrMapOvr>
     <a:masterClrMapping/>
   </p:clrMapOvr>
-  <mc:AlternateContent xmlns:mc="http://schemas.openxmlformats.org/markup-compatibility/2006" xmlns:p14="http://schemas.microsoft.com/office/powerpoint/2010/main">
-    <mc:Choice Requires="p14">
-      <p:transition spd="slow" p14:dur="2000"/>
-    </mc:Choice>
-    <mc:Fallback xmlns="">
-      <p:transition spd="slow"/>
-    </mc:Fallback>
-  </mc:AlternateContent>
   <p:timing>
     <p:tnLst>
       <p:par>
-        <p:cTn id="1" dur="indefinite" restart="never" nodeType="tmRoot"/>
+        <p:cTn id="1" dur="indefinite" restart="never" nodeType="tmRoot">
+          <p:childTnLst>
+            <p:seq concurrent="1" nextAc="seek">
+              <p:cTn id="2" dur="indefinite" nodeType="mainSeq">
+                <p:childTnLst>
+                  <p:par>
+                    <p:cTn id="3" fill="hold">
+                      <p:stCondLst>
+                        <p:cond delay="indefinite"/>
+                      </p:stCondLst>
+                      <p:childTnLst>
+                        <p:par>
+                          <p:cTn id="4" fill="hold">
+                            <p:stCondLst>
+                              <p:cond delay="0"/>
+                            </p:stCondLst>
+                            <p:childTnLst>
+                              <p:par>
+                                <p:cTn id="5" presetID="14" presetClass="entr" presetSubtype="10" fill="hold" grpId="0" nodeType="clickEffect">
+                                  <p:stCondLst>
+                                    <p:cond delay="0"/>
+                                  </p:stCondLst>
+                                  <p:childTnLst>
+                                    <p:set>
+                                      <p:cBhvr>
+                                        <p:cTn id="6" dur="1" fill="hold">
+                                          <p:stCondLst>
+                                            <p:cond delay="0"/>
+                                          </p:stCondLst>
+                                        </p:cTn>
+                                        <p:tgtEl>
+                                          <p:spTgt spid="2"/>
+                                        </p:tgtEl>
+                                        <p:attrNameLst>
+                                          <p:attrName>style.visibility</p:attrName>
+                                        </p:attrNameLst>
+                                      </p:cBhvr>
+                                      <p:to>
+                                        <p:strVal val="visible"/>
+                                      </p:to>
+                                    </p:set>
+                                    <p:animEffect transition="in" filter="randombar(horizontal)">
+                                      <p:cBhvr>
+                                        <p:cTn id="7" dur="500"/>
+                                        <p:tgtEl>
+                                          <p:spTgt spid="2"/>
+                                        </p:tgtEl>
+                                      </p:cBhvr>
+                                    </p:animEffect>
+                                  </p:childTnLst>
+                                </p:cTn>
+                              </p:par>
+                            </p:childTnLst>
+                          </p:cTn>
+                        </p:par>
+                      </p:childTnLst>
+                    </p:cTn>
+                  </p:par>
+                  <p:par>
+                    <p:cTn id="8" fill="hold">
+                      <p:stCondLst>
+                        <p:cond delay="indefinite"/>
+                      </p:stCondLst>
+                      <p:childTnLst>
+                        <p:par>
+                          <p:cTn id="9" fill="hold">
+                            <p:stCondLst>
+                              <p:cond delay="0"/>
+                            </p:stCondLst>
+                            <p:childTnLst>
+                              <p:par>
+                                <p:cTn id="10" presetID="14" presetClass="entr" presetSubtype="10" fill="hold" grpId="0" nodeType="clickEffect">
+                                  <p:stCondLst>
+                                    <p:cond delay="0"/>
+                                  </p:stCondLst>
+                                  <p:childTnLst>
+                                    <p:set>
+                                      <p:cBhvr>
+                                        <p:cTn id="11" dur="1" fill="hold">
+                                          <p:stCondLst>
+                                            <p:cond delay="0"/>
+                                          </p:stCondLst>
+                                        </p:cTn>
+                                        <p:tgtEl>
+                                          <p:spTgt spid="3"/>
+                                        </p:tgtEl>
+                                        <p:attrNameLst>
+                                          <p:attrName>style.visibility</p:attrName>
+                                        </p:attrNameLst>
+                                      </p:cBhvr>
+                                      <p:to>
+                                        <p:strVal val="visible"/>
+                                      </p:to>
+                                    </p:set>
+                                    <p:animEffect transition="in" filter="randombar(horizontal)">
+                                      <p:cBhvr>
+                                        <p:cTn id="12" dur="500"/>
+                                        <p:tgtEl>
+                                          <p:spTgt spid="3"/>
+                                        </p:tgtEl>
+                                      </p:cBhvr>
+                                    </p:animEffect>
+                                  </p:childTnLst>
+                                </p:cTn>
+                              </p:par>
+                            </p:childTnLst>
+                          </p:cTn>
+                        </p:par>
+                      </p:childTnLst>
+                    </p:cTn>
+                  </p:par>
+                  <p:par>
+                    <p:cTn id="13" fill="hold">
+                      <p:stCondLst>
+                        <p:cond delay="indefinite"/>
+                      </p:stCondLst>
+                      <p:childTnLst>
+                        <p:par>
+                          <p:cTn id="14" fill="hold">
+                            <p:stCondLst>
+                              <p:cond delay="0"/>
+                            </p:stCondLst>
+                            <p:childTnLst>
+                              <p:par>
+                                <p:cTn id="15" presetID="14" presetClass="entr" presetSubtype="10" fill="hold" grpId="0" nodeType="clickEffect">
+                                  <p:stCondLst>
+                                    <p:cond delay="0"/>
+                                  </p:stCondLst>
+                                  <p:childTnLst>
+                                    <p:set>
+                                      <p:cBhvr>
+                                        <p:cTn id="16" dur="1" fill="hold">
+                                          <p:stCondLst>
+                                            <p:cond delay="0"/>
+                                          </p:stCondLst>
+                                        </p:cTn>
+                                        <p:tgtEl>
+                                          <p:spTgt spid="4"/>
+                                        </p:tgtEl>
+                                        <p:attrNameLst>
+                                          <p:attrName>style.visibility</p:attrName>
+                                        </p:attrNameLst>
+                                      </p:cBhvr>
+                                      <p:to>
+                                        <p:strVal val="visible"/>
+                                      </p:to>
+                                    </p:set>
+                                    <p:animEffect transition="in" filter="randombar(horizontal)">
+                                      <p:cBhvr>
+                                        <p:cTn id="17" dur="500"/>
+                                        <p:tgtEl>
+                                          <p:spTgt spid="4"/>
+                                        </p:tgtEl>
+                                      </p:cBhvr>
+                                    </p:animEffect>
+                                  </p:childTnLst>
+                                </p:cTn>
+                              </p:par>
+                            </p:childTnLst>
+                          </p:cTn>
+                        </p:par>
+                      </p:childTnLst>
+                    </p:cTn>
+                  </p:par>
+                  <p:par>
+                    <p:cTn id="18" fill="hold">
+                      <p:stCondLst>
+                        <p:cond delay="indefinite"/>
+                      </p:stCondLst>
+                      <p:childTnLst>
+                        <p:par>
+                          <p:cTn id="19" fill="hold">
+                            <p:stCondLst>
+                              <p:cond delay="0"/>
+                            </p:stCondLst>
+                            <p:childTnLst>
+                              <p:par>
+                                <p:cTn id="20" presetID="14" presetClass="entr" presetSubtype="10" fill="hold" grpId="0" nodeType="clickEffect">
+                                  <p:stCondLst>
+                                    <p:cond delay="0"/>
+                                  </p:stCondLst>
+                                  <p:childTnLst>
+                                    <p:set>
+                                      <p:cBhvr>
+                                        <p:cTn id="21" dur="1" fill="hold">
+                                          <p:stCondLst>
+                                            <p:cond delay="0"/>
+                                          </p:stCondLst>
+                                        </p:cTn>
+                                        <p:tgtEl>
+                                          <p:spTgt spid="5"/>
+                                        </p:tgtEl>
+                                        <p:attrNameLst>
+                                          <p:attrName>style.visibility</p:attrName>
+                                        </p:attrNameLst>
+                                      </p:cBhvr>
+                                      <p:to>
+                                        <p:strVal val="visible"/>
+                                      </p:to>
+                                    </p:set>
+                                    <p:animEffect transition="in" filter="randombar(horizontal)">
+                                      <p:cBhvr>
+                                        <p:cTn id="22" dur="500"/>
+                                        <p:tgtEl>
+                                          <p:spTgt spid="5"/>
+                                        </p:tgtEl>
+                                      </p:cBhvr>
+                                    </p:animEffect>
+                                  </p:childTnLst>
+                                </p:cTn>
+                              </p:par>
+                            </p:childTnLst>
+                          </p:cTn>
+                        </p:par>
+                      </p:childTnLst>
+                    </p:cTn>
+                  </p:par>
+                </p:childTnLst>
+              </p:cTn>
+              <p:prevCondLst>
+                <p:cond evt="onPrev" delay="0">
+                  <p:tgtEl>
+                    <p:sldTgt/>
+                  </p:tgtEl>
+                </p:cond>
+              </p:prevCondLst>
+              <p:nextCondLst>
+                <p:cond evt="onNext" delay="0">
+                  <p:tgtEl>
+                    <p:sldTgt/>
+                  </p:tgtEl>
+                </p:cond>
+              </p:nextCondLst>
+            </p:seq>
+          </p:childTnLst>
+        </p:cTn>
       </p:par>
     </p:tnLst>
+    <p:bldLst>
+      <p:bldP spid="2" grpId="0"/>
+      <p:bldP spid="3" grpId="0"/>
+      <p:bldP spid="4" grpId="0"/>
+      <p:bldP spid="5" grpId="0"/>
+    </p:bldLst>
   </p:timing>
 </p:sld>
 </file>
 
-<file path=ppt/slides/slide10.xml><?xml version="1.0" encoding="utf-8"?>
+<file path=ppt/slides/slide11.xml><?xml version="1.0" encoding="utf-8"?>
 <p:sld xmlns:a="http://schemas.openxmlformats.org/drawingml/2006/main" xmlns:r="http://schemas.openxmlformats.org/officeDocument/2006/relationships" xmlns:p="http://schemas.openxmlformats.org/presentationml/2006/main">
   <p:cSld>
     <p:spTree>
@@ -3182,6 +5285,133 @@
           </a:extLst>
         </p:spPr>
       </p:pic>
+      <p:sp>
+        <p:nvSpPr>
+          <p:cNvPr id="3" name="Title 2">
+            <a:extLst>
+              <a:ext uri="{FF2B5EF4-FFF2-40B4-BE49-F238E27FC236}">
+                <a16:creationId xmlns:a16="http://schemas.microsoft.com/office/drawing/2014/main" id="{DEE09D1F-9E14-4E08-85CB-E494D24284BE}"/>
+              </a:ext>
+            </a:extLst>
+          </p:cNvPr>
+          <p:cNvSpPr>
+            <a:spLocks noGrp="1"/>
+          </p:cNvSpPr>
+          <p:nvPr>
+            <p:ph type="title"/>
+          </p:nvPr>
+        </p:nvSpPr>
+        <p:spPr/>
+        <p:txBody>
+          <a:bodyPr/>
+          <a:lstStyle/>
+          <a:p>
+            <a:endParaRPr lang="en-US"/>
+          </a:p>
+        </p:txBody>
+      </p:sp>
+      <p:sp>
+        <p:nvSpPr>
+          <p:cNvPr id="4" name="Subtitle 3">
+            <a:extLst>
+              <a:ext uri="{FF2B5EF4-FFF2-40B4-BE49-F238E27FC236}">
+                <a16:creationId xmlns:a16="http://schemas.microsoft.com/office/drawing/2014/main" id="{D7D506FE-AA61-4301-B391-0F73528BA4F1}"/>
+              </a:ext>
+            </a:extLst>
+          </p:cNvPr>
+          <p:cNvSpPr>
+            <a:spLocks noGrp="1"/>
+          </p:cNvSpPr>
+          <p:nvPr>
+            <p:ph type="subTitle" idx="1"/>
+          </p:nvPr>
+        </p:nvSpPr>
+        <p:spPr/>
+        <p:txBody>
+          <a:bodyPr>
+            <a:normAutofit lnSpcReduction="10000"/>
+          </a:bodyPr>
+          <a:lstStyle/>
+          <a:p>
+            <a:endParaRPr lang="en-US"/>
+          </a:p>
+        </p:txBody>
+      </p:sp>
+      <p:sp>
+        <p:nvSpPr>
+          <p:cNvPr id="5" name="Text Placeholder 4">
+            <a:extLst>
+              <a:ext uri="{FF2B5EF4-FFF2-40B4-BE49-F238E27FC236}">
+                <a16:creationId xmlns:a16="http://schemas.microsoft.com/office/drawing/2014/main" id="{02D67148-1499-4A90-88A5-E5CC0499D411}"/>
+              </a:ext>
+            </a:extLst>
+          </p:cNvPr>
+          <p:cNvSpPr>
+            <a:spLocks noGrp="1"/>
+          </p:cNvSpPr>
+          <p:nvPr>
+            <p:ph type="body" sz="half" idx="2"/>
+          </p:nvPr>
+        </p:nvSpPr>
+        <p:spPr/>
+        <p:txBody>
+          <a:bodyPr/>
+          <a:lstStyle/>
+          <a:p>
+            <a:endParaRPr lang="en-US"/>
+          </a:p>
+        </p:txBody>
+      </p:sp>
+      <p:sp>
+        <p:nvSpPr>
+          <p:cNvPr id="6" name="Text Placeholder 5">
+            <a:extLst>
+              <a:ext uri="{FF2B5EF4-FFF2-40B4-BE49-F238E27FC236}">
+                <a16:creationId xmlns:a16="http://schemas.microsoft.com/office/drawing/2014/main" id="{5614EB96-8A68-45CF-92ED-080BC50A85E2}"/>
+              </a:ext>
+            </a:extLst>
+          </p:cNvPr>
+          <p:cNvSpPr>
+            <a:spLocks noGrp="1"/>
+          </p:cNvSpPr>
+          <p:nvPr>
+            <p:ph type="body" sz="half" idx="10"/>
+          </p:nvPr>
+        </p:nvSpPr>
+        <p:spPr/>
+        <p:txBody>
+          <a:bodyPr/>
+          <a:lstStyle/>
+          <a:p>
+            <a:endParaRPr lang="en-US"/>
+          </a:p>
+        </p:txBody>
+      </p:sp>
+      <p:sp>
+        <p:nvSpPr>
+          <p:cNvPr id="7" name="Text Placeholder 6">
+            <a:extLst>
+              <a:ext uri="{FF2B5EF4-FFF2-40B4-BE49-F238E27FC236}">
+                <a16:creationId xmlns:a16="http://schemas.microsoft.com/office/drawing/2014/main" id="{053D6846-B312-49A9-B96E-7CBD2BADD82B}"/>
+              </a:ext>
+            </a:extLst>
+          </p:cNvPr>
+          <p:cNvSpPr>
+            <a:spLocks noGrp="1"/>
+          </p:cNvSpPr>
+          <p:nvPr>
+            <p:ph type="body" sz="half" idx="11"/>
+          </p:nvPr>
+        </p:nvSpPr>
+        <p:spPr/>
+        <p:txBody>
+          <a:bodyPr/>
+          <a:lstStyle/>
+          <a:p>
+            <a:endParaRPr lang="en-US"/>
+          </a:p>
+        </p:txBody>
+      </p:sp>
     </p:spTree>
     <p:extLst>
       <p:ext uri="{BB962C8B-B14F-4D97-AF65-F5344CB8AC3E}">
@@ -3265,7 +5495,7 @@
 </p:sld>
 </file>
 
-<file path=ppt/slides/slide11.xml><?xml version="1.0" encoding="utf-8"?>
+<file path=ppt/slides/slide12.xml><?xml version="1.0" encoding="utf-8"?>
 <p:sld xmlns:a="http://schemas.openxmlformats.org/drawingml/2006/main" xmlns:r="http://schemas.openxmlformats.org/officeDocument/2006/relationships" xmlns:p="http://schemas.openxmlformats.org/presentationml/2006/main">
   <p:cSld>
     <p:spTree>
@@ -3290,8 +5520,8 @@
         </p:nvSpPr>
         <p:spPr>
           <a:xfrm>
-            <a:off x="156754" y="226423"/>
-            <a:ext cx="3339376" cy="646331"/>
+            <a:off x="1856158" y="442084"/>
+            <a:ext cx="2832827" cy="553998"/>
           </a:xfrm>
           <a:prstGeom prst="rect">
             <a:avLst/>
@@ -3305,7 +5535,7 @@
           <a:lstStyle/>
           <a:p>
             <a:r>
-              <a:rPr lang="en-US" sz="3600" b="1" dirty="0" smtClean="0">
+              <a:rPr lang="en-US" sz="3000" b="1" dirty="0">
                 <a:solidFill>
                   <a:srgbClr val="FF0000"/>
                 </a:solidFill>
@@ -3316,25 +5546,11 @@
                     </a:srgbClr>
                   </a:outerShdw>
                 </a:effectLst>
-                <a:latin typeface="Times New Roman" panose="02020603050405020304" pitchFamily="18" charset="0"/>
+                <a:latin typeface="Segoe UI Black" panose="020B0A02040204020203" pitchFamily="34" charset="0"/>
                 <a:cs typeface="Times New Roman" panose="02020603050405020304" pitchFamily="18" charset="0"/>
               </a:rPr>
               <a:t>1. NPM LÀ GÌ?</a:t>
             </a:r>
-            <a:endParaRPr lang="en-US" sz="3600" b="1" dirty="0">
-              <a:solidFill>
-                <a:srgbClr val="FF0000"/>
-              </a:solidFill>
-              <a:effectLst>
-                <a:outerShdw blurRad="38100" dist="38100" dir="2700000" algn="tl">
-                  <a:srgbClr val="000000">
-                    <a:alpha val="43137"/>
-                  </a:srgbClr>
-                </a:outerShdw>
-              </a:effectLst>
-              <a:latin typeface="Times New Roman" panose="02020603050405020304" pitchFamily="18" charset="0"/>
-              <a:cs typeface="Times New Roman" panose="02020603050405020304" pitchFamily="18" charset="0"/>
-            </a:endParaRPr>
           </a:p>
         </p:txBody>
       </p:sp>
@@ -3347,7 +5563,7 @@
         <p:spPr>
           <a:xfrm>
             <a:off x="6385203" y="1029509"/>
-            <a:ext cx="5623917" cy="5386090"/>
+            <a:ext cx="5623917" cy="6124754"/>
           </a:xfrm>
           <a:prstGeom prst="rect">
             <a:avLst/>
@@ -3366,17 +5582,10 @@
             </a:pPr>
             <a:r>
               <a:rPr lang="en-US" sz="2400" dirty="0">
-                <a:latin typeface="Times New Roman" panose="02020603050405020304" pitchFamily="18" charset="0"/>
+                <a:latin typeface="Segoe UI Black" panose="020B0A02040204020203" pitchFamily="34" charset="0"/>
                 <a:cs typeface="Times New Roman" panose="02020603050405020304" pitchFamily="18" charset="0"/>
               </a:rPr>
-              <a:t>NPM viết tắt của Node package manager là một công cụ tạo và quản lý các thư viện lập trình Javascript cho </a:t>
-            </a:r>
-            <a:r>
-              <a:rPr lang="en-US" sz="2400" dirty="0" smtClean="0">
-                <a:latin typeface="Times New Roman" panose="02020603050405020304" pitchFamily="18" charset="0"/>
-                <a:cs typeface="Times New Roman" panose="02020603050405020304" pitchFamily="18" charset="0"/>
-              </a:rPr>
-              <a:t>Node.js. </a:t>
+              <a:t>NPM viết tắt của Node package manager là một công cụ tạo và quản lý các thư viện lập trình Javascript cho Node.js. </a:t>
             </a:r>
           </a:p>
           <a:p>
@@ -3384,8 +5593,8 @@
               <a:buFont typeface="Wingdings" panose="05000000000000000000" pitchFamily="2" charset="2"/>
               <a:buChar char="Ø"/>
             </a:pPr>
-            <a:endParaRPr lang="en-US" sz="2400" dirty="0" smtClean="0">
-              <a:latin typeface="Times New Roman" panose="02020603050405020304" pitchFamily="18" charset="0"/>
+            <a:endParaRPr lang="en-US" sz="2400" dirty="0">
+              <a:latin typeface="Segoe UI Black" panose="020B0A02040204020203" pitchFamily="34" charset="0"/>
               <a:cs typeface="Times New Roman" panose="02020603050405020304" pitchFamily="18" charset="0"/>
             </a:endParaRPr>
           </a:p>
@@ -3395,31 +5604,20 @@
               <a:buChar char="Ø"/>
             </a:pPr>
             <a:r>
-              <a:rPr lang="en-US" sz="2400" dirty="0" smtClean="0">
-                <a:latin typeface="Times New Roman" panose="02020603050405020304" pitchFamily="18" charset="0"/>
+              <a:rPr lang="en-US" sz="2400" dirty="0">
+                <a:latin typeface="Segoe UI Black" panose="020B0A02040204020203" pitchFamily="34" charset="0"/>
                 <a:cs typeface="Times New Roman" panose="02020603050405020304" pitchFamily="18" charset="0"/>
               </a:rPr>
-              <a:t>Trong </a:t>
-            </a:r>
-            <a:r>
-              <a:rPr lang="en-US" sz="2400" dirty="0">
-                <a:latin typeface="Times New Roman" panose="02020603050405020304" pitchFamily="18" charset="0"/>
-                <a:cs typeface="Times New Roman" panose="02020603050405020304" pitchFamily="18" charset="0"/>
-              </a:rPr>
-              <a:t>cộng đồng Javascript, các lập trình viên chia sẻ hàng trăm nghìn các thư viện với các đoạn code đã thực hiện sẵn một chức năng nào đó. </a:t>
-            </a:r>
-            <a:endParaRPr lang="en-US" sz="2400" dirty="0" smtClean="0">
-              <a:latin typeface="Times New Roman" panose="02020603050405020304" pitchFamily="18" charset="0"/>
-              <a:cs typeface="Times New Roman" panose="02020603050405020304" pitchFamily="18" charset="0"/>
-            </a:endParaRPr>
+              <a:t>Trong cộng đồng Javascript, các lập trình viên chia sẻ hàng trăm nghìn các thư viện với các đoạn code đã thực hiện sẵn một chức năng nào đó. </a:t>
+            </a:r>
           </a:p>
           <a:p>
             <a:pPr marL="342900" indent="-342900">
               <a:buFont typeface="Wingdings" panose="05000000000000000000" pitchFamily="2" charset="2"/>
               <a:buChar char="Ø"/>
             </a:pPr>
-            <a:endParaRPr lang="en-US" sz="2400" dirty="0" smtClean="0">
-              <a:latin typeface="Times New Roman" panose="02020603050405020304" pitchFamily="18" charset="0"/>
+            <a:endParaRPr lang="en-US" sz="2400" dirty="0">
+              <a:latin typeface="Segoe UI Black" panose="020B0A02040204020203" pitchFamily="34" charset="0"/>
               <a:cs typeface="Times New Roman" panose="02020603050405020304" pitchFamily="18" charset="0"/>
             </a:endParaRPr>
           </a:p>
@@ -3429,34 +5627,16 @@
               <a:buChar char="Ø"/>
             </a:pPr>
             <a:r>
-              <a:rPr lang="en-US" sz="2400" dirty="0" smtClean="0">
-                <a:latin typeface="Times New Roman" panose="02020603050405020304" pitchFamily="18" charset="0"/>
+              <a:rPr lang="en-US" sz="2400" dirty="0">
+                <a:latin typeface="Segoe UI Black" panose="020B0A02040204020203" pitchFamily="34" charset="0"/>
                 <a:cs typeface="Times New Roman" panose="02020603050405020304" pitchFamily="18" charset="0"/>
               </a:rPr>
-              <a:t>Nó </a:t>
-            </a:r>
-            <a:r>
-              <a:rPr lang="en-US" sz="2400" dirty="0">
-                <a:latin typeface="Times New Roman" panose="02020603050405020304" pitchFamily="18" charset="0"/>
-                <a:cs typeface="Times New Roman" panose="02020603050405020304" pitchFamily="18" charset="0"/>
-              </a:rPr>
-              <a:t>giúp cho các dự án mới tránh phải viết lại các thành phần cơ bản, các thư viện lập trình hay thậm chí </a:t>
-            </a:r>
-            <a:r>
-              <a:rPr lang="en-US" sz="2400" dirty="0" smtClean="0">
-                <a:latin typeface="Times New Roman" panose="02020603050405020304" pitchFamily="18" charset="0"/>
-                <a:cs typeface="Times New Roman" panose="02020603050405020304" pitchFamily="18" charset="0"/>
-              </a:rPr>
-              <a:t>cả các framework.</a:t>
-            </a:r>
-            <a:endParaRPr lang="en-US" sz="2400" dirty="0">
-              <a:latin typeface="Times New Roman" panose="02020603050405020304" pitchFamily="18" charset="0"/>
-              <a:cs typeface="Times New Roman" panose="02020603050405020304" pitchFamily="18" charset="0"/>
-            </a:endParaRPr>
+              <a:t>Nó giúp cho các dự án mới tránh phải viết lại các thành phần cơ bản, các thư viện lập trình hay thậm chí cả các framework.</a:t>
+            </a:r>
           </a:p>
           <a:p>
             <a:endParaRPr lang="en-US" sz="3200" dirty="0">
-              <a:latin typeface="Times New Roman" panose="02020603050405020304" pitchFamily="18" charset="0"/>
+              <a:latin typeface="Segoe UI Black" panose="020B0A02040204020203" pitchFamily="34" charset="0"/>
               <a:cs typeface="Times New Roman" panose="02020603050405020304" pitchFamily="18" charset="0"/>
             </a:endParaRPr>
           </a:p>
@@ -3485,7 +5665,7 @@
         </p:blipFill>
         <p:spPr bwMode="auto">
           <a:xfrm>
-            <a:off x="-192768" y="1268957"/>
+            <a:off x="-287658" y="1665772"/>
             <a:ext cx="6774946" cy="3703638"/>
           </a:xfrm>
           <a:prstGeom prst="rect">
@@ -3656,7 +5836,7 @@
 </p:sld>
 </file>
 
-<file path=ppt/slides/slide12.xml><?xml version="1.0" encoding="utf-8"?>
+<file path=ppt/slides/slide13.xml><?xml version="1.0" encoding="utf-8"?>
 <p:sld xmlns:a="http://schemas.openxmlformats.org/drawingml/2006/main" xmlns:r="http://schemas.openxmlformats.org/officeDocument/2006/relationships" xmlns:p="http://schemas.openxmlformats.org/presentationml/2006/main">
   <p:cSld>
     <p:spTree>
@@ -3681,8 +5861,8 @@
         </p:nvSpPr>
         <p:spPr>
           <a:xfrm>
-            <a:off x="156754" y="226423"/>
-            <a:ext cx="4074833" cy="646331"/>
+            <a:off x="1821652" y="545601"/>
+            <a:ext cx="3581430" cy="553998"/>
           </a:xfrm>
           <a:prstGeom prst="rect">
             <a:avLst/>
@@ -3696,7 +5876,7 @@
           <a:lstStyle/>
           <a:p>
             <a:r>
-              <a:rPr lang="en-US" sz="3600" b="1" dirty="0" smtClean="0">
+              <a:rPr lang="en-US" sz="3000" b="1" dirty="0">
                 <a:solidFill>
                   <a:srgbClr val="FF0000"/>
                 </a:solidFill>
@@ -3707,25 +5887,11 @@
                     </a:srgbClr>
                   </a:outerShdw>
                 </a:effectLst>
-                <a:latin typeface="Times New Roman" panose="02020603050405020304" pitchFamily="18" charset="0"/>
+                <a:latin typeface="Segoe UI Black" panose="020B0A02040204020203" pitchFamily="34" charset="0"/>
                 <a:cs typeface="Times New Roman" panose="02020603050405020304" pitchFamily="18" charset="0"/>
               </a:rPr>
               <a:t>2. KHỞI TẠO NPN</a:t>
             </a:r>
-            <a:endParaRPr lang="en-US" sz="3600" b="1" dirty="0">
-              <a:solidFill>
-                <a:srgbClr val="FF0000"/>
-              </a:solidFill>
-              <a:effectLst>
-                <a:outerShdw blurRad="38100" dist="38100" dir="2700000" algn="tl">
-                  <a:srgbClr val="000000">
-                    <a:alpha val="43137"/>
-                  </a:srgbClr>
-                </a:outerShdw>
-              </a:effectLst>
-              <a:latin typeface="Times New Roman" panose="02020603050405020304" pitchFamily="18" charset="0"/>
-              <a:cs typeface="Times New Roman" panose="02020603050405020304" pitchFamily="18" charset="0"/>
-            </a:endParaRPr>
           </a:p>
         </p:txBody>
       </p:sp>
@@ -3737,8 +5903,8 @@
         </p:nvSpPr>
         <p:spPr>
           <a:xfrm>
-            <a:off x="252549" y="1118477"/>
-            <a:ext cx="5623917" cy="2308324"/>
+            <a:off x="1606897" y="1661941"/>
+            <a:ext cx="5623917" cy="2677656"/>
           </a:xfrm>
           <a:prstGeom prst="rect">
             <a:avLst/>
@@ -3756,16 +5922,16 @@
               <a:buChar char="Ø"/>
             </a:pPr>
             <a:r>
-              <a:rPr lang="en-US" sz="2400" dirty="0" smtClean="0">
-                <a:latin typeface="Times New Roman" panose="02020603050405020304" pitchFamily="18" charset="0"/>
+              <a:rPr lang="en-US" sz="2400" dirty="0">
+                <a:latin typeface="Segoe UI Black" panose="020B0A02040204020203" pitchFamily="34" charset="0"/>
                 <a:cs typeface="Times New Roman" panose="02020603050405020304" pitchFamily="18" charset="0"/>
               </a:rPr>
               <a:t>Khởi động cmd (Command Prompt)</a:t>
             </a:r>
           </a:p>
           <a:p>
-            <a:endParaRPr lang="en-US" sz="2400" dirty="0" smtClean="0">
-              <a:latin typeface="Times New Roman" panose="02020603050405020304" pitchFamily="18" charset="0"/>
+            <a:endParaRPr lang="en-US" sz="2400" dirty="0">
+              <a:latin typeface="Segoe UI Black" panose="020B0A02040204020203" pitchFamily="34" charset="0"/>
               <a:cs typeface="Times New Roman" panose="02020603050405020304" pitchFamily="18" charset="0"/>
             </a:endParaRPr>
           </a:p>
@@ -3775,34 +5941,11 @@
               <a:buChar char="Ø"/>
             </a:pPr>
             <a:r>
-              <a:rPr lang="en-US" sz="2400" dirty="0" smtClean="0">
-                <a:latin typeface="Times New Roman" panose="02020603050405020304" pitchFamily="18" charset="0"/>
+              <a:rPr lang="en-US" sz="2400" dirty="0">
+                <a:latin typeface="Segoe UI Black" panose="020B0A02040204020203" pitchFamily="34" charset="0"/>
                 <a:cs typeface="Times New Roman" panose="02020603050405020304" pitchFamily="18" charset="0"/>
               </a:rPr>
               <a:t>Nhập lệnh “npm init -yes”</a:t>
-            </a:r>
-          </a:p>
-          <a:p>
-            <a:pPr marL="342900" indent="-342900">
-              <a:buFont typeface="Wingdings" panose="05000000000000000000" pitchFamily="2" charset="2"/>
-              <a:buChar char="Ø"/>
-            </a:pPr>
-            <a:endParaRPr lang="en-US" sz="2400" dirty="0" smtClean="0">
-              <a:latin typeface="Times New Roman" panose="02020603050405020304" pitchFamily="18" charset="0"/>
-              <a:cs typeface="Times New Roman" panose="02020603050405020304" pitchFamily="18" charset="0"/>
-            </a:endParaRPr>
-          </a:p>
-          <a:p>
-            <a:pPr marL="342900" indent="-342900">
-              <a:buFont typeface="Wingdings" panose="05000000000000000000" pitchFamily="2" charset="2"/>
-              <a:buChar char="Ø"/>
-            </a:pPr>
-            <a:r>
-              <a:rPr lang="en-US" sz="2400" dirty="0" smtClean="0">
-                <a:latin typeface="Times New Roman" panose="02020603050405020304" pitchFamily="18" charset="0"/>
-                <a:cs typeface="Times New Roman" panose="02020603050405020304" pitchFamily="18" charset="0"/>
-              </a:rPr>
-              <a:t>File package.json được khởi tạo.</a:t>
             </a:r>
           </a:p>
           <a:p>
@@ -3811,7 +5954,30 @@
               <a:buChar char="Ø"/>
             </a:pPr>
             <a:endParaRPr lang="en-US" sz="2400" dirty="0">
-              <a:latin typeface="Times New Roman" panose="02020603050405020304" pitchFamily="18" charset="0"/>
+              <a:latin typeface="Segoe UI Black" panose="020B0A02040204020203" pitchFamily="34" charset="0"/>
+              <a:cs typeface="Times New Roman" panose="02020603050405020304" pitchFamily="18" charset="0"/>
+            </a:endParaRPr>
+          </a:p>
+          <a:p>
+            <a:pPr marL="342900" indent="-342900">
+              <a:buFont typeface="Wingdings" panose="05000000000000000000" pitchFamily="2" charset="2"/>
+              <a:buChar char="Ø"/>
+            </a:pPr>
+            <a:r>
+              <a:rPr lang="en-US" sz="2400" dirty="0">
+                <a:latin typeface="Segoe UI Black" panose="020B0A02040204020203" pitchFamily="34" charset="0"/>
+                <a:cs typeface="Times New Roman" panose="02020603050405020304" pitchFamily="18" charset="0"/>
+              </a:rPr>
+              <a:t>File package.json được khởi tạo.</a:t>
+            </a:r>
+          </a:p>
+          <a:p>
+            <a:pPr marL="342900" indent="-342900">
+              <a:buFont typeface="Wingdings" panose="05000000000000000000" pitchFamily="2" charset="2"/>
+              <a:buChar char="Ø"/>
+            </a:pPr>
+            <a:endParaRPr lang="en-US" sz="2400" dirty="0">
+              <a:latin typeface="Segoe UI Black" panose="020B0A02040204020203" pitchFamily="34" charset="0"/>
               <a:cs typeface="Times New Roman" panose="02020603050405020304" pitchFamily="18" charset="0"/>
             </a:endParaRPr>
           </a:p>
@@ -3857,7 +6023,7 @@
         </p:blipFill>
         <p:spPr>
           <a:xfrm>
-            <a:off x="473707" y="3207907"/>
+            <a:off x="1108057" y="3931750"/>
             <a:ext cx="5181600" cy="3650093"/>
           </a:xfrm>
           <a:prstGeom prst="rect">
@@ -4106,7 +6272,7 @@
 </p:sld>
 </file>
 
-<file path=ppt/slides/slide13.xml><?xml version="1.0" encoding="utf-8"?>
+<file path=ppt/slides/slide14.xml><?xml version="1.0" encoding="utf-8"?>
 <p:sld xmlns:a="http://schemas.openxmlformats.org/drawingml/2006/main" xmlns:r="http://schemas.openxmlformats.org/officeDocument/2006/relationships" xmlns:p="http://schemas.openxmlformats.org/presentationml/2006/main">
   <p:cSld>
     <p:spTree>
@@ -4131,8 +6297,8 @@
         </p:nvSpPr>
         <p:spPr>
           <a:xfrm>
-            <a:off x="156754" y="226423"/>
-            <a:ext cx="4778552" cy="646331"/>
+            <a:off x="1847533" y="554227"/>
+            <a:ext cx="4509568" cy="553998"/>
           </a:xfrm>
           <a:prstGeom prst="rect">
             <a:avLst/>
@@ -4146,7 +6312,7 @@
           <a:lstStyle/>
           <a:p>
             <a:r>
-              <a:rPr lang="en-US" sz="3600" b="1" dirty="0" smtClean="0">
+              <a:rPr lang="en-US" sz="3000" b="1" dirty="0">
                 <a:solidFill>
                   <a:srgbClr val="FF0000"/>
                 </a:solidFill>
@@ -4157,25 +6323,11 @@
                     </a:srgbClr>
                   </a:outerShdw>
                 </a:effectLst>
-                <a:latin typeface="Times New Roman" panose="02020603050405020304" pitchFamily="18" charset="0"/>
+                <a:latin typeface="Segoe UI Black" panose="020B0A02040204020203" pitchFamily="34" charset="0"/>
                 <a:cs typeface="Times New Roman" panose="02020603050405020304" pitchFamily="18" charset="0"/>
               </a:rPr>
               <a:t>3. Thêm 1 Package mới</a:t>
             </a:r>
-            <a:endParaRPr lang="en-US" sz="3600" b="1" dirty="0">
-              <a:solidFill>
-                <a:srgbClr val="FF0000"/>
-              </a:solidFill>
-              <a:effectLst>
-                <a:outerShdw blurRad="38100" dist="38100" dir="2700000" algn="tl">
-                  <a:srgbClr val="000000">
-                    <a:alpha val="43137"/>
-                  </a:srgbClr>
-                </a:outerShdw>
-              </a:effectLst>
-              <a:latin typeface="Times New Roman" panose="02020603050405020304" pitchFamily="18" charset="0"/>
-              <a:cs typeface="Times New Roman" panose="02020603050405020304" pitchFamily="18" charset="0"/>
-            </a:endParaRPr>
           </a:p>
         </p:txBody>
       </p:sp>
@@ -4187,8 +6339,8 @@
         </p:nvSpPr>
         <p:spPr>
           <a:xfrm>
-            <a:off x="156755" y="1127186"/>
-            <a:ext cx="5416731" cy="3046988"/>
+            <a:off x="1847533" y="2726109"/>
+            <a:ext cx="5416731" cy="3416320"/>
           </a:xfrm>
           <a:prstGeom prst="rect">
             <a:avLst/>
@@ -4202,16 +6354,16 @@
           <a:lstStyle/>
           <a:p>
             <a:r>
-              <a:rPr lang="en-US" sz="2400" dirty="0" smtClean="0">
-                <a:latin typeface="Times New Roman" panose="02020603050405020304" pitchFamily="18" charset="0"/>
+              <a:rPr lang="en-US" sz="2400" dirty="0">
+                <a:latin typeface="Segoe UI Black" panose="020B0A02040204020203" pitchFamily="34" charset="0"/>
                 <a:cs typeface="Times New Roman" panose="02020603050405020304" pitchFamily="18" charset="0"/>
               </a:rPr>
               <a:t>Các lệnh sử dụng để thêm package:</a:t>
             </a:r>
           </a:p>
           <a:p>
-            <a:endParaRPr lang="en-US" sz="2400" dirty="0" smtClean="0">
-              <a:latin typeface="Times New Roman" panose="02020603050405020304" pitchFamily="18" charset="0"/>
+            <a:endParaRPr lang="en-US" sz="2400" dirty="0">
+              <a:latin typeface="Segoe UI Black" panose="020B0A02040204020203" pitchFamily="34" charset="0"/>
               <a:cs typeface="Times New Roman" panose="02020603050405020304" pitchFamily="18" charset="0"/>
             </a:endParaRPr>
           </a:p>
@@ -4221,8 +6373,8 @@
               <a:buChar char="Ø"/>
             </a:pPr>
             <a:r>
-              <a:rPr lang="en-US" sz="2400" dirty="0" smtClean="0">
-                <a:latin typeface="Times New Roman" panose="02020603050405020304" pitchFamily="18" charset="0"/>
+              <a:rPr lang="en-US" sz="2400" dirty="0">
+                <a:latin typeface="Segoe UI Black" panose="020B0A02040204020203" pitchFamily="34" charset="0"/>
                 <a:cs typeface="Times New Roman" panose="02020603050405020304" pitchFamily="18" charset="0"/>
               </a:rPr>
               <a:t>npm install package-name</a:t>
@@ -4230,49 +6382,42 @@
           </a:p>
           <a:p>
             <a:endParaRPr lang="en-US" sz="2400" dirty="0">
-              <a:latin typeface="Times New Roman" panose="02020603050405020304" pitchFamily="18" charset="0"/>
+              <a:latin typeface="Segoe UI Black" panose="020B0A02040204020203" pitchFamily="34" charset="0"/>
               <a:cs typeface="Times New Roman" panose="02020603050405020304" pitchFamily="18" charset="0"/>
             </a:endParaRPr>
           </a:p>
           <a:p>
             <a:r>
               <a:rPr lang="en-US" sz="2400" i="1" dirty="0">
-                <a:latin typeface="Times New Roman" panose="02020603050405020304" pitchFamily="18" charset="0"/>
+                <a:latin typeface="Segoe UI Black" panose="020B0A02040204020203" pitchFamily="34" charset="0"/>
                 <a:cs typeface="Times New Roman" panose="02020603050405020304" pitchFamily="18" charset="0"/>
               </a:rPr>
-              <a:t>Trong đó </a:t>
-            </a:r>
-            <a:r>
-              <a:rPr lang="en-US" sz="2400" i="1" dirty="0" smtClean="0">
-                <a:latin typeface="Times New Roman" panose="02020603050405020304" pitchFamily="18" charset="0"/>
-                <a:cs typeface="Times New Roman" panose="02020603050405020304" pitchFamily="18" charset="0"/>
-              </a:rPr>
-              <a:t>package-name là tên gói muốn cài đặt</a:t>
+              <a:t>Trong đó package-name là tên gói muốn cài đặt</a:t>
             </a:r>
           </a:p>
           <a:p>
             <a:endParaRPr lang="en-US" sz="2400" i="1" dirty="0">
-              <a:latin typeface="Times New Roman" panose="02020603050405020304" pitchFamily="18" charset="0"/>
+              <a:latin typeface="Segoe UI Black" panose="020B0A02040204020203" pitchFamily="34" charset="0"/>
               <a:cs typeface="Times New Roman" panose="02020603050405020304" pitchFamily="18" charset="0"/>
             </a:endParaRPr>
           </a:p>
           <a:p>
             <a:r>
-              <a:rPr lang="en-US" sz="2400" i="1" dirty="0" smtClean="0">
-                <a:latin typeface="Times New Roman" panose="02020603050405020304" pitchFamily="18" charset="0"/>
+              <a:rPr lang="en-US" sz="2400" i="1" dirty="0">
+                <a:latin typeface="Segoe UI Black" panose="020B0A02040204020203" pitchFamily="34" charset="0"/>
                 <a:cs typeface="Times New Roman" panose="02020603050405020304" pitchFamily="18" charset="0"/>
               </a:rPr>
               <a:t>Ví dụ: </a:t>
             </a:r>
             <a:r>
               <a:rPr lang="en-US" sz="2400" dirty="0">
-                <a:latin typeface="Times New Roman" panose="02020603050405020304" pitchFamily="18" charset="0"/>
+                <a:latin typeface="Segoe UI Black" panose="020B0A02040204020203" pitchFamily="34" charset="0"/>
                 <a:cs typeface="Times New Roman" panose="02020603050405020304" pitchFamily="18" charset="0"/>
               </a:rPr>
               <a:t>npm install vue</a:t>
             </a:r>
             <a:endParaRPr lang="en-US" sz="4000" dirty="0">
-              <a:latin typeface="Times New Roman" panose="02020603050405020304" pitchFamily="18" charset="0"/>
+              <a:latin typeface="Segoe UI Black" panose="020B0A02040204020203" pitchFamily="34" charset="0"/>
               <a:cs typeface="Times New Roman" panose="02020603050405020304" pitchFamily="18" charset="0"/>
             </a:endParaRPr>
           </a:p>
@@ -4301,16 +6446,12 @@
           <a:lstStyle/>
           <a:p>
             <a:r>
-              <a:rPr lang="en-US" sz="2000" dirty="0" smtClean="0">
-                <a:latin typeface="Times New Roman" panose="02020603050405020304" pitchFamily="18" charset="0"/>
+              <a:rPr lang="en-US" sz="2000" dirty="0">
+                <a:latin typeface="Segoe UI Black" panose="020B0A02040204020203" pitchFamily="34" charset="0"/>
                 <a:cs typeface="Times New Roman" panose="02020603050405020304" pitchFamily="18" charset="0"/>
               </a:rPr>
               <a:t>File package sau khi thêm</a:t>
             </a:r>
-            <a:endParaRPr lang="en-US" sz="2000" dirty="0">
-              <a:latin typeface="Times New Roman" panose="02020603050405020304" pitchFamily="18" charset="0"/>
-              <a:cs typeface="Times New Roman" panose="02020603050405020304" pitchFamily="18" charset="0"/>
-            </a:endParaRPr>
           </a:p>
         </p:txBody>
       </p:sp>
@@ -4330,8 +6471,8 @@
         </p:blipFill>
         <p:spPr>
           <a:xfrm>
-            <a:off x="5808617" y="872754"/>
-            <a:ext cx="5891349" cy="4119154"/>
+            <a:off x="7170726" y="1754038"/>
+            <a:ext cx="4791170" cy="3349923"/>
           </a:xfrm>
           <a:prstGeom prst="rect">
             <a:avLst/>
@@ -4666,7 +6807,7 @@
 </p:sld>
 </file>
 
-<file path=ppt/slides/slide14.xml><?xml version="1.0" encoding="utf-8"?>
+<file path=ppt/slides/slide15.xml><?xml version="1.0" encoding="utf-8"?>
 <p:sld xmlns:a="http://schemas.openxmlformats.org/drawingml/2006/main" xmlns:r="http://schemas.openxmlformats.org/officeDocument/2006/relationships" xmlns:p="http://schemas.openxmlformats.org/presentationml/2006/main">
   <p:cSld>
     <p:spTree>
@@ -4691,8 +6832,8 @@
         </p:nvSpPr>
         <p:spPr>
           <a:xfrm>
-            <a:off x="156754" y="226423"/>
-            <a:ext cx="4921219" cy="646331"/>
+            <a:off x="2196750" y="416204"/>
+            <a:ext cx="4649030" cy="553998"/>
           </a:xfrm>
           <a:prstGeom prst="rect">
             <a:avLst/>
@@ -4706,7 +6847,7 @@
           <a:lstStyle/>
           <a:p>
             <a:r>
-              <a:rPr lang="en-US" sz="3600" b="1" dirty="0">
+              <a:rPr lang="en-US" sz="3000" b="1" dirty="0">
                 <a:solidFill>
                   <a:srgbClr val="FF0000"/>
                 </a:solidFill>
@@ -4717,42 +6858,11 @@
                     </a:srgbClr>
                   </a:outerShdw>
                 </a:effectLst>
-                <a:latin typeface="Times New Roman" panose="02020603050405020304" pitchFamily="18" charset="0"/>
+                <a:latin typeface="Segoe UI Black" panose="020B0A02040204020203" pitchFamily="34" charset="0"/>
                 <a:cs typeface="Times New Roman" panose="02020603050405020304" pitchFamily="18" charset="0"/>
               </a:rPr>
-              <a:t>4</a:t>
-            </a:r>
-            <a:r>
-              <a:rPr lang="en-US" sz="3600" b="1" dirty="0" smtClean="0">
-                <a:solidFill>
-                  <a:srgbClr val="FF0000"/>
-                </a:solidFill>
-                <a:effectLst>
-                  <a:outerShdw blurRad="38100" dist="38100" dir="2700000" algn="tl">
-                    <a:srgbClr val="000000">
-                      <a:alpha val="43137"/>
-                    </a:srgbClr>
-                  </a:outerShdw>
-                </a:effectLst>
-                <a:latin typeface="Times New Roman" panose="02020603050405020304" pitchFamily="18" charset="0"/>
-                <a:cs typeface="Times New Roman" panose="02020603050405020304" pitchFamily="18" charset="0"/>
-              </a:rPr>
-              <a:t>. Ví trí thêm 1 Package</a:t>
-            </a:r>
-            <a:endParaRPr lang="en-US" sz="3600" b="1" dirty="0">
-              <a:solidFill>
-                <a:srgbClr val="FF0000"/>
-              </a:solidFill>
-              <a:effectLst>
-                <a:outerShdw blurRad="38100" dist="38100" dir="2700000" algn="tl">
-                  <a:srgbClr val="000000">
-                    <a:alpha val="43137"/>
-                  </a:srgbClr>
-                </a:outerShdw>
-              </a:effectLst>
-              <a:latin typeface="Times New Roman" panose="02020603050405020304" pitchFamily="18" charset="0"/>
-              <a:cs typeface="Times New Roman" panose="02020603050405020304" pitchFamily="18" charset="0"/>
-            </a:endParaRPr>
+              <a:t>4. Ví trí thêm 1 Package</a:t>
+            </a:r>
           </a:p>
         </p:txBody>
       </p:sp>
@@ -4766,8 +6876,8 @@
         </p:nvSpPr>
         <p:spPr bwMode="auto">
           <a:xfrm>
-            <a:off x="217715" y="1246952"/>
-            <a:ext cx="11068594" cy="4616648"/>
+            <a:off x="2196750" y="1872020"/>
+            <a:ext cx="9630065" cy="4985980"/>
           </a:xfrm>
           <a:prstGeom prst="rect">
             <a:avLst/>
@@ -4832,7 +6942,7 @@
               <a:tabLst/>
             </a:pPr>
             <a:r>
-              <a:rPr kumimoji="0" lang="en-US" altLang="en-US" sz="2400" b="1" i="0" u="none" strike="noStrike" cap="none" normalizeH="0" baseline="0" dirty="0" smtClean="0">
+              <a:rPr kumimoji="0" lang="en-US" altLang="en-US" sz="2400" b="1" i="0" u="none" strike="noStrike" cap="none" normalizeH="0" baseline="0" dirty="0">
                 <a:ln>
                   <a:noFill/>
                 </a:ln>
@@ -4840,14 +6950,14 @@
                   <a:schemeClr val="tx1"/>
                 </a:solidFill>
                 <a:effectLst/>
-                <a:latin typeface="Times New Roman" panose="02020603050405020304" pitchFamily="18" charset="0"/>
+                <a:latin typeface="Segoe UI Black" panose="020B0A02040204020203" pitchFamily="34" charset="0"/>
                 <a:ea typeface="Calibri" panose="020F0502020204030204" pitchFamily="34" charset="0"/>
                 <a:cs typeface="Times New Roman" panose="02020603050405020304" pitchFamily="18" charset="0"/>
               </a:rPr>
               <a:t>Local:</a:t>
             </a:r>
             <a:r>
-              <a:rPr kumimoji="0" lang="en-US" altLang="en-US" sz="2400" b="0" i="0" u="none" strike="noStrike" cap="none" normalizeH="0" baseline="0" dirty="0" smtClean="0">
+              <a:rPr kumimoji="0" lang="en-US" altLang="en-US" sz="2400" b="0" i="0" u="none" strike="noStrike" cap="none" normalizeH="0" baseline="0" dirty="0">
                 <a:ln>
                   <a:noFill/>
                 </a:ln>
@@ -4855,14 +6965,14 @@
                   <a:schemeClr val="tx1"/>
                 </a:solidFill>
                 <a:effectLst/>
-                <a:latin typeface="Times New Roman" panose="02020603050405020304" pitchFamily="18" charset="0"/>
+                <a:latin typeface="Segoe UI Black" panose="020B0A02040204020203" pitchFamily="34" charset="0"/>
                 <a:ea typeface="Calibri" panose="020F0502020204030204" pitchFamily="34" charset="0"/>
                 <a:cs typeface="Times New Roman" panose="02020603050405020304" pitchFamily="18" charset="0"/>
               </a:rPr>
               <a:t> sẽ tạo ra thư mục node_modules nếu chưa có trong project hoặc nếu có rồi nó sẽ lấy code của gói cần cài đặt đưa vào đây. Khi cần sử dụng bạn có thể sử dụng lệnh </a:t>
             </a:r>
             <a:r>
-              <a:rPr kumimoji="0" lang="en-US" altLang="en-US" sz="2400" b="0" i="1" u="none" strike="noStrike" cap="none" normalizeH="0" baseline="0" dirty="0" smtClean="0">
+              <a:rPr kumimoji="0" lang="en-US" altLang="en-US" sz="2400" b="0" i="1" u="none" strike="noStrike" cap="none" normalizeH="0" baseline="0" dirty="0">
                 <a:ln>
                   <a:noFill/>
                 </a:ln>
@@ -4870,7 +6980,7 @@
                   <a:schemeClr val="tx1"/>
                 </a:solidFill>
                 <a:effectLst/>
-                <a:latin typeface="Times New Roman" panose="02020603050405020304" pitchFamily="18" charset="0"/>
+                <a:latin typeface="Segoe UI Black" panose="020B0A02040204020203" pitchFamily="34" charset="0"/>
                 <a:ea typeface="Calibri" panose="020F0502020204030204" pitchFamily="34" charset="0"/>
                 <a:cs typeface="Times New Roman" panose="02020603050405020304" pitchFamily="18" charset="0"/>
               </a:rPr>
@@ -4892,7 +7002,7 @@
               <a:buSzTx/>
               <a:tabLst/>
             </a:pPr>
-            <a:endParaRPr kumimoji="0" lang="en-US" altLang="en-US" sz="2400" b="0" i="0" u="none" strike="noStrike" cap="none" normalizeH="0" baseline="0" dirty="0" smtClean="0">
+            <a:endParaRPr kumimoji="0" lang="en-US" altLang="en-US" sz="2400" b="0" i="0" u="none" strike="noStrike" cap="none" normalizeH="0" baseline="0" dirty="0">
               <a:ln>
                 <a:noFill/>
               </a:ln>
@@ -4900,7 +7010,7 @@
                 <a:schemeClr val="tx1"/>
               </a:solidFill>
               <a:effectLst/>
-              <a:latin typeface="Times New Roman" panose="02020603050405020304" pitchFamily="18" charset="0"/>
+              <a:latin typeface="Segoe UI Black" panose="020B0A02040204020203" pitchFamily="34" charset="0"/>
               <a:cs typeface="Times New Roman" panose="02020603050405020304" pitchFamily="18" charset="0"/>
             </a:endParaRPr>
           </a:p>
@@ -4922,7 +7032,7 @@
               <a:tabLst/>
             </a:pPr>
             <a:r>
-              <a:rPr kumimoji="0" lang="en-US" altLang="en-US" sz="2400" b="1" i="0" u="none" strike="noStrike" cap="none" normalizeH="0" baseline="0" dirty="0" smtClean="0">
+              <a:rPr kumimoji="0" lang="en-US" altLang="en-US" sz="2400" b="1" i="0" u="none" strike="noStrike" cap="none" normalizeH="0" baseline="0" dirty="0">
                 <a:ln>
                   <a:noFill/>
                 </a:ln>
@@ -4930,14 +7040,14 @@
                   <a:schemeClr val="tx1"/>
                 </a:solidFill>
                 <a:effectLst/>
-                <a:latin typeface="Times New Roman" panose="02020603050405020304" pitchFamily="18" charset="0"/>
+                <a:latin typeface="Segoe UI Black" panose="020B0A02040204020203" pitchFamily="34" charset="0"/>
                 <a:ea typeface="Calibri" panose="020F0502020204030204" pitchFamily="34" charset="0"/>
                 <a:cs typeface="Times New Roman" panose="02020603050405020304" pitchFamily="18" charset="0"/>
               </a:rPr>
               <a:t>Global:</a:t>
             </a:r>
             <a:r>
-              <a:rPr kumimoji="0" lang="en-US" altLang="en-US" sz="2400" b="0" i="0" u="none" strike="noStrike" cap="none" normalizeH="0" baseline="0" dirty="0" smtClean="0">
+              <a:rPr kumimoji="0" lang="en-US" altLang="en-US" sz="2400" b="0" i="0" u="none" strike="noStrike" cap="none" normalizeH="0" baseline="0" dirty="0">
                 <a:ln>
                   <a:noFill/>
                 </a:ln>
@@ -4945,14 +7055,14 @@
                   <a:schemeClr val="tx1"/>
                 </a:solidFill>
                 <a:effectLst/>
-                <a:latin typeface="Times New Roman" panose="02020603050405020304" pitchFamily="18" charset="0"/>
+                <a:latin typeface="Segoe UI Black" panose="020B0A02040204020203" pitchFamily="34" charset="0"/>
                 <a:ea typeface="Calibri" panose="020F0502020204030204" pitchFamily="34" charset="0"/>
                 <a:cs typeface="Times New Roman" panose="02020603050405020304" pitchFamily="18" charset="0"/>
               </a:rPr>
               <a:t> sẽ lưu trữ code của gói trong các file hệ thống cố định trong máy, chỉ có thể dùng các package này thông qua các hàm CLI (Command Line Interface) ví dụ như </a:t>
             </a:r>
             <a:r>
-              <a:rPr kumimoji="0" lang="en-US" altLang="en-US" sz="2400" b="0" i="1" u="none" strike="noStrike" cap="none" normalizeH="0" baseline="0" dirty="0" smtClean="0">
+              <a:rPr kumimoji="0" lang="en-US" altLang="en-US" sz="2400" b="0" i="1" u="none" strike="noStrike" cap="none" normalizeH="0" baseline="0" dirty="0">
                 <a:ln>
                   <a:noFill/>
                 </a:ln>
@@ -4960,7 +7070,7 @@
                   <a:schemeClr val="tx1"/>
                 </a:solidFill>
                 <a:effectLst/>
-                <a:latin typeface="Times New Roman" panose="02020603050405020304" pitchFamily="18" charset="0"/>
+                <a:latin typeface="Segoe UI Black" panose="020B0A02040204020203" pitchFamily="34" charset="0"/>
                 <a:ea typeface="Calibri" panose="020F0502020204030204" pitchFamily="34" charset="0"/>
                 <a:cs typeface="Times New Roman" panose="02020603050405020304" pitchFamily="18" charset="0"/>
               </a:rPr>
@@ -4984,7 +7094,7 @@
               <a:buChar char="Ø"/>
               <a:tabLst/>
             </a:pPr>
-            <a:endParaRPr kumimoji="0" lang="en-US" altLang="en-US" sz="2400" b="0" i="1" u="none" strike="noStrike" cap="none" normalizeH="0" baseline="0" dirty="0" smtClean="0">
+            <a:endParaRPr kumimoji="0" lang="en-US" altLang="en-US" sz="2400" b="0" i="1" u="none" strike="noStrike" cap="none" normalizeH="0" baseline="0" dirty="0">
               <a:ln>
                 <a:noFill/>
               </a:ln>
@@ -4992,7 +7102,7 @@
                 <a:schemeClr val="tx1"/>
               </a:solidFill>
               <a:effectLst/>
-              <a:latin typeface="Times New Roman" panose="02020603050405020304" pitchFamily="18" charset="0"/>
+              <a:latin typeface="Segoe UI Black" panose="020B0A02040204020203" pitchFamily="34" charset="0"/>
               <a:ea typeface="Calibri" panose="020F0502020204030204" pitchFamily="34" charset="0"/>
               <a:cs typeface="Times New Roman" panose="02020603050405020304" pitchFamily="18" charset="0"/>
             </a:endParaRPr>
@@ -5014,44 +7124,30 @@
             </a:pPr>
             <a:r>
               <a:rPr lang="en-US" altLang="en-US" sz="2400" i="1" dirty="0">
-                <a:latin typeface="Times New Roman" panose="02020603050405020304" pitchFamily="18" charset="0"/>
+                <a:latin typeface="Segoe UI Black" panose="020B0A02040204020203" pitchFamily="34" charset="0"/>
                 <a:cs typeface="Times New Roman" panose="02020603050405020304" pitchFamily="18" charset="0"/>
               </a:rPr>
+              <a:t>	ví dụ:</a:t>
+            </a:r>
+          </a:p>
+          <a:p>
+            <a:r>
+              <a:rPr lang="en-US" dirty="0"/>
               <a:t>	</a:t>
             </a:r>
             <a:r>
-              <a:rPr lang="en-US" altLang="en-US" sz="2400" i="1" dirty="0" smtClean="0">
-                <a:latin typeface="Times New Roman" panose="02020603050405020304" pitchFamily="18" charset="0"/>
+              <a:rPr lang="en-US" i="1" dirty="0">
+                <a:latin typeface="Segoe UI Black" panose="020B0A02040204020203" pitchFamily="34" charset="0"/>
                 <a:cs typeface="Times New Roman" panose="02020603050405020304" pitchFamily="18" charset="0"/>
               </a:rPr>
-              <a:t>ví dụ:</a:t>
-            </a:r>
-          </a:p>
-          <a:p>
-            <a:r>
-              <a:rPr lang="en-US" dirty="0" smtClean="0"/>
-              <a:t>	</a:t>
-            </a:r>
-            <a:r>
-              <a:rPr lang="en-US" i="1" dirty="0" smtClean="0">
-                <a:latin typeface="Times New Roman" panose="02020603050405020304" pitchFamily="18" charset="0"/>
-                <a:cs typeface="Times New Roman" panose="02020603050405020304" pitchFamily="18" charset="0"/>
-              </a:rPr>
-              <a:t>var </a:t>
-            </a:r>
+              <a:t>var require('gulp');</a:t>
+            </a:r>
+          </a:p>
+          <a:p>
+            <a:pPr latinLnBrk="1"/>
             <a:r>
               <a:rPr lang="en-US" i="1" dirty="0">
-                <a:latin typeface="Times New Roman" panose="02020603050405020304" pitchFamily="18" charset="0"/>
-                <a:cs typeface="Times New Roman" panose="02020603050405020304" pitchFamily="18" charset="0"/>
-              </a:rPr>
-              <a:t>require('gulp');</a:t>
-            </a:r>
-          </a:p>
-          <a:p>
-            <a:pPr latinLnBrk="1"/>
-            <a:r>
-              <a:rPr lang="en-US" i="1" dirty="0">
-                <a:latin typeface="Times New Roman" panose="02020603050405020304" pitchFamily="18" charset="0"/>
+                <a:latin typeface="Segoe UI Black" panose="020B0A02040204020203" pitchFamily="34" charset="0"/>
                 <a:cs typeface="Times New Roman" panose="02020603050405020304" pitchFamily="18" charset="0"/>
               </a:rPr>
               <a:t>	gulp.task('hello', function() {</a:t>
@@ -5061,36 +7157,11 @@
             <a:pPr latinLnBrk="1"/>
             <a:r>
               <a:rPr lang="en-US" i="1" dirty="0">
-                <a:latin typeface="Times New Roman" panose="02020603050405020304" pitchFamily="18" charset="0"/>
+                <a:latin typeface="Segoe UI Black" panose="020B0A02040204020203" pitchFamily="34" charset="0"/>
                 <a:cs typeface="Times New Roman" panose="02020603050405020304" pitchFamily="18" charset="0"/>
               </a:rPr>
-              <a:t>  </a:t>
-            </a:r>
-            <a:r>
-              <a:rPr lang="en-US" i="1" dirty="0" smtClean="0">
-                <a:latin typeface="Times New Roman" panose="02020603050405020304" pitchFamily="18" charset="0"/>
-                <a:cs typeface="Times New Roman" panose="02020603050405020304" pitchFamily="18" charset="0"/>
-              </a:rPr>
-              <a:t>	console.log</a:t>
-            </a:r>
-            <a:r>
-              <a:rPr lang="en-US" i="1" dirty="0">
-                <a:latin typeface="Times New Roman" panose="02020603050405020304" pitchFamily="18" charset="0"/>
-                <a:cs typeface="Times New Roman" panose="02020603050405020304" pitchFamily="18" charset="0"/>
-              </a:rPr>
-              <a:t>('Hello </a:t>
-            </a:r>
-            <a:r>
-              <a:rPr lang="en-US" i="1" dirty="0" smtClean="0">
-                <a:latin typeface="Times New Roman" panose="02020603050405020304" pitchFamily="18" charset="0"/>
-                <a:cs typeface="Times New Roman" panose="02020603050405020304" pitchFamily="18" charset="0"/>
-              </a:rPr>
-              <a:t>World');}</a:t>
-            </a:r>
-            <a:endParaRPr lang="en-US" i="1" dirty="0">
-              <a:latin typeface="Times New Roman" panose="02020603050405020304" pitchFamily="18" charset="0"/>
-              <a:cs typeface="Times New Roman" panose="02020603050405020304" pitchFamily="18" charset="0"/>
-            </a:endParaRPr>
+              <a:t>  	console.log('Hello World');}</a:t>
+            </a:r>
           </a:p>
           <a:p>
             <a:pPr marR="0" lvl="0" algn="l" defTabSz="914400" rtl="0" eaLnBrk="0" fontAlgn="base" latinLnBrk="0" hangingPunct="0">
@@ -5107,7 +7178,7 @@
               <a:buSzTx/>
               <a:tabLst/>
             </a:pPr>
-            <a:endParaRPr kumimoji="0" lang="en-US" altLang="en-US" sz="2400" b="0" i="1" u="none" strike="noStrike" cap="none" normalizeH="0" baseline="0" dirty="0" smtClean="0">
+            <a:endParaRPr kumimoji="0" lang="en-US" altLang="en-US" sz="2400" b="0" i="1" u="none" strike="noStrike" cap="none" normalizeH="0" baseline="0" dirty="0">
               <a:ln>
                 <a:noFill/>
               </a:ln>
@@ -5115,7 +7186,7 @@
                 <a:schemeClr val="tx1"/>
               </a:solidFill>
               <a:effectLst/>
-              <a:latin typeface="Times New Roman" panose="02020603050405020304" pitchFamily="18" charset="0"/>
+              <a:latin typeface="Segoe UI Black" panose="020B0A02040204020203" pitchFamily="34" charset="0"/>
               <a:cs typeface="Times New Roman" panose="02020603050405020304" pitchFamily="18" charset="0"/>
             </a:endParaRPr>
           </a:p>
@@ -5274,7 +7345,7 @@
 </p:sld>
 </file>
 
-<file path=ppt/slides/slide15.xml><?xml version="1.0" encoding="utf-8"?>
+<file path=ppt/slides/slide16.xml><?xml version="1.0" encoding="utf-8"?>
 <p:sld xmlns:a="http://schemas.openxmlformats.org/drawingml/2006/main" xmlns:r="http://schemas.openxmlformats.org/officeDocument/2006/relationships" xmlns:p="http://schemas.openxmlformats.org/presentationml/2006/main">
   <p:cSld>
     <p:spTree>
@@ -5299,8 +7370,8 @@
         </p:nvSpPr>
         <p:spPr>
           <a:xfrm>
-            <a:off x="156754" y="226423"/>
-            <a:ext cx="3813865" cy="646331"/>
+            <a:off x="1971675" y="459336"/>
+            <a:ext cx="3684022" cy="553998"/>
           </a:xfrm>
           <a:prstGeom prst="rect">
             <a:avLst/>
@@ -5314,7 +7385,7 @@
           <a:lstStyle/>
           <a:p>
             <a:r>
-              <a:rPr lang="en-US" sz="3600" b="1" dirty="0" smtClean="0">
+              <a:rPr lang="en-US" sz="3000" b="1" dirty="0">
                 <a:solidFill>
                   <a:srgbClr val="FF0000"/>
                 </a:solidFill>
@@ -5325,25 +7396,11 @@
                     </a:srgbClr>
                   </a:outerShdw>
                 </a:effectLst>
-                <a:latin typeface="Times New Roman" panose="02020603050405020304" pitchFamily="18" charset="0"/>
+                <a:latin typeface="Segoe UI Black" panose="020B0A02040204020203" pitchFamily="34" charset="0"/>
                 <a:cs typeface="Times New Roman" panose="02020603050405020304" pitchFamily="18" charset="0"/>
               </a:rPr>
               <a:t>5. Update package</a:t>
             </a:r>
-            <a:endParaRPr lang="en-US" sz="3600" b="1" dirty="0">
-              <a:solidFill>
-                <a:srgbClr val="FF0000"/>
-              </a:solidFill>
-              <a:effectLst>
-                <a:outerShdw blurRad="38100" dist="38100" dir="2700000" algn="tl">
-                  <a:srgbClr val="000000">
-                    <a:alpha val="43137"/>
-                  </a:srgbClr>
-                </a:outerShdw>
-              </a:effectLst>
-              <a:latin typeface="Times New Roman" panose="02020603050405020304" pitchFamily="18" charset="0"/>
-              <a:cs typeface="Times New Roman" panose="02020603050405020304" pitchFamily="18" charset="0"/>
-            </a:endParaRPr>
           </a:p>
         </p:txBody>
       </p:sp>
@@ -5355,8 +7412,8 @@
         </p:nvSpPr>
         <p:spPr>
           <a:xfrm>
-            <a:off x="156754" y="1127186"/>
-            <a:ext cx="5834471" cy="3416320"/>
+            <a:off x="1971675" y="2102587"/>
+            <a:ext cx="4691062" cy="4524315"/>
           </a:xfrm>
           <a:prstGeom prst="rect">
             <a:avLst/>
@@ -5370,16 +7427,16 @@
           <a:lstStyle/>
           <a:p>
             <a:r>
-              <a:rPr lang="en-US" sz="2400" dirty="0" smtClean="0">
-                <a:latin typeface="Times New Roman" panose="02020603050405020304" pitchFamily="18" charset="0"/>
+              <a:rPr lang="en-US" sz="2400" dirty="0">
+                <a:latin typeface="Segoe UI Black" panose="020B0A02040204020203" pitchFamily="34" charset="0"/>
                 <a:cs typeface="Times New Roman" panose="02020603050405020304" pitchFamily="18" charset="0"/>
               </a:rPr>
               <a:t>Các lệnh sử dụng để upgrade package:</a:t>
             </a:r>
           </a:p>
           <a:p>
-            <a:endParaRPr lang="en-US" sz="2400" dirty="0" smtClean="0">
-              <a:latin typeface="Times New Roman" panose="02020603050405020304" pitchFamily="18" charset="0"/>
+            <a:endParaRPr lang="en-US" sz="2400" dirty="0">
+              <a:latin typeface="Segoe UI Black" panose="020B0A02040204020203" pitchFamily="34" charset="0"/>
               <a:cs typeface="Times New Roman" panose="02020603050405020304" pitchFamily="18" charset="0"/>
             </a:endParaRPr>
           </a:p>
@@ -5390,22 +7447,15 @@
             </a:pPr>
             <a:r>
               <a:rPr lang="en-US" sz="2400" dirty="0">
-                <a:latin typeface="Times New Roman" panose="02020603050405020304" pitchFamily="18" charset="0"/>
+                <a:latin typeface="Segoe UI Black" panose="020B0A02040204020203" pitchFamily="34" charset="0"/>
                 <a:cs typeface="Times New Roman" panose="02020603050405020304" pitchFamily="18" charset="0"/>
               </a:rPr>
-              <a:t>npm update // update toàn </a:t>
-            </a:r>
-            <a:r>
-              <a:rPr lang="en-US" sz="2400" dirty="0" smtClean="0">
-                <a:latin typeface="Times New Roman" panose="02020603050405020304" pitchFamily="18" charset="0"/>
-                <a:cs typeface="Times New Roman" panose="02020603050405020304" pitchFamily="18" charset="0"/>
-              </a:rPr>
-              <a:t>bộ</a:t>
+              <a:t>npm update // update toàn bộ</a:t>
             </a:r>
           </a:p>
           <a:p>
             <a:endParaRPr lang="en-US" sz="2400" dirty="0">
-              <a:latin typeface="Times New Roman" panose="02020603050405020304" pitchFamily="18" charset="0"/>
+              <a:latin typeface="Segoe UI Black" panose="020B0A02040204020203" pitchFamily="34" charset="0"/>
               <a:cs typeface="Times New Roman" panose="02020603050405020304" pitchFamily="18" charset="0"/>
             </a:endParaRPr>
           </a:p>
@@ -5416,50 +7466,36 @@
             </a:pPr>
             <a:r>
               <a:rPr lang="en-US" sz="2400" dirty="0">
-                <a:latin typeface="Times New Roman" panose="02020603050405020304" pitchFamily="18" charset="0"/>
+                <a:latin typeface="Segoe UI Black" panose="020B0A02040204020203" pitchFamily="34" charset="0"/>
                 <a:cs typeface="Times New Roman" panose="02020603050405020304" pitchFamily="18" charset="0"/>
               </a:rPr>
               <a:t>npm update packet_name </a:t>
             </a:r>
             <a:r>
               <a:rPr lang="en-US" sz="2400" i="1" dirty="0">
-                <a:latin typeface="Times New Roman" panose="02020603050405020304" pitchFamily="18" charset="0"/>
+                <a:latin typeface="Segoe UI Black" panose="020B0A02040204020203" pitchFamily="34" charset="0"/>
                 <a:cs typeface="Times New Roman" panose="02020603050405020304" pitchFamily="18" charset="0"/>
               </a:rPr>
-              <a:t>//update 1 packet </a:t>
-            </a:r>
-            <a:r>
-              <a:rPr lang="en-US" sz="2400" i="1" dirty="0" smtClean="0">
-                <a:latin typeface="Times New Roman" panose="02020603050405020304" pitchFamily="18" charset="0"/>
-                <a:cs typeface="Times New Roman" panose="02020603050405020304" pitchFamily="18" charset="0"/>
-              </a:rPr>
-              <a:t>				cụ </a:t>
-            </a:r>
-            <a:r>
-              <a:rPr lang="en-US" sz="2400" i="1" dirty="0">
-                <a:latin typeface="Times New Roman" panose="02020603050405020304" pitchFamily="18" charset="0"/>
-                <a:cs typeface="Times New Roman" panose="02020603050405020304" pitchFamily="18" charset="0"/>
-              </a:rPr>
-              <a:t>thể</a:t>
+              <a:t>//update 1 packet 				cụ thể</a:t>
             </a:r>
           </a:p>
           <a:p>
             <a:endParaRPr lang="en-US" sz="2400" i="1" dirty="0">
-              <a:latin typeface="Times New Roman" panose="02020603050405020304" pitchFamily="18" charset="0"/>
+              <a:latin typeface="Segoe UI Black" panose="020B0A02040204020203" pitchFamily="34" charset="0"/>
               <a:cs typeface="Times New Roman" panose="02020603050405020304" pitchFamily="18" charset="0"/>
             </a:endParaRPr>
           </a:p>
           <a:p>
             <a:r>
-              <a:rPr lang="en-US" sz="2400" i="1" dirty="0" smtClean="0">
-                <a:latin typeface="Times New Roman" panose="02020603050405020304" pitchFamily="18" charset="0"/>
+              <a:rPr lang="en-US" sz="2400" i="1" dirty="0">
+                <a:latin typeface="Segoe UI Black" panose="020B0A02040204020203" pitchFamily="34" charset="0"/>
                 <a:cs typeface="Times New Roman" panose="02020603050405020304" pitchFamily="18" charset="0"/>
               </a:rPr>
               <a:t>Ví dụ: </a:t>
             </a:r>
             <a:r>
-              <a:rPr lang="en-US" sz="2400" dirty="0" smtClean="0">
-                <a:latin typeface="Times New Roman" panose="02020603050405020304" pitchFamily="18" charset="0"/>
+              <a:rPr lang="en-US" sz="2400" dirty="0">
+                <a:latin typeface="Segoe UI Black" panose="020B0A02040204020203" pitchFamily="34" charset="0"/>
                 <a:cs typeface="Times New Roman" panose="02020603050405020304" pitchFamily="18" charset="0"/>
               </a:rPr>
               <a:t>npm upadate vue</a:t>
@@ -5467,7 +7503,7 @@
           </a:p>
           <a:p>
             <a:endParaRPr lang="en-US" sz="2400" dirty="0">
-              <a:latin typeface="Times New Roman" panose="02020603050405020304" pitchFamily="18" charset="0"/>
+              <a:latin typeface="Segoe UI Black" panose="020B0A02040204020203" pitchFamily="34" charset="0"/>
               <a:cs typeface="Times New Roman" panose="02020603050405020304" pitchFamily="18" charset="0"/>
             </a:endParaRPr>
           </a:p>
@@ -5489,7 +7525,7 @@
         </p:blipFill>
         <p:spPr>
           <a:xfrm>
-            <a:off x="6095729" y="1053736"/>
+            <a:off x="6662737" y="1925004"/>
             <a:ext cx="6031554" cy="4132217"/>
           </a:xfrm>
           <a:prstGeom prst="rect">
@@ -5703,7 +7739,7 @@
 </p:sld>
 </file>
 
-<file path=ppt/slides/slide16.xml><?xml version="1.0" encoding="utf-8"?>
+<file path=ppt/slides/slide17.xml><?xml version="1.0" encoding="utf-8"?>
 <p:sld xmlns:a="http://schemas.openxmlformats.org/drawingml/2006/main" xmlns:r="http://schemas.openxmlformats.org/officeDocument/2006/relationships" xmlns:p="http://schemas.openxmlformats.org/presentationml/2006/main">
   <p:cSld>
     <p:spTree>
@@ -5728,8 +7764,8 @@
         </p:nvSpPr>
         <p:spPr>
           <a:xfrm>
-            <a:off x="156754" y="226423"/>
-            <a:ext cx="3967753" cy="646331"/>
+            <a:off x="2023472" y="304061"/>
+            <a:ext cx="3841116" cy="553998"/>
           </a:xfrm>
           <a:prstGeom prst="rect">
             <a:avLst/>
@@ -5743,7 +7779,7 @@
           <a:lstStyle/>
           <a:p>
             <a:r>
-              <a:rPr lang="en-US" sz="3600" b="1" dirty="0">
+              <a:rPr lang="en-US" sz="3000" b="1" dirty="0">
                 <a:solidFill>
                   <a:srgbClr val="FF0000"/>
                 </a:solidFill>
@@ -5754,42 +7790,11 @@
                     </a:srgbClr>
                   </a:outerShdw>
                 </a:effectLst>
-                <a:latin typeface="Times New Roman" panose="02020603050405020304" pitchFamily="18" charset="0"/>
+                <a:latin typeface="Segoe UI Black" panose="020B0A02040204020203" pitchFamily="34" charset="0"/>
                 <a:cs typeface="Times New Roman" panose="02020603050405020304" pitchFamily="18" charset="0"/>
               </a:rPr>
-              <a:t>6</a:t>
-            </a:r>
-            <a:r>
-              <a:rPr lang="en-US" sz="3600" b="1" dirty="0" smtClean="0">
-                <a:solidFill>
-                  <a:srgbClr val="FF0000"/>
-                </a:solidFill>
-                <a:effectLst>
-                  <a:outerShdw blurRad="38100" dist="38100" dir="2700000" algn="tl">
-                    <a:srgbClr val="000000">
-                      <a:alpha val="43137"/>
-                    </a:srgbClr>
-                  </a:outerShdw>
-                </a:effectLst>
-                <a:latin typeface="Times New Roman" panose="02020603050405020304" pitchFamily="18" charset="0"/>
-                <a:cs typeface="Times New Roman" panose="02020603050405020304" pitchFamily="18" charset="0"/>
-              </a:rPr>
-              <a:t>. Remove package</a:t>
-            </a:r>
-            <a:endParaRPr lang="en-US" sz="3600" b="1" dirty="0">
-              <a:solidFill>
-                <a:srgbClr val="FF0000"/>
-              </a:solidFill>
-              <a:effectLst>
-                <a:outerShdw blurRad="38100" dist="38100" dir="2700000" algn="tl">
-                  <a:srgbClr val="000000">
-                    <a:alpha val="43137"/>
-                  </a:srgbClr>
-                </a:outerShdw>
-              </a:effectLst>
-              <a:latin typeface="Times New Roman" panose="02020603050405020304" pitchFamily="18" charset="0"/>
-              <a:cs typeface="Times New Roman" panose="02020603050405020304" pitchFamily="18" charset="0"/>
-            </a:endParaRPr>
+              <a:t>6. Remove package</a:t>
+            </a:r>
           </a:p>
         </p:txBody>
       </p:sp>
@@ -5801,8 +7806,8 @@
         </p:nvSpPr>
         <p:spPr>
           <a:xfrm>
-            <a:off x="156754" y="1127186"/>
-            <a:ext cx="4894217" cy="2308324"/>
+            <a:off x="1677398" y="3111262"/>
+            <a:ext cx="4894217" cy="2677656"/>
           </a:xfrm>
           <a:prstGeom prst="rect">
             <a:avLst/>
@@ -5817,22 +7822,15 @@
           <a:p>
             <a:r>
               <a:rPr lang="en-US" sz="2400" dirty="0">
-                <a:latin typeface="Times New Roman" panose="02020603050405020304" pitchFamily="18" charset="0"/>
+                <a:latin typeface="Segoe UI Black" panose="020B0A02040204020203" pitchFamily="34" charset="0"/>
                 <a:cs typeface="Times New Roman" panose="02020603050405020304" pitchFamily="18" charset="0"/>
               </a:rPr>
-              <a:t>L</a:t>
-            </a:r>
-            <a:r>
-              <a:rPr lang="en-US" sz="2400" dirty="0" smtClean="0">
-                <a:latin typeface="Times New Roman" panose="02020603050405020304" pitchFamily="18" charset="0"/>
-                <a:cs typeface="Times New Roman" panose="02020603050405020304" pitchFamily="18" charset="0"/>
-              </a:rPr>
-              <a:t>ệnh sử dụng để remove package:</a:t>
-            </a:r>
-          </a:p>
-          <a:p>
-            <a:endParaRPr lang="en-US" sz="2400" dirty="0" smtClean="0">
-              <a:latin typeface="Times New Roman" panose="02020603050405020304" pitchFamily="18" charset="0"/>
+              <a:t>Lệnh sử dụng để remove package:</a:t>
+            </a:r>
+          </a:p>
+          <a:p>
+            <a:endParaRPr lang="en-US" sz="2400" dirty="0">
+              <a:latin typeface="Segoe UI Black" panose="020B0A02040204020203" pitchFamily="34" charset="0"/>
               <a:cs typeface="Times New Roman" panose="02020603050405020304" pitchFamily="18" charset="0"/>
             </a:endParaRPr>
           </a:p>
@@ -5843,29 +7841,22 @@
             </a:pPr>
             <a:r>
               <a:rPr lang="en-US" sz="2400" dirty="0">
-                <a:latin typeface="Times New Roman" panose="02020603050405020304" pitchFamily="18" charset="0"/>
+                <a:latin typeface="Segoe UI Black" panose="020B0A02040204020203" pitchFamily="34" charset="0"/>
                 <a:cs typeface="Times New Roman" panose="02020603050405020304" pitchFamily="18" charset="0"/>
               </a:rPr>
-              <a:t>npm uninstall </a:t>
-            </a:r>
-            <a:r>
-              <a:rPr lang="en-US" sz="2400" dirty="0" smtClean="0">
-                <a:latin typeface="Times New Roman" panose="02020603050405020304" pitchFamily="18" charset="0"/>
-                <a:cs typeface="Times New Roman" panose="02020603050405020304" pitchFamily="18" charset="0"/>
-              </a:rPr>
-              <a:t>package_name</a:t>
+              <a:t>npm uninstall package_name</a:t>
             </a:r>
           </a:p>
           <a:p>
             <a:endParaRPr lang="en-US" sz="2400" dirty="0">
-              <a:latin typeface="Times New Roman" panose="02020603050405020304" pitchFamily="18" charset="0"/>
+              <a:latin typeface="Segoe UI Black" panose="020B0A02040204020203" pitchFamily="34" charset="0"/>
               <a:cs typeface="Times New Roman" panose="02020603050405020304" pitchFamily="18" charset="0"/>
             </a:endParaRPr>
           </a:p>
           <a:p>
             <a:r>
               <a:rPr lang="en-US" sz="2400" dirty="0">
-                <a:latin typeface="Times New Roman" panose="02020603050405020304" pitchFamily="18" charset="0"/>
+                <a:latin typeface="Segoe UI Black" panose="020B0A02040204020203" pitchFamily="34" charset="0"/>
                 <a:cs typeface="Times New Roman" panose="02020603050405020304" pitchFamily="18" charset="0"/>
               </a:rPr>
               <a:t>vd: npm uninstall vue</a:t>
@@ -5873,7 +7864,7 @@
           </a:p>
           <a:p>
             <a:endParaRPr lang="en-US" sz="2400" dirty="0">
-              <a:latin typeface="Times New Roman" panose="02020603050405020304" pitchFamily="18" charset="0"/>
+              <a:latin typeface="Segoe UI Black" panose="020B0A02040204020203" pitchFamily="34" charset="0"/>
               <a:cs typeface="Times New Roman" panose="02020603050405020304" pitchFamily="18" charset="0"/>
             </a:endParaRPr>
           </a:p>
@@ -5895,7 +7886,7 @@
         </p:blipFill>
         <p:spPr>
           <a:xfrm>
-            <a:off x="5555932" y="1051696"/>
+            <a:off x="5991225" y="2281348"/>
             <a:ext cx="6200775" cy="4162425"/>
           </a:xfrm>
           <a:prstGeom prst="rect">
@@ -6109,7 +8100,7 @@
 </p:sld>
 </file>
 
-<file path=ppt/slides/slide17.xml><?xml version="1.0" encoding="utf-8"?>
+<file path=ppt/slides/slide18.xml><?xml version="1.0" encoding="utf-8"?>
 <p:sld xmlns:a="http://schemas.openxmlformats.org/drawingml/2006/main" xmlns:r="http://schemas.openxmlformats.org/officeDocument/2006/relationships" xmlns:p="http://schemas.openxmlformats.org/presentationml/2006/main">
   <p:cSld>
     <p:spTree>
@@ -6134,8 +8125,8 @@
         </p:nvSpPr>
         <p:spPr>
           <a:xfrm>
-            <a:off x="156754" y="226423"/>
-            <a:ext cx="3634328" cy="646331"/>
+            <a:off x="2408249" y="494467"/>
+            <a:ext cx="3425938" cy="553998"/>
           </a:xfrm>
           <a:prstGeom prst="rect">
             <a:avLst/>
@@ -6149,7 +8140,7 @@
           <a:lstStyle/>
           <a:p>
             <a:r>
-              <a:rPr lang="en-US" sz="3600" b="1" dirty="0">
+              <a:rPr lang="en-US" sz="3000" b="1" dirty="0">
                 <a:solidFill>
                   <a:srgbClr val="FF0000"/>
                 </a:solidFill>
@@ -6160,59 +8151,11 @@
                     </a:srgbClr>
                   </a:outerShdw>
                 </a:effectLst>
-                <a:latin typeface="Times New Roman" panose="02020603050405020304" pitchFamily="18" charset="0"/>
+                <a:latin typeface="Segoe UI Black" panose="020B0A02040204020203" pitchFamily="34" charset="0"/>
                 <a:cs typeface="Times New Roman" panose="02020603050405020304" pitchFamily="18" charset="0"/>
               </a:rPr>
-              <a:t>7</a:t>
-            </a:r>
-            <a:r>
-              <a:rPr lang="en-US" sz="3600" b="1" dirty="0" smtClean="0">
-                <a:solidFill>
-                  <a:srgbClr val="FF0000"/>
-                </a:solidFill>
-                <a:effectLst>
-                  <a:outerShdw blurRad="38100" dist="38100" dir="2700000" algn="tl">
-                    <a:srgbClr val="000000">
-                      <a:alpha val="43137"/>
-                    </a:srgbClr>
-                  </a:outerShdw>
-                </a:effectLst>
-                <a:latin typeface="Times New Roman" panose="02020603050405020304" pitchFamily="18" charset="0"/>
-                <a:cs typeface="Times New Roman" panose="02020603050405020304" pitchFamily="18" charset="0"/>
-              </a:rPr>
-              <a:t>. </a:t>
-            </a:r>
-            <a:r>
-              <a:rPr lang="en-US" sz="3600" b="1" dirty="0" smtClean="0">
-                <a:solidFill>
-                  <a:srgbClr val="FF0000"/>
-                </a:solidFill>
-                <a:effectLst>
-                  <a:outerShdw blurRad="38100" dist="38100" dir="2700000" algn="tl">
-                    <a:srgbClr val="000000">
-                      <a:alpha val="43137"/>
-                    </a:srgbClr>
-                  </a:outerShdw>
-                </a:effectLst>
-                <a:latin typeface="Times New Roman" panose="02020603050405020304" pitchFamily="18" charset="0"/>
-                <a:cs typeface="Times New Roman" panose="02020603050405020304" pitchFamily="18" charset="0"/>
-              </a:rPr>
-              <a:t>Check package</a:t>
-            </a:r>
-            <a:endParaRPr lang="en-US" sz="3600" b="1" dirty="0">
-              <a:solidFill>
-                <a:srgbClr val="FF0000"/>
-              </a:solidFill>
-              <a:effectLst>
-                <a:outerShdw blurRad="38100" dist="38100" dir="2700000" algn="tl">
-                  <a:srgbClr val="000000">
-                    <a:alpha val="43137"/>
-                  </a:srgbClr>
-                </a:outerShdw>
-              </a:effectLst>
-              <a:latin typeface="Times New Roman" panose="02020603050405020304" pitchFamily="18" charset="0"/>
-              <a:cs typeface="Times New Roman" panose="02020603050405020304" pitchFamily="18" charset="0"/>
-            </a:endParaRPr>
+              <a:t>7. Check package</a:t>
+            </a:r>
           </a:p>
         </p:txBody>
       </p:sp>
@@ -6224,8 +8167,8 @@
         </p:nvSpPr>
         <p:spPr>
           <a:xfrm>
-            <a:off x="0" y="1175375"/>
-            <a:ext cx="8101584" cy="2727029"/>
+            <a:off x="1337094" y="2645007"/>
+            <a:ext cx="8101584" cy="3217804"/>
           </a:xfrm>
           <a:prstGeom prst="rect">
             <a:avLst/>
@@ -6252,49 +8195,20 @@
             </a:pPr>
             <a:r>
               <a:rPr lang="en-US" sz="3200" dirty="0">
-                <a:latin typeface="Times New Roman" panose="02020603050405020304" pitchFamily="18" charset="0"/>
-                <a:ea typeface="Times New Roman" panose="02020603050405020304" pitchFamily="18" charset="0"/>
+                <a:latin typeface="Segoe UI Black" panose="020B0A02040204020203" pitchFamily="34" charset="0"/>
+                <a:ea typeface="Segoe UI Black" panose="020B0A02040204020203" pitchFamily="34" charset="0"/>
                 <a:cs typeface="Times New Roman" panose="02020603050405020304" pitchFamily="18" charset="0"/>
               </a:rPr>
               <a:t>npm ls		</a:t>
             </a:r>
             <a:r>
               <a:rPr lang="en-US" sz="3200" i="1" dirty="0">
-                <a:latin typeface="Times New Roman" panose="02020603050405020304" pitchFamily="18" charset="0"/>
-                <a:ea typeface="Times New Roman" panose="02020603050405020304" pitchFamily="18" charset="0"/>
+                <a:latin typeface="Segoe UI Black" panose="020B0A02040204020203" pitchFamily="34" charset="0"/>
+                <a:ea typeface="Segoe UI Black" panose="020B0A02040204020203" pitchFamily="34" charset="0"/>
                 <a:cs typeface="Times New Roman" panose="02020603050405020304" pitchFamily="18" charset="0"/>
               </a:rPr>
-              <a:t>//kiểm tra gói ở </a:t>
-            </a:r>
-            <a:r>
-              <a:rPr lang="en-US" sz="3200" i="1" dirty="0" smtClean="0">
-                <a:latin typeface="Times New Roman" panose="02020603050405020304" pitchFamily="18" charset="0"/>
-                <a:ea typeface="Times New Roman" panose="02020603050405020304" pitchFamily="18" charset="0"/>
-                <a:cs typeface="Times New Roman" panose="02020603050405020304" pitchFamily="18" charset="0"/>
-              </a:rPr>
-              <a:t>local</a:t>
-            </a:r>
-          </a:p>
-          <a:p>
-            <a:pPr marL="914400" marR="0" indent="-457200">
-              <a:lnSpc>
-                <a:spcPct val="107000"/>
-              </a:lnSpc>
-              <a:spcBef>
-                <a:spcPts val="0"/>
-              </a:spcBef>
-              <a:spcAft>
-                <a:spcPts val="0"/>
-              </a:spcAft>
-              <a:buFont typeface="Wingdings" panose="05000000000000000000" pitchFamily="2" charset="2"/>
-              <a:buChar char="Ø"/>
-            </a:pPr>
-            <a:endParaRPr lang="en-US" sz="3200" dirty="0" smtClean="0">
-              <a:effectLst/>
-              <a:latin typeface="Times New Roman" panose="02020603050405020304" pitchFamily="18" charset="0"/>
-              <a:ea typeface="Calibri" panose="020F0502020204030204" pitchFamily="34" charset="0"/>
-              <a:cs typeface="Times New Roman" panose="02020603050405020304" pitchFamily="18" charset="0"/>
-            </a:endParaRPr>
+              <a:t>//kiểm tra gói ở local</a:t>
+            </a:r>
           </a:p>
           <a:p>
             <a:pPr marL="914400" marR="0" indent="-457200">
@@ -6311,7 +8225,8 @@
               <a:buChar char="Ø"/>
             </a:pPr>
             <a:endParaRPr lang="en-US" sz="3200" dirty="0">
-              <a:latin typeface="Times New Roman" panose="02020603050405020304" pitchFamily="18" charset="0"/>
+              <a:effectLst/>
+              <a:latin typeface="Segoe UI Black" panose="020B0A02040204020203" pitchFamily="34" charset="0"/>
               <a:ea typeface="Calibri" panose="020F0502020204030204" pitchFamily="34" charset="0"/>
               <a:cs typeface="Times New Roman" panose="02020603050405020304" pitchFamily="18" charset="0"/>
             </a:endParaRPr>
@@ -6330,9 +8245,8 @@
               <a:buFont typeface="Wingdings" panose="05000000000000000000" pitchFamily="2" charset="2"/>
               <a:buChar char="Ø"/>
             </a:pPr>
-            <a:endParaRPr lang="en-US" sz="3200" dirty="0" smtClean="0">
-              <a:effectLst/>
-              <a:latin typeface="Times New Roman" panose="02020603050405020304" pitchFamily="18" charset="0"/>
+            <a:endParaRPr lang="en-US" sz="3200" dirty="0">
+              <a:latin typeface="Segoe UI Black" panose="020B0A02040204020203" pitchFamily="34" charset="0"/>
               <a:ea typeface="Calibri" panose="020F0502020204030204" pitchFamily="34" charset="0"/>
               <a:cs typeface="Times New Roman" panose="02020603050405020304" pitchFamily="18" charset="0"/>
             </a:endParaRPr>
@@ -6351,25 +8265,46 @@
               <a:buFont typeface="Wingdings" panose="05000000000000000000" pitchFamily="2" charset="2"/>
               <a:buChar char="Ø"/>
             </a:pPr>
+            <a:endParaRPr lang="en-US" sz="3200" dirty="0">
+              <a:effectLst/>
+              <a:latin typeface="Segoe UI Black" panose="020B0A02040204020203" pitchFamily="34" charset="0"/>
+              <a:ea typeface="Calibri" panose="020F0502020204030204" pitchFamily="34" charset="0"/>
+              <a:cs typeface="Times New Roman" panose="02020603050405020304" pitchFamily="18" charset="0"/>
+            </a:endParaRPr>
+          </a:p>
+          <a:p>
+            <a:pPr marL="914400" marR="0" indent="-457200">
+              <a:lnSpc>
+                <a:spcPct val="107000"/>
+              </a:lnSpc>
+              <a:spcBef>
+                <a:spcPts val="0"/>
+              </a:spcBef>
+              <a:spcAft>
+                <a:spcPts val="0"/>
+              </a:spcAft>
+              <a:buFont typeface="Wingdings" panose="05000000000000000000" pitchFamily="2" charset="2"/>
+              <a:buChar char="Ø"/>
+            </a:pPr>
             <a:r>
               <a:rPr lang="en-US" sz="3200" dirty="0">
-                <a:latin typeface="Times New Roman" panose="02020603050405020304" pitchFamily="18" charset="0"/>
-                <a:ea typeface="Times New Roman" panose="02020603050405020304" pitchFamily="18" charset="0"/>
+                <a:latin typeface="Segoe UI Black" panose="020B0A02040204020203" pitchFamily="34" charset="0"/>
+                <a:ea typeface="Segoe UI Black" panose="020B0A02040204020203" pitchFamily="34" charset="0"/>
                 <a:cs typeface="Times New Roman" panose="02020603050405020304" pitchFamily="18" charset="0"/>
               </a:rPr>
               <a:t>npm ls –g	</a:t>
             </a:r>
             <a:r>
               <a:rPr lang="en-US" sz="3200" i="1" dirty="0">
-                <a:latin typeface="Times New Roman" panose="02020603050405020304" pitchFamily="18" charset="0"/>
-                <a:ea typeface="Times New Roman" panose="02020603050405020304" pitchFamily="18" charset="0"/>
+                <a:latin typeface="Segoe UI Black" panose="020B0A02040204020203" pitchFamily="34" charset="0"/>
+                <a:ea typeface="Segoe UI Black" panose="020B0A02040204020203" pitchFamily="34" charset="0"/>
                 <a:cs typeface="Times New Roman" panose="02020603050405020304" pitchFamily="18" charset="0"/>
               </a:rPr>
               <a:t>// kiểm tra gói ở global</a:t>
             </a:r>
             <a:endParaRPr lang="en-US" sz="3200" i="1" dirty="0">
               <a:effectLst/>
-              <a:latin typeface="Times New Roman" panose="02020603050405020304" pitchFamily="18" charset="0"/>
+              <a:latin typeface="Segoe UI Black" panose="020B0A02040204020203" pitchFamily="34" charset="0"/>
               <a:ea typeface="Calibri" panose="020F0502020204030204" pitchFamily="34" charset="0"/>
               <a:cs typeface="Times New Roman" panose="02020603050405020304" pitchFamily="18" charset="0"/>
             </a:endParaRPr>
@@ -6392,7 +8327,7 @@
         </p:blipFill>
         <p:spPr>
           <a:xfrm>
-            <a:off x="7721917" y="1281493"/>
+            <a:off x="3658875" y="3298909"/>
             <a:ext cx="3971925" cy="619125"/>
           </a:xfrm>
           <a:prstGeom prst="rect">
@@ -6416,7 +8351,7 @@
         </p:blipFill>
         <p:spPr>
           <a:xfrm>
-            <a:off x="7721917" y="3208422"/>
+            <a:off x="3589864" y="5563433"/>
             <a:ext cx="3952875" cy="800100"/>
           </a:xfrm>
           <a:prstGeom prst="rect">
@@ -6703,23 +8638,9 @@
 </p:sld>
 </file>
 
-<file path=ppt/slides/slide18.xml><?xml version="1.0" encoding="utf-8"?>
+<file path=ppt/slides/slide19.xml><?xml version="1.0" encoding="utf-8"?>
 <p:sld xmlns:a="http://schemas.openxmlformats.org/drawingml/2006/main" xmlns:r="http://schemas.openxmlformats.org/officeDocument/2006/relationships" xmlns:p="http://schemas.openxmlformats.org/presentationml/2006/main">
   <p:cSld>
-    <p:bg>
-      <p:bgPr>
-        <a:blipFill dpi="0" rotWithShape="1">
-          <a:blip r:embed="rId2">
-            <a:lum/>
-          </a:blip>
-          <a:srcRect/>
-          <a:stretch>
-            <a:fillRect l="-4000" r="-4000"/>
-          </a:stretch>
-        </a:blipFill>
-        <a:effectLst/>
-      </p:bgPr>
-    </p:bg>
     <p:spTree>
       <p:nvGrpSpPr>
         <p:cNvPr id="1" name=""/>
@@ -6734,27 +8655,155 @@
           <a:chExt cx="0" cy="0"/>
         </a:xfrm>
       </p:grpSpPr>
+      <p:sp>
+        <p:nvSpPr>
+          <p:cNvPr id="2" name="Title 1"/>
+          <p:cNvSpPr>
+            <a:spLocks noGrp="1"/>
+          </p:cNvSpPr>
+          <p:nvPr>
+            <p:ph type="title"/>
+          </p:nvPr>
+        </p:nvSpPr>
+        <p:spPr/>
+        <p:txBody>
+          <a:bodyPr/>
+          <a:lstStyle/>
+          <a:p>
+            <a:endParaRPr lang="en-US"/>
+          </a:p>
+        </p:txBody>
+      </p:sp>
+      <p:sp>
+        <p:nvSpPr>
+          <p:cNvPr id="3" name="Footer Placeholder 2"/>
+          <p:cNvSpPr>
+            <a:spLocks noGrp="1"/>
+          </p:cNvSpPr>
+          <p:nvPr>
+            <p:ph type="ftr" sz="quarter" idx="11"/>
+          </p:nvPr>
+        </p:nvSpPr>
+        <p:spPr/>
+        <p:txBody>
+          <a:bodyPr/>
+          <a:lstStyle/>
+          <a:p>
+            <a:r>
+              <a:rPr lang="en-US"/>
+              <a:t>www.indruino.com</a:t>
+            </a:r>
+            <a:endParaRPr lang="en-US" dirty="0"/>
+          </a:p>
+        </p:txBody>
+      </p:sp>
     </p:spTree>
     <p:extLst>
       <p:ext uri="{BB962C8B-B14F-4D97-AF65-F5344CB8AC3E}">
-        <p14:creationId xmlns:p14="http://schemas.microsoft.com/office/powerpoint/2010/main" val="2354572420"/>
+        <p14:creationId xmlns:p14="http://schemas.microsoft.com/office/powerpoint/2010/main" val="2861137814"/>
       </p:ext>
     </p:extLst>
   </p:cSld>
   <p:clrMapOvr>
     <a:masterClrMapping/>
   </p:clrMapOvr>
-  <p:timing>
-    <p:tnLst>
-      <p:par>
-        <p:cTn id="1" dur="indefinite" restart="never" nodeType="tmRoot"/>
-      </p:par>
-    </p:tnLst>
-  </p:timing>
 </p:sld>
 </file>
 
 <file path=ppt/slides/slide2.xml><?xml version="1.0" encoding="utf-8"?>
+<p:sld xmlns:a="http://schemas.openxmlformats.org/drawingml/2006/main" xmlns:r="http://schemas.openxmlformats.org/officeDocument/2006/relationships" xmlns:p="http://schemas.openxmlformats.org/presentationml/2006/main">
+  <p:cSld>
+    <p:spTree>
+      <p:nvGrpSpPr>
+        <p:cNvPr id="1" name=""/>
+        <p:cNvGrpSpPr/>
+        <p:nvPr/>
+      </p:nvGrpSpPr>
+      <p:grpSpPr>
+        <a:xfrm>
+          <a:off x="0" y="0"/>
+          <a:ext cx="0" cy="0"/>
+          <a:chOff x="0" y="0"/>
+          <a:chExt cx="0" cy="0"/>
+        </a:xfrm>
+      </p:grpSpPr>
+      <p:sp>
+        <p:nvSpPr>
+          <p:cNvPr id="4" name="Rectangle 3"/>
+          <p:cNvSpPr/>
+          <p:nvPr/>
+        </p:nvSpPr>
+        <p:spPr>
+          <a:xfrm>
+            <a:off x="2539887" y="2009016"/>
+            <a:ext cx="4277133" cy="1569660"/>
+          </a:xfrm>
+          <a:prstGeom prst="rect">
+            <a:avLst/>
+          </a:prstGeom>
+          <a:noFill/>
+        </p:spPr>
+        <p:txBody>
+          <a:bodyPr wrap="none" lIns="91440" tIns="45720" rIns="91440" bIns="45720">
+            <a:spAutoFit/>
+            <a:scene3d>
+              <a:camera prst="perspectiveRelaxedModerately"/>
+              <a:lightRig rig="threePt" dir="t"/>
+            </a:scene3d>
+          </a:bodyPr>
+          <a:lstStyle/>
+          <a:p>
+            <a:pPr algn="ctr"/>
+            <a:r>
+              <a:rPr lang="en-US" sz="4800" dirty="0">
+                <a:ln w="0"/>
+                <a:effectLst>
+                  <a:outerShdw blurRad="38100" dist="19050" dir="2700000" algn="tl" rotWithShape="0">
+                    <a:schemeClr val="dk1">
+                      <a:alpha val="40000"/>
+                    </a:schemeClr>
+                  </a:outerShdw>
+                </a:effectLst>
+                <a:latin typeface="Segoe UI Black" panose="020B0A02040204020203" pitchFamily="34" charset="0"/>
+                <a:cs typeface="Times New Roman" panose="02020603050405020304" pitchFamily="18" charset="0"/>
+              </a:rPr>
+              <a:t>OVERVIEW</a:t>
+            </a:r>
+          </a:p>
+          <a:p>
+            <a:pPr algn="ctr"/>
+            <a:r>
+              <a:rPr lang="en-US" sz="4800" dirty="0">
+                <a:ln w="0"/>
+                <a:effectLst>
+                  <a:outerShdw blurRad="38100" dist="19050" dir="2700000" algn="tl" rotWithShape="0">
+                    <a:schemeClr val="dk1">
+                      <a:alpha val="40000"/>
+                    </a:schemeClr>
+                  </a:outerShdw>
+                </a:effectLst>
+                <a:latin typeface="Segoe UI Black" panose="020B0A02040204020203" pitchFamily="34" charset="0"/>
+                <a:cs typeface="Times New Roman" panose="02020603050405020304" pitchFamily="18" charset="0"/>
+              </a:rPr>
+              <a:t>YARN &amp; NPM</a:t>
+            </a:r>
+          </a:p>
+        </p:txBody>
+      </p:sp>
+    </p:spTree>
+    <p:extLst>
+      <p:ext uri="{BB962C8B-B14F-4D97-AF65-F5344CB8AC3E}">
+        <p14:creationId xmlns:p14="http://schemas.microsoft.com/office/powerpoint/2010/main" val="2959345347"/>
+      </p:ext>
+    </p:extLst>
+  </p:cSld>
+  <p:clrMapOvr>
+    <a:masterClrMapping/>
+  </p:clrMapOvr>
+</p:sld>
+</file>
+
+<file path=ppt/slides/slide3.xml><?xml version="1.0" encoding="utf-8"?>
 <p:sld xmlns:a="http://schemas.openxmlformats.org/drawingml/2006/main" xmlns:r="http://schemas.openxmlformats.org/officeDocument/2006/relationships" xmlns:p="http://schemas.openxmlformats.org/presentationml/2006/main">
   <p:cSld>
     <p:spTree>
@@ -6812,6 +8861,133 @@
           </a:extLst>
         </p:spPr>
       </p:pic>
+      <p:sp>
+        <p:nvSpPr>
+          <p:cNvPr id="2" name="Title 1">
+            <a:extLst>
+              <a:ext uri="{FF2B5EF4-FFF2-40B4-BE49-F238E27FC236}">
+                <a16:creationId xmlns:a16="http://schemas.microsoft.com/office/drawing/2014/main" id="{471D35F4-C0C2-479D-BCDA-A176B43EF2BA}"/>
+              </a:ext>
+            </a:extLst>
+          </p:cNvPr>
+          <p:cNvSpPr>
+            <a:spLocks noGrp="1"/>
+          </p:cNvSpPr>
+          <p:nvPr>
+            <p:ph type="title"/>
+          </p:nvPr>
+        </p:nvSpPr>
+        <p:spPr/>
+        <p:txBody>
+          <a:bodyPr/>
+          <a:lstStyle/>
+          <a:p>
+            <a:endParaRPr lang="en-US"/>
+          </a:p>
+        </p:txBody>
+      </p:sp>
+      <p:sp>
+        <p:nvSpPr>
+          <p:cNvPr id="3" name="Subtitle 2">
+            <a:extLst>
+              <a:ext uri="{FF2B5EF4-FFF2-40B4-BE49-F238E27FC236}">
+                <a16:creationId xmlns:a16="http://schemas.microsoft.com/office/drawing/2014/main" id="{3F6298B1-683B-4AE9-B7D7-5DDF734DD1A0}"/>
+              </a:ext>
+            </a:extLst>
+          </p:cNvPr>
+          <p:cNvSpPr>
+            <a:spLocks noGrp="1"/>
+          </p:cNvSpPr>
+          <p:nvPr>
+            <p:ph type="subTitle" idx="1"/>
+          </p:nvPr>
+        </p:nvSpPr>
+        <p:spPr/>
+        <p:txBody>
+          <a:bodyPr>
+            <a:normAutofit lnSpcReduction="10000"/>
+          </a:bodyPr>
+          <a:lstStyle/>
+          <a:p>
+            <a:endParaRPr lang="en-US"/>
+          </a:p>
+        </p:txBody>
+      </p:sp>
+      <p:sp>
+        <p:nvSpPr>
+          <p:cNvPr id="5" name="Text Placeholder 4">
+            <a:extLst>
+              <a:ext uri="{FF2B5EF4-FFF2-40B4-BE49-F238E27FC236}">
+                <a16:creationId xmlns:a16="http://schemas.microsoft.com/office/drawing/2014/main" id="{FD7C5BDD-156E-4C73-BBFA-F7420CD4A42A}"/>
+              </a:ext>
+            </a:extLst>
+          </p:cNvPr>
+          <p:cNvSpPr>
+            <a:spLocks noGrp="1"/>
+          </p:cNvSpPr>
+          <p:nvPr>
+            <p:ph type="body" sz="half" idx="2"/>
+          </p:nvPr>
+        </p:nvSpPr>
+        <p:spPr/>
+        <p:txBody>
+          <a:bodyPr/>
+          <a:lstStyle/>
+          <a:p>
+            <a:endParaRPr lang="en-US"/>
+          </a:p>
+        </p:txBody>
+      </p:sp>
+      <p:sp>
+        <p:nvSpPr>
+          <p:cNvPr id="6" name="Text Placeholder 5">
+            <a:extLst>
+              <a:ext uri="{FF2B5EF4-FFF2-40B4-BE49-F238E27FC236}">
+                <a16:creationId xmlns:a16="http://schemas.microsoft.com/office/drawing/2014/main" id="{E9D8E972-86A7-48D9-A12F-A3B478806BDB}"/>
+              </a:ext>
+            </a:extLst>
+          </p:cNvPr>
+          <p:cNvSpPr>
+            <a:spLocks noGrp="1"/>
+          </p:cNvSpPr>
+          <p:nvPr>
+            <p:ph type="body" sz="half" idx="10"/>
+          </p:nvPr>
+        </p:nvSpPr>
+        <p:spPr/>
+        <p:txBody>
+          <a:bodyPr/>
+          <a:lstStyle/>
+          <a:p>
+            <a:endParaRPr lang="en-US"/>
+          </a:p>
+        </p:txBody>
+      </p:sp>
+      <p:sp>
+        <p:nvSpPr>
+          <p:cNvPr id="7" name="Text Placeholder 6">
+            <a:extLst>
+              <a:ext uri="{FF2B5EF4-FFF2-40B4-BE49-F238E27FC236}">
+                <a16:creationId xmlns:a16="http://schemas.microsoft.com/office/drawing/2014/main" id="{15C80A99-383E-4D6D-A0D7-2E8FE205BCBE}"/>
+              </a:ext>
+            </a:extLst>
+          </p:cNvPr>
+          <p:cNvSpPr>
+            <a:spLocks noGrp="1"/>
+          </p:cNvSpPr>
+          <p:nvPr>
+            <p:ph type="body" sz="half" idx="11"/>
+          </p:nvPr>
+        </p:nvSpPr>
+        <p:spPr/>
+        <p:txBody>
+          <a:bodyPr/>
+          <a:lstStyle/>
+          <a:p>
+            <a:endParaRPr lang="en-US"/>
+          </a:p>
+        </p:txBody>
+      </p:sp>
     </p:spTree>
     <p:extLst>
       <p:ext uri="{BB962C8B-B14F-4D97-AF65-F5344CB8AC3E}">
@@ -6895,7 +9071,7 @@
 </p:sld>
 </file>
 
-<file path=ppt/slides/slide3.xml><?xml version="1.0" encoding="utf-8"?>
+<file path=ppt/slides/slide4.xml><?xml version="1.0" encoding="utf-8"?>
 <p:sld xmlns:a="http://schemas.openxmlformats.org/drawingml/2006/main" xmlns:r="http://schemas.openxmlformats.org/officeDocument/2006/relationships" xmlns:p="http://schemas.openxmlformats.org/presentationml/2006/main">
   <p:cSld>
     <p:spTree>
@@ -6920,8 +9096,8 @@
         </p:nvSpPr>
         <p:spPr>
           <a:xfrm>
-            <a:off x="156754" y="226423"/>
-            <a:ext cx="3562001" cy="646331"/>
+            <a:off x="1856158" y="295434"/>
+            <a:ext cx="3002745" cy="553998"/>
           </a:xfrm>
           <a:prstGeom prst="rect">
             <a:avLst/>
@@ -6935,7 +9111,7 @@
           <a:lstStyle/>
           <a:p>
             <a:r>
-              <a:rPr lang="en-US" sz="3600" b="1" dirty="0" smtClean="0">
+              <a:rPr lang="en-US" sz="3000" b="1" dirty="0">
                 <a:solidFill>
                   <a:srgbClr val="FF0000"/>
                 </a:solidFill>
@@ -6946,25 +9122,11 @@
                     </a:srgbClr>
                   </a:outerShdw>
                 </a:effectLst>
-                <a:latin typeface="Times New Roman" panose="02020603050405020304" pitchFamily="18" charset="0"/>
+                <a:latin typeface="Segoe UI Black" panose="020B0A02040204020203" pitchFamily="34" charset="0"/>
                 <a:cs typeface="Times New Roman" panose="02020603050405020304" pitchFamily="18" charset="0"/>
               </a:rPr>
               <a:t>1. YARN LÀ GÌ?</a:t>
             </a:r>
-            <a:endParaRPr lang="en-US" sz="3600" b="1" dirty="0">
-              <a:solidFill>
-                <a:srgbClr val="FF0000"/>
-              </a:solidFill>
-              <a:effectLst>
-                <a:outerShdw blurRad="38100" dist="38100" dir="2700000" algn="tl">
-                  <a:srgbClr val="000000">
-                    <a:alpha val="43137"/>
-                  </a:srgbClr>
-                </a:outerShdw>
-              </a:effectLst>
-              <a:latin typeface="Times New Roman" panose="02020603050405020304" pitchFamily="18" charset="0"/>
-              <a:cs typeface="Times New Roman" panose="02020603050405020304" pitchFamily="18" charset="0"/>
-            </a:endParaRPr>
           </a:p>
         </p:txBody>
       </p:sp>
@@ -7017,8 +9179,8 @@
         </p:nvSpPr>
         <p:spPr>
           <a:xfrm>
-            <a:off x="6341660" y="1724297"/>
-            <a:ext cx="5623917" cy="4154984"/>
+            <a:off x="6662737" y="2124267"/>
+            <a:ext cx="5623917" cy="4524315"/>
           </a:xfrm>
           <a:prstGeom prst="rect">
             <a:avLst/>
@@ -7037,19 +9199,15 @@
             </a:pPr>
             <a:r>
               <a:rPr lang="en-US" sz="2400" dirty="0">
-                <a:latin typeface="Times New Roman" panose="02020603050405020304" pitchFamily="18" charset="0"/>
+                <a:latin typeface="Segoe UI Black" panose="020B0A02040204020203" pitchFamily="34" charset="0"/>
                 <a:cs typeface="Times New Roman" panose="02020603050405020304" pitchFamily="18" charset="0"/>
               </a:rPr>
               <a:t>Yarn là một chương trình quản lý các thư viện phụ thuộc JavaScript được sử dụng trong ứng dụng. </a:t>
             </a:r>
-            <a:endParaRPr lang="en-US" sz="2400" dirty="0" smtClean="0">
-              <a:latin typeface="Times New Roman" panose="02020603050405020304" pitchFamily="18" charset="0"/>
-              <a:cs typeface="Times New Roman" panose="02020603050405020304" pitchFamily="18" charset="0"/>
-            </a:endParaRPr>
-          </a:p>
-          <a:p>
-            <a:endParaRPr lang="en-US" sz="2400" dirty="0" smtClean="0">
-              <a:latin typeface="Times New Roman" panose="02020603050405020304" pitchFamily="18" charset="0"/>
+          </a:p>
+          <a:p>
+            <a:endParaRPr lang="en-US" sz="2400" dirty="0">
+              <a:latin typeface="Segoe UI Black" panose="020B0A02040204020203" pitchFamily="34" charset="0"/>
               <a:cs typeface="Times New Roman" panose="02020603050405020304" pitchFamily="18" charset="0"/>
             </a:endParaRPr>
           </a:p>
@@ -7059,23 +9217,16 @@
               <a:buChar char="Ø"/>
             </a:pPr>
             <a:r>
-              <a:rPr lang="en-US" sz="2400" dirty="0" smtClean="0">
-                <a:latin typeface="Times New Roman" panose="02020603050405020304" pitchFamily="18" charset="0"/>
+              <a:rPr lang="en-US" sz="2400" dirty="0">
+                <a:latin typeface="Segoe UI Black" panose="020B0A02040204020203" pitchFamily="34" charset="0"/>
                 <a:cs typeface="Times New Roman" panose="02020603050405020304" pitchFamily="18" charset="0"/>
               </a:rPr>
-              <a:t>Yarn </a:t>
-            </a:r>
-            <a:r>
-              <a:rPr lang="en-US" sz="2400" dirty="0">
-                <a:latin typeface="Times New Roman" panose="02020603050405020304" pitchFamily="18" charset="0"/>
-                <a:cs typeface="Times New Roman" panose="02020603050405020304" pitchFamily="18" charset="0"/>
-              </a:rPr>
-              <a:t>cho phép việc khai báo các thư viện nào sẽ được dùng trong ứng dụng cũng như việc quản lý các thư viện này, về các thông tin như phiên bản sử dụng, thêm hoặc xoá bỏ thư viện... được tiến hành một cách dễ dàng.</a:t>
+              <a:t>Yarn cho phép việc khai báo các thư viện nào sẽ được dùng trong ứng dụng cũng như việc quản lý các thư viện này, về các thông tin như phiên bản sử dụng, thêm hoặc xoá bỏ thư viện... được tiến hành một cách dễ dàng.</a:t>
             </a:r>
           </a:p>
           <a:p>
             <a:endParaRPr lang="en-US" sz="2400" dirty="0">
-              <a:latin typeface="Times New Roman" panose="02020603050405020304" pitchFamily="18" charset="0"/>
+              <a:latin typeface="Segoe UI Black" panose="020B0A02040204020203" pitchFamily="34" charset="0"/>
               <a:cs typeface="Times New Roman" panose="02020603050405020304" pitchFamily="18" charset="0"/>
             </a:endParaRPr>
           </a:p>
@@ -7234,7 +9385,7 @@
 </p:sld>
 </file>
 
-<file path=ppt/slides/slide4.xml><?xml version="1.0" encoding="utf-8"?>
+<file path=ppt/slides/slide5.xml><?xml version="1.0" encoding="utf-8"?>
 <p:sld xmlns:a="http://schemas.openxmlformats.org/drawingml/2006/main" xmlns:r="http://schemas.openxmlformats.org/officeDocument/2006/relationships" xmlns:p="http://schemas.openxmlformats.org/presentationml/2006/main">
   <p:cSld>
     <p:spTree>
@@ -7259,8 +9410,8 @@
         </p:nvSpPr>
         <p:spPr>
           <a:xfrm>
-            <a:off x="156754" y="226423"/>
-            <a:ext cx="4400051" cy="646331"/>
+            <a:off x="2096366" y="355819"/>
+            <a:ext cx="3818674" cy="553998"/>
           </a:xfrm>
           <a:prstGeom prst="rect">
             <a:avLst/>
@@ -7274,7 +9425,7 @@
           <a:lstStyle/>
           <a:p>
             <a:r>
-              <a:rPr lang="en-US" sz="3600" b="1" dirty="0">
+              <a:rPr lang="en-US" sz="3000" b="1" dirty="0">
                 <a:solidFill>
                   <a:srgbClr val="FF0000"/>
                 </a:solidFill>
@@ -7285,42 +9436,11 @@
                     </a:srgbClr>
                   </a:outerShdw>
                 </a:effectLst>
-                <a:latin typeface="Times New Roman" panose="02020603050405020304" pitchFamily="18" charset="0"/>
+                <a:latin typeface="Segoe UI Black" panose="020B0A02040204020203" pitchFamily="34" charset="0"/>
                 <a:cs typeface="Times New Roman" panose="02020603050405020304" pitchFamily="18" charset="0"/>
               </a:rPr>
-              <a:t>2</a:t>
-            </a:r>
-            <a:r>
-              <a:rPr lang="en-US" sz="3600" b="1" dirty="0" smtClean="0">
-                <a:solidFill>
-                  <a:srgbClr val="FF0000"/>
-                </a:solidFill>
-                <a:effectLst>
-                  <a:outerShdw blurRad="38100" dist="38100" dir="2700000" algn="tl">
-                    <a:srgbClr val="000000">
-                      <a:alpha val="43137"/>
-                    </a:srgbClr>
-                  </a:outerShdw>
-                </a:effectLst>
-                <a:latin typeface="Times New Roman" panose="02020603050405020304" pitchFamily="18" charset="0"/>
-                <a:cs typeface="Times New Roman" panose="02020603050405020304" pitchFamily="18" charset="0"/>
-              </a:rPr>
-              <a:t>. KHỞI TẠO YARN</a:t>
-            </a:r>
-            <a:endParaRPr lang="en-US" sz="3600" b="1" dirty="0">
-              <a:solidFill>
-                <a:srgbClr val="FF0000"/>
-              </a:solidFill>
-              <a:effectLst>
-                <a:outerShdw blurRad="38100" dist="38100" dir="2700000" algn="tl">
-                  <a:srgbClr val="000000">
-                    <a:alpha val="43137"/>
-                  </a:srgbClr>
-                </a:outerShdw>
-              </a:effectLst>
-              <a:latin typeface="Times New Roman" panose="02020603050405020304" pitchFamily="18" charset="0"/>
-              <a:cs typeface="Times New Roman" panose="02020603050405020304" pitchFamily="18" charset="0"/>
-            </a:endParaRPr>
+              <a:t>2. KHỞI TẠO YARN</a:t>
+            </a:r>
           </a:p>
         </p:txBody>
       </p:sp>
@@ -7332,8 +9452,8 @@
         </p:nvSpPr>
         <p:spPr>
           <a:xfrm>
-            <a:off x="156754" y="1815163"/>
-            <a:ext cx="5623917" cy="2677656"/>
+            <a:off x="2096366" y="2289219"/>
+            <a:ext cx="3908739" cy="3785652"/>
           </a:xfrm>
           <a:prstGeom prst="rect">
             <a:avLst/>
@@ -7351,16 +9471,16 @@
               <a:buChar char="Ø"/>
             </a:pPr>
             <a:r>
-              <a:rPr lang="en-US" sz="2400" dirty="0" smtClean="0">
-                <a:latin typeface="Times New Roman" panose="02020603050405020304" pitchFamily="18" charset="0"/>
+              <a:rPr lang="en-US" sz="2400" dirty="0">
+                <a:latin typeface="Segoe UI Black" panose="020B0A02040204020203" pitchFamily="34" charset="0"/>
                 <a:cs typeface="Times New Roman" panose="02020603050405020304" pitchFamily="18" charset="0"/>
               </a:rPr>
               <a:t>Khởi động cmd (Command Prompt)</a:t>
             </a:r>
           </a:p>
           <a:p>
-            <a:endParaRPr lang="en-US" sz="2400" dirty="0" smtClean="0">
-              <a:latin typeface="Times New Roman" panose="02020603050405020304" pitchFamily="18" charset="0"/>
+            <a:endParaRPr lang="en-US" sz="2400" dirty="0">
+              <a:latin typeface="Segoe UI Black" panose="020B0A02040204020203" pitchFamily="34" charset="0"/>
               <a:cs typeface="Times New Roman" panose="02020603050405020304" pitchFamily="18" charset="0"/>
             </a:endParaRPr>
           </a:p>
@@ -7370,8 +9490,8 @@
               <a:buChar char="Ø"/>
             </a:pPr>
             <a:r>
-              <a:rPr lang="en-US" sz="2400" dirty="0" smtClean="0">
-                <a:latin typeface="Times New Roman" panose="02020603050405020304" pitchFamily="18" charset="0"/>
+              <a:rPr lang="en-US" sz="2400" dirty="0">
+                <a:latin typeface="Segoe UI Black" panose="020B0A02040204020203" pitchFamily="34" charset="0"/>
                 <a:cs typeface="Times New Roman" panose="02020603050405020304" pitchFamily="18" charset="0"/>
               </a:rPr>
               <a:t>Nhập lệnh “yarn init”</a:t>
@@ -7383,7 +9503,7 @@
               <a:buChar char="Ø"/>
             </a:pPr>
             <a:endParaRPr lang="en-US" sz="2400" dirty="0">
-              <a:latin typeface="Times New Roman" panose="02020603050405020304" pitchFamily="18" charset="0"/>
+              <a:latin typeface="Segoe UI Black" panose="020B0A02040204020203" pitchFamily="34" charset="0"/>
               <a:cs typeface="Times New Roman" panose="02020603050405020304" pitchFamily="18" charset="0"/>
             </a:endParaRPr>
           </a:p>
@@ -7393,20 +9513,16 @@
               <a:buChar char="Ø"/>
             </a:pPr>
             <a:r>
-              <a:rPr lang="en-US" sz="2400" dirty="0" smtClean="0">
-                <a:latin typeface="Times New Roman" panose="02020603050405020304" pitchFamily="18" charset="0"/>
+              <a:rPr lang="en-US" sz="2400" dirty="0">
+                <a:latin typeface="Segoe UI Black" panose="020B0A02040204020203" pitchFamily="34" charset="0"/>
                 <a:cs typeface="Times New Roman" panose="02020603050405020304" pitchFamily="18" charset="0"/>
               </a:rPr>
               <a:t>Nhập các thông tin muốn thay đổi hoặc Enter để khởi tạo mặc định</a:t>
             </a:r>
+          </a:p>
+          <a:p>
             <a:endParaRPr lang="en-US" sz="2400" dirty="0">
-              <a:latin typeface="Times New Roman" panose="02020603050405020304" pitchFamily="18" charset="0"/>
-              <a:cs typeface="Times New Roman" panose="02020603050405020304" pitchFamily="18" charset="0"/>
-            </a:endParaRPr>
-          </a:p>
-          <a:p>
-            <a:endParaRPr lang="en-US" sz="2400" dirty="0">
-              <a:latin typeface="Times New Roman" panose="02020603050405020304" pitchFamily="18" charset="0"/>
+              <a:latin typeface="Segoe UI Black" panose="020B0A02040204020203" pitchFamily="34" charset="0"/>
               <a:cs typeface="Times New Roman" panose="02020603050405020304" pitchFamily="18" charset="0"/>
             </a:endParaRPr>
           </a:p>
@@ -7428,7 +9544,7 @@
         </p:blipFill>
         <p:spPr>
           <a:xfrm>
-            <a:off x="5780671" y="872754"/>
+            <a:off x="6186896" y="2211581"/>
             <a:ext cx="5848350" cy="4562475"/>
           </a:xfrm>
           <a:prstGeom prst="rect">
@@ -7711,7 +9827,7 @@
 </p:sld>
 </file>
 
-<file path=ppt/slides/slide5.xml><?xml version="1.0" encoding="utf-8"?>
+<file path=ppt/slides/slide6.xml><?xml version="1.0" encoding="utf-8"?>
 <p:sld xmlns:a="http://schemas.openxmlformats.org/drawingml/2006/main" xmlns:r="http://schemas.openxmlformats.org/officeDocument/2006/relationships" xmlns:p="http://schemas.openxmlformats.org/presentationml/2006/main">
   <p:cSld>
     <p:spTree>
@@ -7736,8 +9852,8 @@
         </p:nvSpPr>
         <p:spPr>
           <a:xfrm>
-            <a:off x="156754" y="226423"/>
-            <a:ext cx="4400051" cy="646331"/>
+            <a:off x="2027941" y="545601"/>
+            <a:ext cx="3818674" cy="553998"/>
           </a:xfrm>
           <a:prstGeom prst="rect">
             <a:avLst/>
@@ -7751,7 +9867,7 @@
           <a:lstStyle/>
           <a:p>
             <a:r>
-              <a:rPr lang="en-US" sz="3600" b="1" dirty="0">
+              <a:rPr lang="en-US" sz="3000" b="1" dirty="0">
                 <a:solidFill>
                   <a:srgbClr val="FF0000"/>
                 </a:solidFill>
@@ -7762,42 +9878,11 @@
                     </a:srgbClr>
                   </a:outerShdw>
                 </a:effectLst>
-                <a:latin typeface="Times New Roman" panose="02020603050405020304" pitchFamily="18" charset="0"/>
+                <a:latin typeface="Segoe UI Black" panose="020B0A02040204020203" pitchFamily="34" charset="0"/>
                 <a:cs typeface="Times New Roman" panose="02020603050405020304" pitchFamily="18" charset="0"/>
               </a:rPr>
-              <a:t>2</a:t>
-            </a:r>
-            <a:r>
-              <a:rPr lang="en-US" sz="3600" b="1" dirty="0" smtClean="0">
-                <a:solidFill>
-                  <a:srgbClr val="FF0000"/>
-                </a:solidFill>
-                <a:effectLst>
-                  <a:outerShdw blurRad="38100" dist="38100" dir="2700000" algn="tl">
-                    <a:srgbClr val="000000">
-                      <a:alpha val="43137"/>
-                    </a:srgbClr>
-                  </a:outerShdw>
-                </a:effectLst>
-                <a:latin typeface="Times New Roman" panose="02020603050405020304" pitchFamily="18" charset="0"/>
-                <a:cs typeface="Times New Roman" panose="02020603050405020304" pitchFamily="18" charset="0"/>
-              </a:rPr>
-              <a:t>. KHỞI TẠO YARN</a:t>
-            </a:r>
-            <a:endParaRPr lang="en-US" sz="3600" b="1" dirty="0">
-              <a:solidFill>
-                <a:srgbClr val="FF0000"/>
-              </a:solidFill>
-              <a:effectLst>
-                <a:outerShdw blurRad="38100" dist="38100" dir="2700000" algn="tl">
-                  <a:srgbClr val="000000">
-                    <a:alpha val="43137"/>
-                  </a:srgbClr>
-                </a:outerShdw>
-              </a:effectLst>
-              <a:latin typeface="Times New Roman" panose="02020603050405020304" pitchFamily="18" charset="0"/>
-              <a:cs typeface="Times New Roman" panose="02020603050405020304" pitchFamily="18" charset="0"/>
-            </a:endParaRPr>
+              <a:t>2. KHỞI TẠO YARN</a:t>
+            </a:r>
           </a:p>
         </p:txBody>
       </p:sp>
@@ -7809,7 +9894,7 @@
         </p:nvSpPr>
         <p:spPr>
           <a:xfrm>
-            <a:off x="43866" y="2607644"/>
+            <a:off x="2027941" y="2685282"/>
             <a:ext cx="5623917" cy="830997"/>
           </a:xfrm>
           <a:prstGeom prst="rect">
@@ -7828,20 +9913,16 @@
               <a:buChar char="Ø"/>
             </a:pPr>
             <a:r>
-              <a:rPr lang="en-US" sz="2400" dirty="0" smtClean="0">
-                <a:latin typeface="Times New Roman" panose="02020603050405020304" pitchFamily="18" charset="0"/>
+              <a:rPr lang="en-US" sz="2400" dirty="0">
+                <a:latin typeface="Segoe UI Black" panose="020B0A02040204020203" pitchFamily="34" charset="0"/>
                 <a:cs typeface="Times New Roman" panose="02020603050405020304" pitchFamily="18" charset="0"/>
               </a:rPr>
               <a:t>File package.json được khởi tạo.</a:t>
             </a:r>
+          </a:p>
+          <a:p>
             <a:endParaRPr lang="en-US" sz="2400" dirty="0">
-              <a:latin typeface="Times New Roman" panose="02020603050405020304" pitchFamily="18" charset="0"/>
-              <a:cs typeface="Times New Roman" panose="02020603050405020304" pitchFamily="18" charset="0"/>
-            </a:endParaRPr>
-          </a:p>
-          <a:p>
-            <a:endParaRPr lang="en-US" sz="2400" dirty="0">
-              <a:latin typeface="Times New Roman" panose="02020603050405020304" pitchFamily="18" charset="0"/>
+              <a:latin typeface="Segoe UI Black" panose="020B0A02040204020203" pitchFamily="34" charset="0"/>
               <a:cs typeface="Times New Roman" panose="02020603050405020304" pitchFamily="18" charset="0"/>
             </a:endParaRPr>
           </a:p>
@@ -7863,7 +9944,7 @@
         </p:blipFill>
         <p:spPr>
           <a:xfrm>
-            <a:off x="5667783" y="1317035"/>
+            <a:off x="6524219" y="2490227"/>
             <a:ext cx="5419725" cy="4067175"/>
           </a:xfrm>
           <a:prstGeom prst="rect">
@@ -8023,7 +10104,7 @@
 </p:sld>
 </file>
 
-<file path=ppt/slides/slide6.xml><?xml version="1.0" encoding="utf-8"?>
+<file path=ppt/slides/slide7.xml><?xml version="1.0" encoding="utf-8"?>
 <p:sld xmlns:a="http://schemas.openxmlformats.org/drawingml/2006/main" xmlns:r="http://schemas.openxmlformats.org/officeDocument/2006/relationships" xmlns:p="http://schemas.openxmlformats.org/presentationml/2006/main">
   <p:cSld>
     <p:spTree>
@@ -8048,8 +10129,8 @@
         </p:nvSpPr>
         <p:spPr>
           <a:xfrm>
-            <a:off x="156754" y="226423"/>
-            <a:ext cx="4778552" cy="646331"/>
+            <a:off x="2057123" y="554226"/>
+            <a:ext cx="4509568" cy="553998"/>
           </a:xfrm>
           <a:prstGeom prst="rect">
             <a:avLst/>
@@ -8063,7 +10144,7 @@
           <a:lstStyle/>
           <a:p>
             <a:r>
-              <a:rPr lang="en-US" sz="3600" b="1" dirty="0" smtClean="0">
+              <a:rPr lang="en-US" sz="3000" b="1" dirty="0">
                 <a:solidFill>
                   <a:srgbClr val="FF0000"/>
                 </a:solidFill>
@@ -8074,25 +10155,11 @@
                     </a:srgbClr>
                   </a:outerShdw>
                 </a:effectLst>
-                <a:latin typeface="Times New Roman" panose="02020603050405020304" pitchFamily="18" charset="0"/>
+                <a:latin typeface="Segoe UI Black" panose="020B0A02040204020203" pitchFamily="34" charset="0"/>
                 <a:cs typeface="Times New Roman" panose="02020603050405020304" pitchFamily="18" charset="0"/>
               </a:rPr>
               <a:t>3. Thêm 1 Package mới</a:t>
             </a:r>
-            <a:endParaRPr lang="en-US" sz="3600" b="1" dirty="0">
-              <a:solidFill>
-                <a:srgbClr val="FF0000"/>
-              </a:solidFill>
-              <a:effectLst>
-                <a:outerShdw blurRad="38100" dist="38100" dir="2700000" algn="tl">
-                  <a:srgbClr val="000000">
-                    <a:alpha val="43137"/>
-                  </a:srgbClr>
-                </a:outerShdw>
-              </a:effectLst>
-              <a:latin typeface="Times New Roman" panose="02020603050405020304" pitchFamily="18" charset="0"/>
-              <a:cs typeface="Times New Roman" panose="02020603050405020304" pitchFamily="18" charset="0"/>
-            </a:endParaRPr>
           </a:p>
         </p:txBody>
       </p:sp>
@@ -8104,7 +10171,7 @@
         </p:nvSpPr>
         <p:spPr>
           <a:xfrm>
-            <a:off x="156755" y="1127186"/>
+            <a:off x="2057123" y="1959594"/>
             <a:ext cx="5756366" cy="4647426"/>
           </a:xfrm>
           <a:prstGeom prst="rect">
@@ -8119,16 +10186,16 @@
           <a:lstStyle/>
           <a:p>
             <a:r>
-              <a:rPr lang="en-US" sz="2400" dirty="0" smtClean="0">
-                <a:latin typeface="Times New Roman" panose="02020603050405020304" pitchFamily="18" charset="0"/>
+              <a:rPr lang="en-US" sz="2400" dirty="0">
+                <a:latin typeface="Segoe UI Black" panose="020B0A02040204020203" pitchFamily="34" charset="0"/>
                 <a:cs typeface="Times New Roman" panose="02020603050405020304" pitchFamily="18" charset="0"/>
               </a:rPr>
               <a:t>Các lệnh sử dụng để thêm package:</a:t>
             </a:r>
           </a:p>
           <a:p>
-            <a:endParaRPr lang="en-US" sz="2400" dirty="0" smtClean="0">
-              <a:latin typeface="Times New Roman" panose="02020603050405020304" pitchFamily="18" charset="0"/>
+            <a:endParaRPr lang="en-US" sz="2400" dirty="0">
+              <a:latin typeface="Segoe UI Black" panose="020B0A02040204020203" pitchFamily="34" charset="0"/>
               <a:cs typeface="Times New Roman" panose="02020603050405020304" pitchFamily="18" charset="0"/>
             </a:endParaRPr>
           </a:p>
@@ -8138,18 +10205,11 @@
               <a:buChar char="Ø"/>
             </a:pPr>
             <a:r>
-              <a:rPr lang="en-US" sz="2400" dirty="0" smtClean="0">
-                <a:latin typeface="Times New Roman" panose="02020603050405020304" pitchFamily="18" charset="0"/>
+              <a:rPr lang="en-US" sz="2400" dirty="0">
+                <a:latin typeface="Segoe UI Black" panose="020B0A02040204020203" pitchFamily="34" charset="0"/>
                 <a:cs typeface="Times New Roman" panose="02020603050405020304" pitchFamily="18" charset="0"/>
               </a:rPr>
-              <a:t>yarn </a:t>
-            </a:r>
-            <a:r>
-              <a:rPr lang="en-US" sz="2400" dirty="0">
-                <a:latin typeface="Times New Roman" panose="02020603050405020304" pitchFamily="18" charset="0"/>
-                <a:cs typeface="Times New Roman" panose="02020603050405020304" pitchFamily="18" charset="0"/>
-              </a:rPr>
-              <a:t>add [package] </a:t>
+              <a:t>yarn add [package] </a:t>
             </a:r>
           </a:p>
           <a:p>
@@ -8159,7 +10219,7 @@
             </a:pPr>
             <a:r>
               <a:rPr lang="en-US" sz="2400" dirty="0">
-                <a:latin typeface="Times New Roman" panose="02020603050405020304" pitchFamily="18" charset="0"/>
+                <a:latin typeface="Segoe UI Black" panose="020B0A02040204020203" pitchFamily="34" charset="0"/>
                 <a:cs typeface="Times New Roman" panose="02020603050405020304" pitchFamily="18" charset="0"/>
               </a:rPr>
               <a:t>yarn add [package]@[version] </a:t>
@@ -8172,70 +10232,56 @@
             </a:pPr>
             <a:r>
               <a:rPr lang="en-US" sz="2400" dirty="0">
-                <a:latin typeface="Times New Roman" panose="02020603050405020304" pitchFamily="18" charset="0"/>
+                <a:latin typeface="Segoe UI Black" panose="020B0A02040204020203" pitchFamily="34" charset="0"/>
                 <a:cs typeface="Times New Roman" panose="02020603050405020304" pitchFamily="18" charset="0"/>
               </a:rPr>
-              <a:t>yarn add [package]@[tag</a:t>
-            </a:r>
-            <a:r>
-              <a:rPr lang="en-US" sz="2400" dirty="0" smtClean="0">
-                <a:latin typeface="Times New Roman" panose="02020603050405020304" pitchFamily="18" charset="0"/>
+              <a:t>yarn add [package]@[tag]</a:t>
+            </a:r>
+          </a:p>
+          <a:p>
+            <a:endParaRPr lang="en-US" sz="2400" dirty="0">
+              <a:latin typeface="Segoe UI Black" panose="020B0A02040204020203" pitchFamily="34" charset="0"/>
+              <a:cs typeface="Times New Roman" panose="02020603050405020304" pitchFamily="18" charset="0"/>
+            </a:endParaRPr>
+          </a:p>
+          <a:p>
+            <a:r>
+              <a:rPr lang="en-US" sz="2400" i="1" dirty="0">
+                <a:latin typeface="Segoe UI Black" panose="020B0A02040204020203" pitchFamily="34" charset="0"/>
                 <a:cs typeface="Times New Roman" panose="02020603050405020304" pitchFamily="18" charset="0"/>
               </a:rPr>
-              <a:t>]</a:t>
-            </a:r>
-          </a:p>
-          <a:p>
-            <a:endParaRPr lang="en-US" sz="2400" dirty="0">
-              <a:latin typeface="Times New Roman" panose="02020603050405020304" pitchFamily="18" charset="0"/>
+              <a:t>Trong đó [package], [version] và [tag] lần lượt là tên package, phiên bản và thẻ của package.</a:t>
+            </a:r>
+          </a:p>
+          <a:p>
+            <a:endParaRPr lang="en-US" sz="2400" i="1" dirty="0">
+              <a:latin typeface="Segoe UI Black" panose="020B0A02040204020203" pitchFamily="34" charset="0"/>
               <a:cs typeface="Times New Roman" panose="02020603050405020304" pitchFamily="18" charset="0"/>
             </a:endParaRPr>
           </a:p>
           <a:p>
             <a:r>
               <a:rPr lang="en-US" sz="2400" i="1" dirty="0">
-                <a:latin typeface="Times New Roman" panose="02020603050405020304" pitchFamily="18" charset="0"/>
-                <a:cs typeface="Times New Roman" panose="02020603050405020304" pitchFamily="18" charset="0"/>
-              </a:rPr>
-              <a:t>Trong đó [package], [version] và [tag] lần lượt là tên package, phiên bản và thẻ của package</a:t>
-            </a:r>
-            <a:r>
-              <a:rPr lang="en-US" sz="2400" i="1" dirty="0" smtClean="0">
-                <a:latin typeface="Times New Roman" panose="02020603050405020304" pitchFamily="18" charset="0"/>
-                <a:cs typeface="Times New Roman" panose="02020603050405020304" pitchFamily="18" charset="0"/>
-              </a:rPr>
-              <a:t>.</a:t>
-            </a:r>
-          </a:p>
-          <a:p>
-            <a:endParaRPr lang="en-US" sz="2400" i="1" dirty="0">
-              <a:latin typeface="Times New Roman" panose="02020603050405020304" pitchFamily="18" charset="0"/>
-              <a:cs typeface="Times New Roman" panose="02020603050405020304" pitchFamily="18" charset="0"/>
-            </a:endParaRPr>
-          </a:p>
-          <a:p>
-            <a:r>
-              <a:rPr lang="en-US" sz="2400" i="1" dirty="0" smtClean="0">
-                <a:latin typeface="Times New Roman" panose="02020603050405020304" pitchFamily="18" charset="0"/>
+                <a:latin typeface="Segoe UI Black" panose="020B0A02040204020203" pitchFamily="34" charset="0"/>
                 <a:cs typeface="Times New Roman" panose="02020603050405020304" pitchFamily="18" charset="0"/>
               </a:rPr>
               <a:t>Ví dụ: </a:t>
             </a:r>
             <a:r>
               <a:rPr lang="en-US" sz="2400" dirty="0">
-                <a:latin typeface="Times New Roman" panose="02020603050405020304" pitchFamily="18" charset="0"/>
+                <a:latin typeface="Segoe UI Black" panose="020B0A02040204020203" pitchFamily="34" charset="0"/>
                 <a:cs typeface="Times New Roman" panose="02020603050405020304" pitchFamily="18" charset="0"/>
               </a:rPr>
               <a:t>yarn add expo-cli</a:t>
             </a:r>
             <a:endParaRPr lang="en-US" sz="2400" i="1" dirty="0">
-              <a:latin typeface="Times New Roman" panose="02020603050405020304" pitchFamily="18" charset="0"/>
+              <a:latin typeface="Segoe UI Black" panose="020B0A02040204020203" pitchFamily="34" charset="0"/>
               <a:cs typeface="Times New Roman" panose="02020603050405020304" pitchFamily="18" charset="0"/>
             </a:endParaRPr>
           </a:p>
           <a:p>
             <a:endParaRPr lang="en-US" sz="3200" dirty="0">
-              <a:latin typeface="Times New Roman" panose="02020603050405020304" pitchFamily="18" charset="0"/>
+              <a:latin typeface="Segoe UI Black" panose="020B0A02040204020203" pitchFamily="34" charset="0"/>
               <a:cs typeface="Times New Roman" panose="02020603050405020304" pitchFamily="18" charset="0"/>
             </a:endParaRPr>
           </a:p>
@@ -8257,7 +10303,7 @@
         </p:blipFill>
         <p:spPr>
           <a:xfrm>
-            <a:off x="6138046" y="985293"/>
+            <a:off x="6396838" y="2520795"/>
             <a:ext cx="5419725" cy="4086225"/>
           </a:xfrm>
           <a:prstGeom prst="rect">
@@ -8288,16 +10334,12 @@
           <a:lstStyle/>
           <a:p>
             <a:r>
-              <a:rPr lang="en-US" sz="2000" dirty="0" smtClean="0">
-                <a:latin typeface="Times New Roman" panose="02020603050405020304" pitchFamily="18" charset="0"/>
+              <a:rPr lang="en-US" sz="2000" dirty="0">
+                <a:latin typeface="Segoe UI Black" panose="020B0A02040204020203" pitchFamily="34" charset="0"/>
                 <a:cs typeface="Times New Roman" panose="02020603050405020304" pitchFamily="18" charset="0"/>
               </a:rPr>
               <a:t>File package sau khi thêm</a:t>
             </a:r>
-            <a:endParaRPr lang="en-US" sz="2000" dirty="0">
-              <a:latin typeface="Times New Roman" panose="02020603050405020304" pitchFamily="18" charset="0"/>
-              <a:cs typeface="Times New Roman" panose="02020603050405020304" pitchFamily="18" charset="0"/>
-            </a:endParaRPr>
           </a:p>
         </p:txBody>
       </p:sp>
@@ -8561,7 +10603,7 @@
 </p:sld>
 </file>
 
-<file path=ppt/slides/slide7.xml><?xml version="1.0" encoding="utf-8"?>
+<file path=ppt/slides/slide8.xml><?xml version="1.0" encoding="utf-8"?>
 <p:sld xmlns:a="http://schemas.openxmlformats.org/drawingml/2006/main" xmlns:r="http://schemas.openxmlformats.org/officeDocument/2006/relationships" xmlns:p="http://schemas.openxmlformats.org/presentationml/2006/main">
   <p:cSld>
     <p:spTree>
@@ -8586,8 +10628,8 @@
         </p:nvSpPr>
         <p:spPr>
           <a:xfrm>
-            <a:off x="156754" y="226423"/>
-            <a:ext cx="4095993" cy="646331"/>
+            <a:off x="2140830" y="426177"/>
+            <a:ext cx="3946914" cy="553998"/>
           </a:xfrm>
           <a:prstGeom prst="rect">
             <a:avLst/>
@@ -8601,7 +10643,7 @@
           <a:lstStyle/>
           <a:p>
             <a:r>
-              <a:rPr lang="en-US" sz="3600" b="1" dirty="0">
+              <a:rPr lang="en-US" sz="3000" b="1" dirty="0">
                 <a:solidFill>
                   <a:srgbClr val="FF0000"/>
                 </a:solidFill>
@@ -8612,42 +10654,11 @@
                     </a:srgbClr>
                   </a:outerShdw>
                 </a:effectLst>
-                <a:latin typeface="Times New Roman" panose="02020603050405020304" pitchFamily="18" charset="0"/>
+                <a:latin typeface="Segoe UI Black" panose="020B0A02040204020203" pitchFamily="34" charset="0"/>
                 <a:cs typeface="Times New Roman" panose="02020603050405020304" pitchFamily="18" charset="0"/>
               </a:rPr>
-              <a:t>4</a:t>
-            </a:r>
-            <a:r>
-              <a:rPr lang="en-US" sz="3600" b="1" dirty="0" smtClean="0">
-                <a:solidFill>
-                  <a:srgbClr val="FF0000"/>
-                </a:solidFill>
-                <a:effectLst>
-                  <a:outerShdw blurRad="38100" dist="38100" dir="2700000" algn="tl">
-                    <a:srgbClr val="000000">
-                      <a:alpha val="43137"/>
-                    </a:srgbClr>
-                  </a:outerShdw>
-                </a:effectLst>
-                <a:latin typeface="Times New Roman" panose="02020603050405020304" pitchFamily="18" charset="0"/>
-                <a:cs typeface="Times New Roman" panose="02020603050405020304" pitchFamily="18" charset="0"/>
-              </a:rPr>
-              <a:t>. Upgrade package</a:t>
-            </a:r>
-            <a:endParaRPr lang="en-US" sz="3600" b="1" dirty="0">
-              <a:solidFill>
-                <a:srgbClr val="FF0000"/>
-              </a:solidFill>
-              <a:effectLst>
-                <a:outerShdw blurRad="38100" dist="38100" dir="2700000" algn="tl">
-                  <a:srgbClr val="000000">
-                    <a:alpha val="43137"/>
-                  </a:srgbClr>
-                </a:outerShdw>
-              </a:effectLst>
-              <a:latin typeface="Times New Roman" panose="02020603050405020304" pitchFamily="18" charset="0"/>
-              <a:cs typeface="Times New Roman" panose="02020603050405020304" pitchFamily="18" charset="0"/>
-            </a:endParaRPr>
+              <a:t>4. Upgrade package</a:t>
+            </a:r>
           </a:p>
         </p:txBody>
       </p:sp>
@@ -8659,7 +10670,7 @@
         </p:nvSpPr>
         <p:spPr>
           <a:xfrm>
-            <a:off x="156754" y="1127186"/>
+            <a:off x="2140830" y="2153729"/>
             <a:ext cx="11312435" cy="4278094"/>
           </a:xfrm>
           <a:prstGeom prst="rect">
@@ -8674,16 +10685,16 @@
           <a:lstStyle/>
           <a:p>
             <a:r>
-              <a:rPr lang="en-US" sz="2400" dirty="0" smtClean="0">
-                <a:latin typeface="Times New Roman" panose="02020603050405020304" pitchFamily="18" charset="0"/>
+              <a:rPr lang="en-US" sz="2400" dirty="0">
+                <a:latin typeface="Segoe UI Black" panose="020B0A02040204020203" pitchFamily="34" charset="0"/>
                 <a:cs typeface="Times New Roman" panose="02020603050405020304" pitchFamily="18" charset="0"/>
               </a:rPr>
               <a:t>Các lệnh sử dụng để upgrade package:</a:t>
             </a:r>
           </a:p>
           <a:p>
-            <a:endParaRPr lang="en-US" sz="2400" dirty="0" smtClean="0">
-              <a:latin typeface="Times New Roman" panose="02020603050405020304" pitchFamily="18" charset="0"/>
+            <a:endParaRPr lang="en-US" sz="2400" dirty="0">
+              <a:latin typeface="Segoe UI Black" panose="020B0A02040204020203" pitchFamily="34" charset="0"/>
               <a:cs typeface="Times New Roman" panose="02020603050405020304" pitchFamily="18" charset="0"/>
             </a:endParaRPr>
           </a:p>
@@ -8693,18 +10704,11 @@
               <a:buChar char="Ø"/>
             </a:pPr>
             <a:r>
-              <a:rPr lang="en-US" sz="2400" dirty="0" smtClean="0">
-                <a:latin typeface="Times New Roman" panose="02020603050405020304" pitchFamily="18" charset="0"/>
+              <a:rPr lang="en-US" sz="2400" dirty="0">
+                <a:latin typeface="Segoe UI Black" panose="020B0A02040204020203" pitchFamily="34" charset="0"/>
                 <a:cs typeface="Times New Roman" panose="02020603050405020304" pitchFamily="18" charset="0"/>
               </a:rPr>
-              <a:t>yarn upgrade </a:t>
-            </a:r>
-            <a:r>
-              <a:rPr lang="en-US" sz="2400" dirty="0">
-                <a:latin typeface="Times New Roman" panose="02020603050405020304" pitchFamily="18" charset="0"/>
-                <a:cs typeface="Times New Roman" panose="02020603050405020304" pitchFamily="18" charset="0"/>
-              </a:rPr>
-              <a:t>[package] </a:t>
+              <a:t>yarn upgrade [package] </a:t>
             </a:r>
           </a:p>
           <a:p>
@@ -8714,24 +10718,10 @@
             </a:pPr>
             <a:r>
               <a:rPr lang="en-US" sz="2400" dirty="0">
-                <a:latin typeface="Times New Roman" panose="02020603050405020304" pitchFamily="18" charset="0"/>
+                <a:latin typeface="Segoe UI Black" panose="020B0A02040204020203" pitchFamily="34" charset="0"/>
                 <a:cs typeface="Times New Roman" panose="02020603050405020304" pitchFamily="18" charset="0"/>
               </a:rPr>
-              <a:t>yarn </a:t>
-            </a:r>
-            <a:r>
-              <a:rPr lang="en-US" sz="2400" dirty="0" smtClean="0">
-                <a:latin typeface="Times New Roman" panose="02020603050405020304" pitchFamily="18" charset="0"/>
-                <a:cs typeface="Times New Roman" panose="02020603050405020304" pitchFamily="18" charset="0"/>
-              </a:rPr>
-              <a:t>upgrade </a:t>
-            </a:r>
-            <a:r>
-              <a:rPr lang="en-US" sz="2400" dirty="0">
-                <a:latin typeface="Times New Roman" panose="02020603050405020304" pitchFamily="18" charset="0"/>
-                <a:cs typeface="Times New Roman" panose="02020603050405020304" pitchFamily="18" charset="0"/>
-              </a:rPr>
-              <a:t>[package]@[version] </a:t>
+              <a:t>yarn upgrade [package]@[version] </a:t>
             </a:r>
           </a:p>
           <a:p>
@@ -8741,98 +10731,56 @@
             </a:pPr>
             <a:r>
               <a:rPr lang="en-US" sz="2400" dirty="0">
-                <a:latin typeface="Times New Roman" panose="02020603050405020304" pitchFamily="18" charset="0"/>
+                <a:latin typeface="Segoe UI Black" panose="020B0A02040204020203" pitchFamily="34" charset="0"/>
                 <a:cs typeface="Times New Roman" panose="02020603050405020304" pitchFamily="18" charset="0"/>
               </a:rPr>
-              <a:t>yarn </a:t>
-            </a:r>
-            <a:r>
-              <a:rPr lang="en-US" sz="2400" dirty="0" smtClean="0">
-                <a:latin typeface="Times New Roman" panose="02020603050405020304" pitchFamily="18" charset="0"/>
+              <a:t>yarn upgrade [package]@[tag]</a:t>
+            </a:r>
+          </a:p>
+          <a:p>
+            <a:endParaRPr lang="en-US" sz="2400" dirty="0">
+              <a:latin typeface="Segoe UI Black" panose="020B0A02040204020203" pitchFamily="34" charset="0"/>
+              <a:cs typeface="Times New Roman" panose="02020603050405020304" pitchFamily="18" charset="0"/>
+            </a:endParaRPr>
+          </a:p>
+          <a:p>
+            <a:r>
+              <a:rPr lang="en-US" sz="2400" i="1" dirty="0">
+                <a:latin typeface="Segoe UI Black" panose="020B0A02040204020203" pitchFamily="34" charset="0"/>
                 <a:cs typeface="Times New Roman" panose="02020603050405020304" pitchFamily="18" charset="0"/>
               </a:rPr>
-              <a:t>upgrade </a:t>
-            </a:r>
-            <a:r>
-              <a:rPr lang="en-US" sz="2400" dirty="0">
-                <a:latin typeface="Times New Roman" panose="02020603050405020304" pitchFamily="18" charset="0"/>
-                <a:cs typeface="Times New Roman" panose="02020603050405020304" pitchFamily="18" charset="0"/>
-              </a:rPr>
-              <a:t>[package]@[tag</a:t>
-            </a:r>
-            <a:r>
-              <a:rPr lang="en-US" sz="2400" dirty="0" smtClean="0">
-                <a:latin typeface="Times New Roman" panose="02020603050405020304" pitchFamily="18" charset="0"/>
-                <a:cs typeface="Times New Roman" panose="02020603050405020304" pitchFamily="18" charset="0"/>
-              </a:rPr>
-              <a:t>]</a:t>
-            </a:r>
-          </a:p>
-          <a:p>
-            <a:endParaRPr lang="en-US" sz="2400" dirty="0">
-              <a:latin typeface="Times New Roman" panose="02020603050405020304" pitchFamily="18" charset="0"/>
+              <a:t>Trong đó [package], [version] và [tag] lần lượt là tên package, phiên bản và thẻ của package.</a:t>
+            </a:r>
+          </a:p>
+          <a:p>
+            <a:endParaRPr lang="en-US" sz="2400" i="1" dirty="0">
+              <a:latin typeface="Segoe UI Black" panose="020B0A02040204020203" pitchFamily="34" charset="0"/>
               <a:cs typeface="Times New Roman" panose="02020603050405020304" pitchFamily="18" charset="0"/>
             </a:endParaRPr>
           </a:p>
           <a:p>
             <a:r>
               <a:rPr lang="en-US" sz="2400" i="1" dirty="0">
-                <a:latin typeface="Times New Roman" panose="02020603050405020304" pitchFamily="18" charset="0"/>
-                <a:cs typeface="Times New Roman" panose="02020603050405020304" pitchFamily="18" charset="0"/>
-              </a:rPr>
-              <a:t>Trong đó [package], [version] và [tag] lần lượt là tên package, phiên bản và thẻ của package</a:t>
-            </a:r>
-            <a:r>
-              <a:rPr lang="en-US" sz="2400" i="1" dirty="0" smtClean="0">
-                <a:latin typeface="Times New Roman" panose="02020603050405020304" pitchFamily="18" charset="0"/>
-                <a:cs typeface="Times New Roman" panose="02020603050405020304" pitchFamily="18" charset="0"/>
-              </a:rPr>
-              <a:t>.</a:t>
-            </a:r>
-          </a:p>
-          <a:p>
-            <a:endParaRPr lang="en-US" sz="2400" i="1" dirty="0">
-              <a:latin typeface="Times New Roman" panose="02020603050405020304" pitchFamily="18" charset="0"/>
-              <a:cs typeface="Times New Roman" panose="02020603050405020304" pitchFamily="18" charset="0"/>
-            </a:endParaRPr>
-          </a:p>
-          <a:p>
-            <a:r>
-              <a:rPr lang="en-US" sz="2400" i="1" dirty="0" smtClean="0">
-                <a:latin typeface="Times New Roman" panose="02020603050405020304" pitchFamily="18" charset="0"/>
+                <a:latin typeface="Segoe UI Black" panose="020B0A02040204020203" pitchFamily="34" charset="0"/>
                 <a:cs typeface="Times New Roman" panose="02020603050405020304" pitchFamily="18" charset="0"/>
               </a:rPr>
               <a:t>Ví dụ: </a:t>
             </a:r>
             <a:r>
               <a:rPr lang="en-US" sz="2400" dirty="0">
-                <a:latin typeface="Times New Roman" panose="02020603050405020304" pitchFamily="18" charset="0"/>
+                <a:latin typeface="Segoe UI Black" panose="020B0A02040204020203" pitchFamily="34" charset="0"/>
                 <a:cs typeface="Times New Roman" panose="02020603050405020304" pitchFamily="18" charset="0"/>
               </a:rPr>
-              <a:t>yarn </a:t>
-            </a:r>
-            <a:r>
-              <a:rPr lang="en-US" sz="2400" dirty="0" smtClean="0">
-                <a:latin typeface="Times New Roman" panose="02020603050405020304" pitchFamily="18" charset="0"/>
-                <a:cs typeface="Times New Roman" panose="02020603050405020304" pitchFamily="18" charset="0"/>
-              </a:rPr>
-              <a:t>upgrade </a:t>
-            </a:r>
-            <a:r>
-              <a:rPr lang="en-US" sz="2400" dirty="0">
-                <a:latin typeface="Times New Roman" panose="02020603050405020304" pitchFamily="18" charset="0"/>
-                <a:cs typeface="Times New Roman" panose="02020603050405020304" pitchFamily="18" charset="0"/>
-              </a:rPr>
-              <a:t>expo-cli</a:t>
+              <a:t>yarn upgrade expo-cli</a:t>
             </a:r>
             <a:endParaRPr lang="en-US" sz="2400" i="1" dirty="0">
-              <a:latin typeface="Times New Roman" panose="02020603050405020304" pitchFamily="18" charset="0"/>
+              <a:latin typeface="Segoe UI Black" panose="020B0A02040204020203" pitchFamily="34" charset="0"/>
               <a:cs typeface="Times New Roman" panose="02020603050405020304" pitchFamily="18" charset="0"/>
             </a:endParaRPr>
           </a:p>
           <a:p>
             <a:endParaRPr lang="en-US" sz="3200" dirty="0">
-              <a:latin typeface="Times New Roman" panose="02020603050405020304" pitchFamily="18" charset="0"/>
+              <a:latin typeface="Segoe UI Black" panose="020B0A02040204020203" pitchFamily="34" charset="0"/>
               <a:cs typeface="Times New Roman" panose="02020603050405020304" pitchFamily="18" charset="0"/>
             </a:endParaRPr>
           </a:p>
@@ -8991,7 +10939,7 @@
 </p:sld>
 </file>
 
-<file path=ppt/slides/slide8.xml><?xml version="1.0" encoding="utf-8"?>
+<file path=ppt/slides/slide9.xml><?xml version="1.0" encoding="utf-8"?>
 <p:sld xmlns:a="http://schemas.openxmlformats.org/drawingml/2006/main" xmlns:r="http://schemas.openxmlformats.org/officeDocument/2006/relationships" xmlns:p="http://schemas.openxmlformats.org/presentationml/2006/main">
   <p:cSld>
     <p:spTree>
@@ -9016,8 +10964,8 @@
         </p:nvSpPr>
         <p:spPr>
           <a:xfrm>
-            <a:off x="156754" y="226423"/>
-            <a:ext cx="3967753" cy="646331"/>
+            <a:off x="1827292" y="595700"/>
+            <a:ext cx="3841116" cy="553998"/>
           </a:xfrm>
           <a:prstGeom prst="rect">
             <a:avLst/>
@@ -9031,7 +10979,7 @@
           <a:lstStyle/>
           <a:p>
             <a:r>
-              <a:rPr lang="en-US" sz="3600" b="1" dirty="0" smtClean="0">
+              <a:rPr lang="en-US" sz="3000" b="1" dirty="0">
                 <a:solidFill>
                   <a:srgbClr val="FF0000"/>
                 </a:solidFill>
@@ -9042,25 +10990,11 @@
                     </a:srgbClr>
                   </a:outerShdw>
                 </a:effectLst>
-                <a:latin typeface="Times New Roman" panose="02020603050405020304" pitchFamily="18" charset="0"/>
+                <a:latin typeface="Segoe UI Black" panose="020B0A02040204020203" pitchFamily="34" charset="0"/>
                 <a:cs typeface="Times New Roman" panose="02020603050405020304" pitchFamily="18" charset="0"/>
               </a:rPr>
               <a:t>5. Remove package</a:t>
             </a:r>
-            <a:endParaRPr lang="en-US" sz="3600" b="1" dirty="0">
-              <a:solidFill>
-                <a:srgbClr val="FF0000"/>
-              </a:solidFill>
-              <a:effectLst>
-                <a:outerShdw blurRad="38100" dist="38100" dir="2700000" algn="tl">
-                  <a:srgbClr val="000000">
-                    <a:alpha val="43137"/>
-                  </a:srgbClr>
-                </a:outerShdw>
-              </a:effectLst>
-              <a:latin typeface="Times New Roman" panose="02020603050405020304" pitchFamily="18" charset="0"/>
-              <a:cs typeface="Times New Roman" panose="02020603050405020304" pitchFamily="18" charset="0"/>
-            </a:endParaRPr>
           </a:p>
         </p:txBody>
       </p:sp>
@@ -9072,8 +11006,8 @@
         </p:nvSpPr>
         <p:spPr>
           <a:xfrm>
-            <a:off x="156754" y="1127186"/>
-            <a:ext cx="4894217" cy="2431435"/>
+            <a:off x="1677398" y="2525163"/>
+            <a:ext cx="4894217" cy="2800767"/>
           </a:xfrm>
           <a:prstGeom prst="rect">
             <a:avLst/>
@@ -9088,22 +11022,15 @@
           <a:p>
             <a:r>
               <a:rPr lang="en-US" sz="2400" dirty="0">
-                <a:latin typeface="Times New Roman" panose="02020603050405020304" pitchFamily="18" charset="0"/>
+                <a:latin typeface="Segoe UI Black" panose="020B0A02040204020203" pitchFamily="34" charset="0"/>
                 <a:cs typeface="Times New Roman" panose="02020603050405020304" pitchFamily="18" charset="0"/>
               </a:rPr>
-              <a:t>L</a:t>
-            </a:r>
-            <a:r>
-              <a:rPr lang="en-US" sz="2400" dirty="0" smtClean="0">
-                <a:latin typeface="Times New Roman" panose="02020603050405020304" pitchFamily="18" charset="0"/>
-                <a:cs typeface="Times New Roman" panose="02020603050405020304" pitchFamily="18" charset="0"/>
-              </a:rPr>
-              <a:t>ệnh sử dụng để remove package:</a:t>
-            </a:r>
-          </a:p>
-          <a:p>
-            <a:endParaRPr lang="en-US" sz="2400" dirty="0" smtClean="0">
-              <a:latin typeface="Times New Roman" panose="02020603050405020304" pitchFamily="18" charset="0"/>
+              <a:t>Lệnh sử dụng để remove package:</a:t>
+            </a:r>
+          </a:p>
+          <a:p>
+            <a:endParaRPr lang="en-US" sz="2400" dirty="0">
+              <a:latin typeface="Segoe UI Black" panose="020B0A02040204020203" pitchFamily="34" charset="0"/>
               <a:cs typeface="Times New Roman" panose="02020603050405020304" pitchFamily="18" charset="0"/>
             </a:endParaRPr>
           </a:p>
@@ -9113,63 +11040,42 @@
               <a:buChar char="Ø"/>
             </a:pPr>
             <a:r>
-              <a:rPr lang="en-US" sz="2400" dirty="0" smtClean="0">
-                <a:latin typeface="Times New Roman" panose="02020603050405020304" pitchFamily="18" charset="0"/>
+              <a:rPr lang="en-US" sz="2400" dirty="0">
+                <a:latin typeface="Segoe UI Black" panose="020B0A02040204020203" pitchFamily="34" charset="0"/>
                 <a:cs typeface="Times New Roman" panose="02020603050405020304" pitchFamily="18" charset="0"/>
               </a:rPr>
-              <a:t>yarn remove [package</a:t>
-            </a:r>
-            <a:r>
-              <a:rPr lang="en-US" sz="2400" dirty="0">
-                <a:latin typeface="Times New Roman" panose="02020603050405020304" pitchFamily="18" charset="0"/>
-                <a:cs typeface="Times New Roman" panose="02020603050405020304" pitchFamily="18" charset="0"/>
-              </a:rPr>
-              <a:t>] </a:t>
+              <a:t>yarn remove [package] </a:t>
             </a:r>
           </a:p>
           <a:p>
             <a:endParaRPr lang="en-US" sz="2400" i="1" dirty="0">
-              <a:latin typeface="Times New Roman" panose="02020603050405020304" pitchFamily="18" charset="0"/>
+              <a:latin typeface="Segoe UI Black" panose="020B0A02040204020203" pitchFamily="34" charset="0"/>
               <a:cs typeface="Times New Roman" panose="02020603050405020304" pitchFamily="18" charset="0"/>
             </a:endParaRPr>
           </a:p>
           <a:p>
             <a:r>
-              <a:rPr lang="en-US" sz="2400" i="1" dirty="0" smtClean="0">
-                <a:latin typeface="Times New Roman" panose="02020603050405020304" pitchFamily="18" charset="0"/>
+              <a:rPr lang="en-US" sz="2400" i="1" dirty="0">
+                <a:latin typeface="Segoe UI Black" panose="020B0A02040204020203" pitchFamily="34" charset="0"/>
                 <a:cs typeface="Times New Roman" panose="02020603050405020304" pitchFamily="18" charset="0"/>
               </a:rPr>
               <a:t>Ví dụ: </a:t>
             </a:r>
             <a:r>
               <a:rPr lang="en-US" sz="2400" dirty="0">
-                <a:latin typeface="Times New Roman" panose="02020603050405020304" pitchFamily="18" charset="0"/>
+                <a:latin typeface="Segoe UI Black" panose="020B0A02040204020203" pitchFamily="34" charset="0"/>
                 <a:cs typeface="Times New Roman" panose="02020603050405020304" pitchFamily="18" charset="0"/>
               </a:rPr>
-              <a:t>yarn </a:t>
-            </a:r>
-            <a:r>
-              <a:rPr lang="en-US" sz="2400" dirty="0" smtClean="0">
-                <a:latin typeface="Times New Roman" panose="02020603050405020304" pitchFamily="18" charset="0"/>
-                <a:cs typeface="Times New Roman" panose="02020603050405020304" pitchFamily="18" charset="0"/>
-              </a:rPr>
-              <a:t>remove </a:t>
-            </a:r>
-            <a:r>
-              <a:rPr lang="en-US" sz="2400" dirty="0">
-                <a:latin typeface="Times New Roman" panose="02020603050405020304" pitchFamily="18" charset="0"/>
-                <a:cs typeface="Times New Roman" panose="02020603050405020304" pitchFamily="18" charset="0"/>
-              </a:rPr>
-              <a:t>expo-cli</a:t>
+              <a:t>yarn remove expo-cli</a:t>
             </a:r>
             <a:endParaRPr lang="en-US" sz="2400" i="1" dirty="0">
-              <a:latin typeface="Times New Roman" panose="02020603050405020304" pitchFamily="18" charset="0"/>
+              <a:latin typeface="Segoe UI Black" panose="020B0A02040204020203" pitchFamily="34" charset="0"/>
               <a:cs typeface="Times New Roman" panose="02020603050405020304" pitchFamily="18" charset="0"/>
             </a:endParaRPr>
           </a:p>
           <a:p>
             <a:endParaRPr lang="en-US" sz="3200" dirty="0">
-              <a:latin typeface="Times New Roman" panose="02020603050405020304" pitchFamily="18" charset="0"/>
+              <a:latin typeface="Segoe UI Black" panose="020B0A02040204020203" pitchFamily="34" charset="0"/>
               <a:cs typeface="Times New Roman" panose="02020603050405020304" pitchFamily="18" charset="0"/>
             </a:endParaRPr>
           </a:p>
@@ -9191,7 +11097,7 @@
         </p:blipFill>
         <p:spPr>
           <a:xfrm>
-            <a:off x="5313318" y="1046798"/>
+            <a:off x="5990325" y="1811729"/>
             <a:ext cx="5955573" cy="4959755"/>
           </a:xfrm>
           <a:prstGeom prst="rect">
@@ -9400,621 +11306,6 @@
     <p:bldLst>
       <p:bldP spid="2" grpId="0"/>
       <p:bldP spid="3" grpId="0"/>
-    </p:bldLst>
-  </p:timing>
-</p:sld>
-</file>
-
-<file path=ppt/slides/slide9.xml><?xml version="1.0" encoding="utf-8"?>
-<p:sld xmlns:a="http://schemas.openxmlformats.org/drawingml/2006/main" xmlns:r="http://schemas.openxmlformats.org/officeDocument/2006/relationships" xmlns:p="http://schemas.openxmlformats.org/presentationml/2006/main">
-  <p:cSld>
-    <p:spTree>
-      <p:nvGrpSpPr>
-        <p:cNvPr id="1" name=""/>
-        <p:cNvGrpSpPr/>
-        <p:nvPr/>
-      </p:nvGrpSpPr>
-      <p:grpSpPr>
-        <a:xfrm>
-          <a:off x="0" y="0"/>
-          <a:ext cx="0" cy="0"/>
-          <a:chOff x="0" y="0"/>
-          <a:chExt cx="0" cy="0"/>
-        </a:xfrm>
-      </p:grpSpPr>
-      <p:sp>
-        <p:nvSpPr>
-          <p:cNvPr id="2" name="TextBox 1"/>
-          <p:cNvSpPr txBox="1"/>
-          <p:nvPr/>
-        </p:nvSpPr>
-        <p:spPr>
-          <a:xfrm>
-            <a:off x="156754" y="226423"/>
-            <a:ext cx="6378349" cy="646331"/>
-          </a:xfrm>
-          <a:prstGeom prst="rect">
-            <a:avLst/>
-          </a:prstGeom>
-          <a:noFill/>
-        </p:spPr>
-        <p:txBody>
-          <a:bodyPr wrap="none" rtlCol="0">
-            <a:spAutoFit/>
-          </a:bodyPr>
-          <a:lstStyle/>
-          <a:p>
-            <a:r>
-              <a:rPr lang="en-US" sz="3600" b="1" dirty="0">
-                <a:solidFill>
-                  <a:srgbClr val="FF0000"/>
-                </a:solidFill>
-                <a:effectLst>
-                  <a:outerShdw blurRad="38100" dist="38100" dir="2700000" algn="tl">
-                    <a:srgbClr val="000000">
-                      <a:alpha val="43137"/>
-                    </a:srgbClr>
-                  </a:outerShdw>
-                </a:effectLst>
-                <a:latin typeface="Times New Roman" panose="02020603050405020304" pitchFamily="18" charset="0"/>
-                <a:cs typeface="Times New Roman" panose="02020603050405020304" pitchFamily="18" charset="0"/>
-              </a:rPr>
-              <a:t>6</a:t>
-            </a:r>
-            <a:r>
-              <a:rPr lang="en-US" sz="3600" b="1" dirty="0" smtClean="0">
-                <a:solidFill>
-                  <a:srgbClr val="FF0000"/>
-                </a:solidFill>
-                <a:effectLst>
-                  <a:outerShdw blurRad="38100" dist="38100" dir="2700000" algn="tl">
-                    <a:srgbClr val="000000">
-                      <a:alpha val="43137"/>
-                    </a:srgbClr>
-                  </a:outerShdw>
-                </a:effectLst>
-                <a:latin typeface="Times New Roman" panose="02020603050405020304" pitchFamily="18" charset="0"/>
-                <a:cs typeface="Times New Roman" panose="02020603050405020304" pitchFamily="18" charset="0"/>
-              </a:rPr>
-              <a:t>. Sử dụng Package cho project</a:t>
-            </a:r>
-            <a:endParaRPr lang="en-US" sz="3600" b="1" dirty="0">
-              <a:solidFill>
-                <a:srgbClr val="FF0000"/>
-              </a:solidFill>
-              <a:effectLst>
-                <a:outerShdw blurRad="38100" dist="38100" dir="2700000" algn="tl">
-                  <a:srgbClr val="000000">
-                    <a:alpha val="43137"/>
-                  </a:srgbClr>
-                </a:outerShdw>
-              </a:effectLst>
-              <a:latin typeface="Times New Roman" panose="02020603050405020304" pitchFamily="18" charset="0"/>
-              <a:cs typeface="Times New Roman" panose="02020603050405020304" pitchFamily="18" charset="0"/>
-            </a:endParaRPr>
-          </a:p>
-        </p:txBody>
-      </p:sp>
-      <p:sp>
-        <p:nvSpPr>
-          <p:cNvPr id="3" name="TextBox 2"/>
-          <p:cNvSpPr txBox="1"/>
-          <p:nvPr/>
-        </p:nvSpPr>
-        <p:spPr>
-          <a:xfrm>
-            <a:off x="156754" y="1127186"/>
-            <a:ext cx="11321143" cy="1938992"/>
-          </a:xfrm>
-          <a:prstGeom prst="rect">
-            <a:avLst/>
-          </a:prstGeom>
-          <a:noFill/>
-        </p:spPr>
-        <p:txBody>
-          <a:bodyPr wrap="square" rtlCol="0">
-            <a:spAutoFit/>
-          </a:bodyPr>
-          <a:lstStyle/>
-          <a:p>
-            <a:r>
-              <a:rPr lang="en-US" sz="2400" dirty="0">
-                <a:latin typeface="Times New Roman" panose="02020603050405020304" pitchFamily="18" charset="0"/>
-                <a:cs typeface="Times New Roman" panose="02020603050405020304" pitchFamily="18" charset="0"/>
-              </a:rPr>
-              <a:t>L</a:t>
-            </a:r>
-            <a:r>
-              <a:rPr lang="en-US" sz="2400" dirty="0" smtClean="0">
-                <a:latin typeface="Times New Roman" panose="02020603050405020304" pitchFamily="18" charset="0"/>
-                <a:cs typeface="Times New Roman" panose="02020603050405020304" pitchFamily="18" charset="0"/>
-              </a:rPr>
-              <a:t>ệnh sử dụng để load packages cho project:</a:t>
-            </a:r>
-          </a:p>
-          <a:p>
-            <a:endParaRPr lang="en-US" sz="2400" dirty="0" smtClean="0">
-              <a:latin typeface="Times New Roman" panose="02020603050405020304" pitchFamily="18" charset="0"/>
-              <a:cs typeface="Times New Roman" panose="02020603050405020304" pitchFamily="18" charset="0"/>
-            </a:endParaRPr>
-          </a:p>
-          <a:p>
-            <a:pPr marL="342900" indent="-342900">
-              <a:buFont typeface="Wingdings" panose="05000000000000000000" pitchFamily="2" charset="2"/>
-              <a:buChar char="Ø"/>
-            </a:pPr>
-            <a:r>
-              <a:rPr lang="en-US" sz="2400" dirty="0" smtClean="0">
-                <a:latin typeface="Times New Roman" panose="02020603050405020304" pitchFamily="18" charset="0"/>
-                <a:cs typeface="Times New Roman" panose="02020603050405020304" pitchFamily="18" charset="0"/>
-              </a:rPr>
-              <a:t>yarn install</a:t>
-            </a:r>
-          </a:p>
-          <a:p>
-            <a:pPr marL="342900" indent="-342900">
-              <a:buFont typeface="Wingdings" panose="05000000000000000000" pitchFamily="2" charset="2"/>
-              <a:buChar char="Ø"/>
-            </a:pPr>
-            <a:endParaRPr lang="en-US" sz="2400" dirty="0">
-              <a:latin typeface="Times New Roman" panose="02020603050405020304" pitchFamily="18" charset="0"/>
-              <a:cs typeface="Times New Roman" panose="02020603050405020304" pitchFamily="18" charset="0"/>
-            </a:endParaRPr>
-          </a:p>
-          <a:p>
-            <a:pPr marL="342900" indent="-342900">
-              <a:buFont typeface="Wingdings" panose="05000000000000000000" pitchFamily="2" charset="2"/>
-              <a:buChar char="Ø"/>
-            </a:pPr>
-            <a:r>
-              <a:rPr lang="en-US" sz="2400" dirty="0" smtClean="0">
-                <a:latin typeface="Times New Roman" panose="02020603050405020304" pitchFamily="18" charset="0"/>
-                <a:cs typeface="Times New Roman" panose="02020603050405020304" pitchFamily="18" charset="0"/>
-              </a:rPr>
-              <a:t>yarn</a:t>
-            </a:r>
-            <a:endParaRPr lang="en-US" sz="2400" dirty="0">
-              <a:latin typeface="Times New Roman" panose="02020603050405020304" pitchFamily="18" charset="0"/>
-              <a:cs typeface="Times New Roman" panose="02020603050405020304" pitchFamily="18" charset="0"/>
-            </a:endParaRPr>
-          </a:p>
-        </p:txBody>
-      </p:sp>
-      <p:sp>
-        <p:nvSpPr>
-          <p:cNvPr id="4" name="TextBox 3"/>
-          <p:cNvSpPr txBox="1"/>
-          <p:nvPr/>
-        </p:nvSpPr>
-        <p:spPr>
-          <a:xfrm>
-            <a:off x="156754" y="3198223"/>
-            <a:ext cx="6680034" cy="646331"/>
-          </a:xfrm>
-          <a:prstGeom prst="rect">
-            <a:avLst/>
-          </a:prstGeom>
-          <a:noFill/>
-        </p:spPr>
-        <p:txBody>
-          <a:bodyPr wrap="none" rtlCol="0">
-            <a:spAutoFit/>
-          </a:bodyPr>
-          <a:lstStyle/>
-          <a:p>
-            <a:r>
-              <a:rPr lang="en-US" sz="3600" b="1" dirty="0">
-                <a:solidFill>
-                  <a:srgbClr val="FF0000"/>
-                </a:solidFill>
-                <a:effectLst>
-                  <a:outerShdw blurRad="38100" dist="38100" dir="2700000" algn="tl">
-                    <a:srgbClr val="000000">
-                      <a:alpha val="43137"/>
-                    </a:srgbClr>
-                  </a:outerShdw>
-                </a:effectLst>
-                <a:latin typeface="Times New Roman" panose="02020603050405020304" pitchFamily="18" charset="0"/>
-                <a:cs typeface="Times New Roman" panose="02020603050405020304" pitchFamily="18" charset="0"/>
-              </a:rPr>
-              <a:t>7</a:t>
-            </a:r>
-            <a:r>
-              <a:rPr lang="en-US" sz="3600" b="1" dirty="0" smtClean="0">
-                <a:solidFill>
-                  <a:srgbClr val="FF0000"/>
-                </a:solidFill>
-                <a:effectLst>
-                  <a:outerShdw blurRad="38100" dist="38100" dir="2700000" algn="tl">
-                    <a:srgbClr val="000000">
-                      <a:alpha val="43137"/>
-                    </a:srgbClr>
-                  </a:outerShdw>
-                </a:effectLst>
-                <a:latin typeface="Times New Roman" panose="02020603050405020304" pitchFamily="18" charset="0"/>
-                <a:cs typeface="Times New Roman" panose="02020603050405020304" pitchFamily="18" charset="0"/>
-              </a:rPr>
-              <a:t>. Một số lệnh khác thường dùng</a:t>
-            </a:r>
-            <a:endParaRPr lang="en-US" sz="3600" b="1" dirty="0">
-              <a:solidFill>
-                <a:srgbClr val="FF0000"/>
-              </a:solidFill>
-              <a:effectLst>
-                <a:outerShdw blurRad="38100" dist="38100" dir="2700000" algn="tl">
-                  <a:srgbClr val="000000">
-                    <a:alpha val="43137"/>
-                  </a:srgbClr>
-                </a:outerShdw>
-              </a:effectLst>
-              <a:latin typeface="Times New Roman" panose="02020603050405020304" pitchFamily="18" charset="0"/>
-              <a:cs typeface="Times New Roman" panose="02020603050405020304" pitchFamily="18" charset="0"/>
-            </a:endParaRPr>
-          </a:p>
-        </p:txBody>
-      </p:sp>
-      <p:sp>
-        <p:nvSpPr>
-          <p:cNvPr id="5" name="TextBox 4"/>
-          <p:cNvSpPr txBox="1"/>
-          <p:nvPr/>
-        </p:nvSpPr>
-        <p:spPr>
-          <a:xfrm>
-            <a:off x="156754" y="4098986"/>
-            <a:ext cx="11321143" cy="2308324"/>
-          </a:xfrm>
-          <a:prstGeom prst="rect">
-            <a:avLst/>
-          </a:prstGeom>
-          <a:noFill/>
-        </p:spPr>
-        <p:txBody>
-          <a:bodyPr wrap="square" rtlCol="0">
-            <a:spAutoFit/>
-          </a:bodyPr>
-          <a:lstStyle/>
-          <a:p>
-            <a:pPr marL="342900" indent="-342900">
-              <a:buFont typeface="Wingdings" panose="05000000000000000000" pitchFamily="2" charset="2"/>
-              <a:buChar char="Ø"/>
-            </a:pPr>
-            <a:r>
-              <a:rPr lang="en-US" sz="2400" dirty="0" smtClean="0">
-                <a:latin typeface="Times New Roman" panose="02020603050405020304" pitchFamily="18" charset="0"/>
-                <a:cs typeface="Times New Roman" panose="02020603050405020304" pitchFamily="18" charset="0"/>
-              </a:rPr>
-              <a:t>yarn list</a:t>
-            </a:r>
-            <a:r>
-              <a:rPr lang="en-US" sz="2400" i="1" dirty="0" smtClean="0">
-                <a:latin typeface="Times New Roman" panose="02020603050405020304" pitchFamily="18" charset="0"/>
-                <a:cs typeface="Times New Roman" panose="02020603050405020304" pitchFamily="18" charset="0"/>
-              </a:rPr>
-              <a:t> // các package đã cài đặt</a:t>
-            </a:r>
-          </a:p>
-          <a:p>
-            <a:endParaRPr lang="en-US" sz="2400" dirty="0">
-              <a:latin typeface="Times New Roman" panose="02020603050405020304" pitchFamily="18" charset="0"/>
-              <a:cs typeface="Times New Roman" panose="02020603050405020304" pitchFamily="18" charset="0"/>
-            </a:endParaRPr>
-          </a:p>
-          <a:p>
-            <a:pPr marL="342900" indent="-342900">
-              <a:buFont typeface="Wingdings" panose="05000000000000000000" pitchFamily="2" charset="2"/>
-              <a:buChar char="Ø"/>
-            </a:pPr>
-            <a:r>
-              <a:rPr lang="en-US" sz="2400" dirty="0" smtClean="0">
-                <a:latin typeface="Times New Roman" panose="02020603050405020304" pitchFamily="18" charset="0"/>
-                <a:cs typeface="Times New Roman" panose="02020603050405020304" pitchFamily="18" charset="0"/>
-              </a:rPr>
-              <a:t>Yarn check </a:t>
-            </a:r>
-            <a:r>
-              <a:rPr lang="en-US" sz="2400" i="1" dirty="0">
-                <a:latin typeface="Times New Roman" panose="02020603050405020304" pitchFamily="18" charset="0"/>
-                <a:cs typeface="Times New Roman" panose="02020603050405020304" pitchFamily="18" charset="0"/>
-              </a:rPr>
-              <a:t>// </a:t>
-            </a:r>
-            <a:r>
-              <a:rPr lang="en-US" sz="2400" i="1" dirty="0" smtClean="0">
-                <a:latin typeface="Times New Roman" panose="02020603050405020304" pitchFamily="18" charset="0"/>
-                <a:cs typeface="Times New Roman" panose="02020603050405020304" pitchFamily="18" charset="0"/>
-              </a:rPr>
-              <a:t>check phiên bản và file lock</a:t>
-            </a:r>
-          </a:p>
-          <a:p>
-            <a:pPr marL="342900" indent="-342900">
-              <a:buFont typeface="Wingdings" panose="05000000000000000000" pitchFamily="2" charset="2"/>
-              <a:buChar char="Ø"/>
-            </a:pPr>
-            <a:endParaRPr lang="en-US" sz="2400" i="1" dirty="0">
-              <a:latin typeface="Times New Roman" panose="02020603050405020304" pitchFamily="18" charset="0"/>
-              <a:cs typeface="Times New Roman" panose="02020603050405020304" pitchFamily="18" charset="0"/>
-            </a:endParaRPr>
-          </a:p>
-          <a:p>
-            <a:pPr marL="342900" indent="-342900">
-              <a:buFont typeface="Wingdings" panose="05000000000000000000" pitchFamily="2" charset="2"/>
-              <a:buChar char="Ø"/>
-            </a:pPr>
-            <a:endParaRPr lang="en-US" sz="2400" i="1" dirty="0">
-              <a:latin typeface="Times New Roman" panose="02020603050405020304" pitchFamily="18" charset="0"/>
-              <a:cs typeface="Times New Roman" panose="02020603050405020304" pitchFamily="18" charset="0"/>
-            </a:endParaRPr>
-          </a:p>
-          <a:p>
-            <a:pPr marL="342900" indent="-342900">
-              <a:buFont typeface="Wingdings" panose="05000000000000000000" pitchFamily="2" charset="2"/>
-              <a:buChar char="Ø"/>
-            </a:pPr>
-            <a:endParaRPr lang="en-US" sz="2400" dirty="0">
-              <a:latin typeface="Times New Roman" panose="02020603050405020304" pitchFamily="18" charset="0"/>
-              <a:cs typeface="Times New Roman" panose="02020603050405020304" pitchFamily="18" charset="0"/>
-            </a:endParaRPr>
-          </a:p>
-        </p:txBody>
-      </p:sp>
-    </p:spTree>
-    <p:extLst>
-      <p:ext uri="{BB962C8B-B14F-4D97-AF65-F5344CB8AC3E}">
-        <p14:creationId xmlns:p14="http://schemas.microsoft.com/office/powerpoint/2010/main" val="1147260739"/>
-      </p:ext>
-    </p:extLst>
-  </p:cSld>
-  <p:clrMapOvr>
-    <a:masterClrMapping/>
-  </p:clrMapOvr>
-  <p:timing>
-    <p:tnLst>
-      <p:par>
-        <p:cTn id="1" dur="indefinite" restart="never" nodeType="tmRoot">
-          <p:childTnLst>
-            <p:seq concurrent="1" nextAc="seek">
-              <p:cTn id="2" dur="indefinite" nodeType="mainSeq">
-                <p:childTnLst>
-                  <p:par>
-                    <p:cTn id="3" fill="hold">
-                      <p:stCondLst>
-                        <p:cond delay="indefinite"/>
-                      </p:stCondLst>
-                      <p:childTnLst>
-                        <p:par>
-                          <p:cTn id="4" fill="hold">
-                            <p:stCondLst>
-                              <p:cond delay="0"/>
-                            </p:stCondLst>
-                            <p:childTnLst>
-                              <p:par>
-                                <p:cTn id="5" presetID="14" presetClass="entr" presetSubtype="10" fill="hold" grpId="0" nodeType="clickEffect">
-                                  <p:stCondLst>
-                                    <p:cond delay="0"/>
-                                  </p:stCondLst>
-                                  <p:childTnLst>
-                                    <p:set>
-                                      <p:cBhvr>
-                                        <p:cTn id="6" dur="1" fill="hold">
-                                          <p:stCondLst>
-                                            <p:cond delay="0"/>
-                                          </p:stCondLst>
-                                        </p:cTn>
-                                        <p:tgtEl>
-                                          <p:spTgt spid="2"/>
-                                        </p:tgtEl>
-                                        <p:attrNameLst>
-                                          <p:attrName>style.visibility</p:attrName>
-                                        </p:attrNameLst>
-                                      </p:cBhvr>
-                                      <p:to>
-                                        <p:strVal val="visible"/>
-                                      </p:to>
-                                    </p:set>
-                                    <p:animEffect transition="in" filter="randombar(horizontal)">
-                                      <p:cBhvr>
-                                        <p:cTn id="7" dur="500"/>
-                                        <p:tgtEl>
-                                          <p:spTgt spid="2"/>
-                                        </p:tgtEl>
-                                      </p:cBhvr>
-                                    </p:animEffect>
-                                  </p:childTnLst>
-                                </p:cTn>
-                              </p:par>
-                            </p:childTnLst>
-                          </p:cTn>
-                        </p:par>
-                      </p:childTnLst>
-                    </p:cTn>
-                  </p:par>
-                  <p:par>
-                    <p:cTn id="8" fill="hold">
-                      <p:stCondLst>
-                        <p:cond delay="indefinite"/>
-                      </p:stCondLst>
-                      <p:childTnLst>
-                        <p:par>
-                          <p:cTn id="9" fill="hold">
-                            <p:stCondLst>
-                              <p:cond delay="0"/>
-                            </p:stCondLst>
-                            <p:childTnLst>
-                              <p:par>
-                                <p:cTn id="10" presetID="14" presetClass="entr" presetSubtype="10" fill="hold" grpId="0" nodeType="clickEffect">
-                                  <p:stCondLst>
-                                    <p:cond delay="0"/>
-                                  </p:stCondLst>
-                                  <p:childTnLst>
-                                    <p:set>
-                                      <p:cBhvr>
-                                        <p:cTn id="11" dur="1" fill="hold">
-                                          <p:stCondLst>
-                                            <p:cond delay="0"/>
-                                          </p:stCondLst>
-                                        </p:cTn>
-                                        <p:tgtEl>
-                                          <p:spTgt spid="3"/>
-                                        </p:tgtEl>
-                                        <p:attrNameLst>
-                                          <p:attrName>style.visibility</p:attrName>
-                                        </p:attrNameLst>
-                                      </p:cBhvr>
-                                      <p:to>
-                                        <p:strVal val="visible"/>
-                                      </p:to>
-                                    </p:set>
-                                    <p:animEffect transition="in" filter="randombar(horizontal)">
-                                      <p:cBhvr>
-                                        <p:cTn id="12" dur="500"/>
-                                        <p:tgtEl>
-                                          <p:spTgt spid="3"/>
-                                        </p:tgtEl>
-                                      </p:cBhvr>
-                                    </p:animEffect>
-                                  </p:childTnLst>
-                                </p:cTn>
-                              </p:par>
-                            </p:childTnLst>
-                          </p:cTn>
-                        </p:par>
-                      </p:childTnLst>
-                    </p:cTn>
-                  </p:par>
-                  <p:par>
-                    <p:cTn id="13" fill="hold">
-                      <p:stCondLst>
-                        <p:cond delay="indefinite"/>
-                      </p:stCondLst>
-                      <p:childTnLst>
-                        <p:par>
-                          <p:cTn id="14" fill="hold">
-                            <p:stCondLst>
-                              <p:cond delay="0"/>
-                            </p:stCondLst>
-                            <p:childTnLst>
-                              <p:par>
-                                <p:cTn id="15" presetID="14" presetClass="entr" presetSubtype="10" fill="hold" grpId="0" nodeType="clickEffect">
-                                  <p:stCondLst>
-                                    <p:cond delay="0"/>
-                                  </p:stCondLst>
-                                  <p:childTnLst>
-                                    <p:set>
-                                      <p:cBhvr>
-                                        <p:cTn id="16" dur="1" fill="hold">
-                                          <p:stCondLst>
-                                            <p:cond delay="0"/>
-                                          </p:stCondLst>
-                                        </p:cTn>
-                                        <p:tgtEl>
-                                          <p:spTgt spid="4"/>
-                                        </p:tgtEl>
-                                        <p:attrNameLst>
-                                          <p:attrName>style.visibility</p:attrName>
-                                        </p:attrNameLst>
-                                      </p:cBhvr>
-                                      <p:to>
-                                        <p:strVal val="visible"/>
-                                      </p:to>
-                                    </p:set>
-                                    <p:animEffect transition="in" filter="randombar(horizontal)">
-                                      <p:cBhvr>
-                                        <p:cTn id="17" dur="500"/>
-                                        <p:tgtEl>
-                                          <p:spTgt spid="4"/>
-                                        </p:tgtEl>
-                                      </p:cBhvr>
-                                    </p:animEffect>
-                                  </p:childTnLst>
-                                </p:cTn>
-                              </p:par>
-                            </p:childTnLst>
-                          </p:cTn>
-                        </p:par>
-                      </p:childTnLst>
-                    </p:cTn>
-                  </p:par>
-                  <p:par>
-                    <p:cTn id="18" fill="hold">
-                      <p:stCondLst>
-                        <p:cond delay="indefinite"/>
-                      </p:stCondLst>
-                      <p:childTnLst>
-                        <p:par>
-                          <p:cTn id="19" fill="hold">
-                            <p:stCondLst>
-                              <p:cond delay="0"/>
-                            </p:stCondLst>
-                            <p:childTnLst>
-                              <p:par>
-                                <p:cTn id="20" presetID="14" presetClass="entr" presetSubtype="10" fill="hold" grpId="0" nodeType="clickEffect">
-                                  <p:stCondLst>
-                                    <p:cond delay="0"/>
-                                  </p:stCondLst>
-                                  <p:childTnLst>
-                                    <p:set>
-                                      <p:cBhvr>
-                                        <p:cTn id="21" dur="1" fill="hold">
-                                          <p:stCondLst>
-                                            <p:cond delay="0"/>
-                                          </p:stCondLst>
-                                        </p:cTn>
-                                        <p:tgtEl>
-                                          <p:spTgt spid="5"/>
-                                        </p:tgtEl>
-                                        <p:attrNameLst>
-                                          <p:attrName>style.visibility</p:attrName>
-                                        </p:attrNameLst>
-                                      </p:cBhvr>
-                                      <p:to>
-                                        <p:strVal val="visible"/>
-                                      </p:to>
-                                    </p:set>
-                                    <p:animEffect transition="in" filter="randombar(horizontal)">
-                                      <p:cBhvr>
-                                        <p:cTn id="22" dur="500"/>
-                                        <p:tgtEl>
-                                          <p:spTgt spid="5"/>
-                                        </p:tgtEl>
-                                      </p:cBhvr>
-                                    </p:animEffect>
-                                  </p:childTnLst>
-                                </p:cTn>
-                              </p:par>
-                            </p:childTnLst>
-                          </p:cTn>
-                        </p:par>
-                      </p:childTnLst>
-                    </p:cTn>
-                  </p:par>
-                </p:childTnLst>
-              </p:cTn>
-              <p:prevCondLst>
-                <p:cond evt="onPrev" delay="0">
-                  <p:tgtEl>
-                    <p:sldTgt/>
-                  </p:tgtEl>
-                </p:cond>
-              </p:prevCondLst>
-              <p:nextCondLst>
-                <p:cond evt="onNext" delay="0">
-                  <p:tgtEl>
-                    <p:sldTgt/>
-                  </p:tgtEl>
-                </p:cond>
-              </p:nextCondLst>
-            </p:seq>
-          </p:childTnLst>
-        </p:cTn>
-      </p:par>
-    </p:tnLst>
-    <p:bldLst>
-      <p:bldP spid="2" grpId="0"/>
-      <p:bldP spid="3" grpId="0"/>
-      <p:bldP spid="4" grpId="0"/>
-      <p:bldP spid="5" grpId="0"/>
     </p:bldLst>
   </p:timing>
 </p:sld>
